--- a/화면구성20190717.pptx
+++ b/화면구성20190717.pptx
@@ -6,10 +6,17 @@
   </p:sldMasterIdLst>
   <p:sldIdLst>
     <p:sldId id="256" r:id="rId2"/>
-    <p:sldId id="258" r:id="rId3"/>
-    <p:sldId id="259" r:id="rId4"/>
-    <p:sldId id="261" r:id="rId5"/>
-    <p:sldId id="260" r:id="rId6"/>
+    <p:sldId id="267" r:id="rId3"/>
+    <p:sldId id="258" r:id="rId4"/>
+    <p:sldId id="259" r:id="rId5"/>
+    <p:sldId id="266" r:id="rId6"/>
+    <p:sldId id="268" r:id="rId7"/>
+    <p:sldId id="261" r:id="rId8"/>
+    <p:sldId id="263" r:id="rId9"/>
+    <p:sldId id="264" r:id="rId10"/>
+    <p:sldId id="260" r:id="rId11"/>
+    <p:sldId id="262" r:id="rId12"/>
+    <p:sldId id="265" r:id="rId13"/>
   </p:sldIdLst>
   <p:sldSz cx="9144000" cy="6858000" type="screen4x3"/>
   <p:notesSz cx="6858000" cy="9144000"/>
@@ -292,7 +299,7 @@
           <a:p>
             <a:fld id="{47D1B0CD-555B-4F37-851B-650B607EE1CA}" type="datetimeFigureOut">
               <a:rPr lang="ko-KR" altLang="en-US" smtClean="0"/>
-              <a:t>2019-07-17</a:t>
+              <a:t>2019-07-18</a:t>
             </a:fld>
             <a:endParaRPr lang="ko-KR" altLang="en-US"/>
           </a:p>
@@ -462,7 +469,7 @@
           <a:p>
             <a:fld id="{47D1B0CD-555B-4F37-851B-650B607EE1CA}" type="datetimeFigureOut">
               <a:rPr lang="ko-KR" altLang="en-US" smtClean="0"/>
-              <a:t>2019-07-17</a:t>
+              <a:t>2019-07-18</a:t>
             </a:fld>
             <a:endParaRPr lang="ko-KR" altLang="en-US"/>
           </a:p>
@@ -642,7 +649,7 @@
           <a:p>
             <a:fld id="{47D1B0CD-555B-4F37-851B-650B607EE1CA}" type="datetimeFigureOut">
               <a:rPr lang="ko-KR" altLang="en-US" smtClean="0"/>
-              <a:t>2019-07-17</a:t>
+              <a:t>2019-07-18</a:t>
             </a:fld>
             <a:endParaRPr lang="ko-KR" altLang="en-US"/>
           </a:p>
@@ -812,7 +819,7 @@
           <a:p>
             <a:fld id="{47D1B0CD-555B-4F37-851B-650B607EE1CA}" type="datetimeFigureOut">
               <a:rPr lang="ko-KR" altLang="en-US" smtClean="0"/>
-              <a:t>2019-07-17</a:t>
+              <a:t>2019-07-18</a:t>
             </a:fld>
             <a:endParaRPr lang="ko-KR" altLang="en-US"/>
           </a:p>
@@ -1058,7 +1065,7 @@
           <a:p>
             <a:fld id="{47D1B0CD-555B-4F37-851B-650B607EE1CA}" type="datetimeFigureOut">
               <a:rPr lang="ko-KR" altLang="en-US" smtClean="0"/>
-              <a:t>2019-07-17</a:t>
+              <a:t>2019-07-18</a:t>
             </a:fld>
             <a:endParaRPr lang="ko-KR" altLang="en-US"/>
           </a:p>
@@ -1346,7 +1353,7 @@
           <a:p>
             <a:fld id="{47D1B0CD-555B-4F37-851B-650B607EE1CA}" type="datetimeFigureOut">
               <a:rPr lang="ko-KR" altLang="en-US" smtClean="0"/>
-              <a:t>2019-07-17</a:t>
+              <a:t>2019-07-18</a:t>
             </a:fld>
             <a:endParaRPr lang="ko-KR" altLang="en-US"/>
           </a:p>
@@ -1768,7 +1775,7 @@
           <a:p>
             <a:fld id="{47D1B0CD-555B-4F37-851B-650B607EE1CA}" type="datetimeFigureOut">
               <a:rPr lang="ko-KR" altLang="en-US" smtClean="0"/>
-              <a:t>2019-07-17</a:t>
+              <a:t>2019-07-18</a:t>
             </a:fld>
             <a:endParaRPr lang="ko-KR" altLang="en-US"/>
           </a:p>
@@ -1886,7 +1893,7 @@
           <a:p>
             <a:fld id="{47D1B0CD-555B-4F37-851B-650B607EE1CA}" type="datetimeFigureOut">
               <a:rPr lang="ko-KR" altLang="en-US" smtClean="0"/>
-              <a:t>2019-07-17</a:t>
+              <a:t>2019-07-18</a:t>
             </a:fld>
             <a:endParaRPr lang="ko-KR" altLang="en-US"/>
           </a:p>
@@ -1981,7 +1988,7 @@
           <a:p>
             <a:fld id="{47D1B0CD-555B-4F37-851B-650B607EE1CA}" type="datetimeFigureOut">
               <a:rPr lang="ko-KR" altLang="en-US" smtClean="0"/>
-              <a:t>2019-07-17</a:t>
+              <a:t>2019-07-18</a:t>
             </a:fld>
             <a:endParaRPr lang="ko-KR" altLang="en-US"/>
           </a:p>
@@ -2258,7 +2265,7 @@
           <a:p>
             <a:fld id="{47D1B0CD-555B-4F37-851B-650B607EE1CA}" type="datetimeFigureOut">
               <a:rPr lang="ko-KR" altLang="en-US" smtClean="0"/>
-              <a:t>2019-07-17</a:t>
+              <a:t>2019-07-18</a:t>
             </a:fld>
             <a:endParaRPr lang="ko-KR" altLang="en-US"/>
           </a:p>
@@ -2511,7 +2518,7 @@
           <a:p>
             <a:fld id="{47D1B0CD-555B-4F37-851B-650B607EE1CA}" type="datetimeFigureOut">
               <a:rPr lang="ko-KR" altLang="en-US" smtClean="0"/>
-              <a:t>2019-07-17</a:t>
+              <a:t>2019-07-18</a:t>
             </a:fld>
             <a:endParaRPr lang="ko-KR" altLang="en-US"/>
           </a:p>
@@ -2724,7 +2731,7 @@
           <a:p>
             <a:fld id="{47D1B0CD-555B-4F37-851B-650B607EE1CA}" type="datetimeFigureOut">
               <a:rPr lang="ko-KR" altLang="en-US" smtClean="0"/>
-              <a:t>2019-07-17</a:t>
+              <a:t>2019-07-18</a:t>
             </a:fld>
             <a:endParaRPr lang="ko-KR" altLang="en-US"/>
           </a:p>
@@ -3150,6 +3157,2152 @@
 </p:sld>
 </file>
 
+<file path=ppt/slides/slide10.xml><?xml version="1.0" encoding="utf-8"?>
+<p:sld xmlns:a="http://schemas.openxmlformats.org/drawingml/2006/main" xmlns:r="http://schemas.openxmlformats.org/officeDocument/2006/relationships" xmlns:p="http://schemas.openxmlformats.org/presentationml/2006/main">
+  <p:cSld>
+    <p:spTree>
+      <p:nvGrpSpPr>
+        <p:cNvPr id="1" name=""/>
+        <p:cNvGrpSpPr/>
+        <p:nvPr/>
+      </p:nvGrpSpPr>
+      <p:grpSpPr>
+        <a:xfrm>
+          <a:off x="0" y="0"/>
+          <a:ext cx="0" cy="0"/>
+          <a:chOff x="0" y="0"/>
+          <a:chExt cx="0" cy="0"/>
+        </a:xfrm>
+      </p:grpSpPr>
+      <p:sp>
+        <p:nvSpPr>
+          <p:cNvPr id="2" name="제목 1"/>
+          <p:cNvSpPr>
+            <a:spLocks noGrp="1"/>
+          </p:cNvSpPr>
+          <p:nvPr>
+            <p:ph type="title"/>
+          </p:nvPr>
+        </p:nvSpPr>
+        <p:spPr/>
+        <p:txBody>
+          <a:bodyPr/>
+          <a:lstStyle/>
+          <a:p>
+            <a:r>
+              <a:rPr lang="en-US" altLang="ko-KR" dirty="0" smtClean="0"/>
+              <a:t>Staff</a:t>
+            </a:r>
+            <a:endParaRPr lang="ko-KR" altLang="en-US" dirty="0"/>
+          </a:p>
+        </p:txBody>
+      </p:sp>
+      <p:sp>
+        <p:nvSpPr>
+          <p:cNvPr id="4" name="직사각형 3"/>
+          <p:cNvSpPr/>
+          <p:nvPr/>
+        </p:nvSpPr>
+        <p:spPr>
+          <a:xfrm>
+            <a:off x="467544" y="1628800"/>
+            <a:ext cx="8208912" cy="4464496"/>
+          </a:xfrm>
+          <a:prstGeom prst="rect">
+            <a:avLst/>
+          </a:prstGeom>
+          <a:noFill/>
+          <a:ln>
+            <a:solidFill>
+              <a:schemeClr val="tx1"/>
+            </a:solidFill>
+          </a:ln>
+        </p:spPr>
+        <p:style>
+          <a:lnRef idx="2">
+            <a:schemeClr val="accent1">
+              <a:shade val="50000"/>
+            </a:schemeClr>
+          </a:lnRef>
+          <a:fillRef idx="1">
+            <a:schemeClr val="accent1"/>
+          </a:fillRef>
+          <a:effectRef idx="0">
+            <a:schemeClr val="accent1"/>
+          </a:effectRef>
+          <a:fontRef idx="minor">
+            <a:schemeClr val="lt1"/>
+          </a:fontRef>
+        </p:style>
+        <p:txBody>
+          <a:bodyPr rtlCol="0" anchor="ctr"/>
+          <a:lstStyle/>
+          <a:p>
+            <a:pPr algn="ctr"/>
+            <a:endParaRPr lang="ko-KR" altLang="en-US"/>
+          </a:p>
+        </p:txBody>
+      </p:sp>
+      <p:sp>
+        <p:nvSpPr>
+          <p:cNvPr id="5" name="직사각형 4"/>
+          <p:cNvSpPr/>
+          <p:nvPr/>
+        </p:nvSpPr>
+        <p:spPr>
+          <a:xfrm>
+            <a:off x="467544" y="1628800"/>
+            <a:ext cx="8208912" cy="540060"/>
+          </a:xfrm>
+          <a:prstGeom prst="rect">
+            <a:avLst/>
+          </a:prstGeom>
+          <a:noFill/>
+          <a:ln>
+            <a:solidFill>
+              <a:schemeClr val="tx1"/>
+            </a:solidFill>
+          </a:ln>
+        </p:spPr>
+        <p:style>
+          <a:lnRef idx="2">
+            <a:schemeClr val="accent1">
+              <a:shade val="50000"/>
+            </a:schemeClr>
+          </a:lnRef>
+          <a:fillRef idx="1">
+            <a:schemeClr val="accent1"/>
+          </a:fillRef>
+          <a:effectRef idx="0">
+            <a:schemeClr val="accent1"/>
+          </a:effectRef>
+          <a:fontRef idx="minor">
+            <a:schemeClr val="lt1"/>
+          </a:fontRef>
+        </p:style>
+        <p:txBody>
+          <a:bodyPr rtlCol="0" anchor="ctr"/>
+          <a:lstStyle/>
+          <a:p>
+            <a:pPr algn="ctr"/>
+            <a:endParaRPr lang="ko-KR" altLang="en-US"/>
+          </a:p>
+        </p:txBody>
+      </p:sp>
+      <p:sp>
+        <p:nvSpPr>
+          <p:cNvPr id="6" name="직사각형 5"/>
+          <p:cNvSpPr/>
+          <p:nvPr/>
+        </p:nvSpPr>
+        <p:spPr>
+          <a:xfrm>
+            <a:off x="467544" y="2168860"/>
+            <a:ext cx="1296144" cy="3924436"/>
+          </a:xfrm>
+          <a:prstGeom prst="rect">
+            <a:avLst/>
+          </a:prstGeom>
+          <a:noFill/>
+          <a:ln>
+            <a:solidFill>
+              <a:schemeClr val="tx1"/>
+            </a:solidFill>
+          </a:ln>
+        </p:spPr>
+        <p:style>
+          <a:lnRef idx="2">
+            <a:schemeClr val="accent1">
+              <a:shade val="50000"/>
+            </a:schemeClr>
+          </a:lnRef>
+          <a:fillRef idx="1">
+            <a:schemeClr val="accent1"/>
+          </a:fillRef>
+          <a:effectRef idx="0">
+            <a:schemeClr val="accent1"/>
+          </a:effectRef>
+          <a:fontRef idx="minor">
+            <a:schemeClr val="lt1"/>
+          </a:fontRef>
+        </p:style>
+        <p:txBody>
+          <a:bodyPr rtlCol="0" anchor="ctr"/>
+          <a:lstStyle/>
+          <a:p>
+            <a:pPr algn="ctr"/>
+            <a:endParaRPr lang="ko-KR" altLang="en-US"/>
+          </a:p>
+        </p:txBody>
+      </p:sp>
+      <p:sp>
+        <p:nvSpPr>
+          <p:cNvPr id="17" name="직사각형 16"/>
+          <p:cNvSpPr/>
+          <p:nvPr/>
+        </p:nvSpPr>
+        <p:spPr>
+          <a:xfrm>
+            <a:off x="7092280" y="1628800"/>
+            <a:ext cx="1584176" cy="540060"/>
+          </a:xfrm>
+          <a:prstGeom prst="rect">
+            <a:avLst/>
+          </a:prstGeom>
+          <a:noFill/>
+        </p:spPr>
+        <p:style>
+          <a:lnRef idx="2">
+            <a:schemeClr val="accent1">
+              <a:shade val="50000"/>
+            </a:schemeClr>
+          </a:lnRef>
+          <a:fillRef idx="1">
+            <a:schemeClr val="accent1"/>
+          </a:fillRef>
+          <a:effectRef idx="0">
+            <a:schemeClr val="accent1"/>
+          </a:effectRef>
+          <a:fontRef idx="minor">
+            <a:schemeClr val="lt1"/>
+          </a:fontRef>
+        </p:style>
+        <p:txBody>
+          <a:bodyPr rtlCol="0" anchor="ctr"/>
+          <a:lstStyle/>
+          <a:p>
+            <a:pPr algn="ctr"/>
+            <a:endParaRPr lang="ko-KR" altLang="en-US"/>
+          </a:p>
+        </p:txBody>
+      </p:sp>
+      <p:sp>
+        <p:nvSpPr>
+          <p:cNvPr id="18" name="TextBox 17"/>
+          <p:cNvSpPr txBox="1"/>
+          <p:nvPr/>
+        </p:nvSpPr>
+        <p:spPr>
+          <a:xfrm>
+            <a:off x="6732240" y="813312"/>
+            <a:ext cx="1944216" cy="738664"/>
+          </a:xfrm>
+          <a:prstGeom prst="rect">
+            <a:avLst/>
+          </a:prstGeom>
+          <a:noFill/>
+        </p:spPr>
+        <p:txBody>
+          <a:bodyPr wrap="square" rtlCol="0">
+            <a:spAutoFit/>
+          </a:bodyPr>
+          <a:lstStyle/>
+          <a:p>
+            <a:r>
+              <a:rPr lang="en-US" altLang="ko-KR" sz="1400" dirty="0" smtClean="0"/>
+              <a:t>-</a:t>
+            </a:r>
+            <a:r>
+              <a:rPr lang="ko-KR" altLang="en-US" sz="1400" dirty="0" smtClean="0"/>
+              <a:t>로그인</a:t>
+            </a:r>
+            <a:r>
+              <a:rPr lang="en-US" altLang="ko-KR" sz="1400" dirty="0" smtClean="0"/>
+              <a:t>/</a:t>
+            </a:r>
+            <a:r>
+              <a:rPr lang="ko-KR" altLang="en-US" sz="1400" dirty="0" smtClean="0"/>
+              <a:t>회원가입</a:t>
+            </a:r>
+            <a:endParaRPr lang="en-US" altLang="ko-KR" sz="1400" dirty="0" smtClean="0"/>
+          </a:p>
+          <a:p>
+            <a:r>
+              <a:rPr lang="en-US" altLang="ko-KR" sz="1400" dirty="0" smtClean="0"/>
+              <a:t>-</a:t>
+            </a:r>
+            <a:r>
+              <a:rPr lang="ko-KR" altLang="en-US" sz="1400" dirty="0" err="1" smtClean="0"/>
+              <a:t>로그인된</a:t>
+            </a:r>
+            <a:r>
+              <a:rPr lang="ko-KR" altLang="en-US" sz="1400" dirty="0" smtClean="0"/>
+              <a:t> 회원정보</a:t>
+            </a:r>
+            <a:r>
+              <a:rPr lang="en-US" altLang="ko-KR" sz="1400" dirty="0" smtClean="0"/>
+              <a:t/>
+            </a:r>
+            <a:br>
+              <a:rPr lang="en-US" altLang="ko-KR" sz="1400" dirty="0" smtClean="0"/>
+            </a:br>
+            <a:r>
+              <a:rPr lang="en-US" altLang="ko-KR" sz="1400" dirty="0" smtClean="0"/>
+              <a:t>-</a:t>
+            </a:r>
+            <a:r>
+              <a:rPr lang="ko-KR" altLang="en-US" sz="1400" dirty="0" err="1" smtClean="0"/>
+              <a:t>수신알림</a:t>
+            </a:r>
+            <a:endParaRPr lang="ko-KR" altLang="en-US" sz="1400" dirty="0"/>
+          </a:p>
+        </p:txBody>
+      </p:sp>
+      <p:sp>
+        <p:nvSpPr>
+          <p:cNvPr id="3" name="TextBox 2"/>
+          <p:cNvSpPr txBox="1"/>
+          <p:nvPr/>
+        </p:nvSpPr>
+        <p:spPr>
+          <a:xfrm>
+            <a:off x="683568" y="2348880"/>
+            <a:ext cx="2808312" cy="738664"/>
+          </a:xfrm>
+          <a:prstGeom prst="rect">
+            <a:avLst/>
+          </a:prstGeom>
+          <a:noFill/>
+        </p:spPr>
+        <p:txBody>
+          <a:bodyPr wrap="square" rtlCol="0">
+            <a:spAutoFit/>
+          </a:bodyPr>
+          <a:lstStyle/>
+          <a:p>
+            <a:r>
+              <a:rPr lang="en-US" altLang="ko-KR" sz="1050" dirty="0" smtClean="0"/>
+              <a:t>-</a:t>
+            </a:r>
+            <a:r>
+              <a:rPr lang="ko-KR" altLang="en-US" sz="1050" dirty="0" smtClean="0"/>
+              <a:t>근무신청               </a:t>
+            </a:r>
+            <a:r>
+              <a:rPr lang="en-US" altLang="ko-KR" sz="1050" dirty="0" smtClean="0"/>
+              <a:t>: </a:t>
+            </a:r>
+            <a:r>
+              <a:rPr lang="en-US" altLang="ko-KR" sz="1050" dirty="0" err="1" smtClean="0"/>
+              <a:t>requestwork</a:t>
+            </a:r>
+            <a:r>
+              <a:rPr lang="en-US" altLang="ko-KR" sz="1050" dirty="0" smtClean="0"/>
+              <a:t> </a:t>
+            </a:r>
+          </a:p>
+          <a:p>
+            <a:endParaRPr lang="en-US" altLang="ko-KR" sz="1050" dirty="0" smtClean="0"/>
+          </a:p>
+          <a:p>
+            <a:r>
+              <a:rPr lang="en-US" altLang="ko-KR" sz="1050" dirty="0" smtClean="0"/>
+              <a:t>-</a:t>
+            </a:r>
+            <a:r>
+              <a:rPr lang="ko-KR" altLang="en-US" sz="1050" dirty="0" smtClean="0"/>
+              <a:t>근무수정               </a:t>
+            </a:r>
+            <a:r>
+              <a:rPr lang="en-US" altLang="ko-KR" sz="1050" dirty="0" smtClean="0"/>
+              <a:t>: </a:t>
+            </a:r>
+            <a:r>
+              <a:rPr lang="en-US" altLang="ko-KR" sz="1050" dirty="0" err="1" smtClean="0"/>
+              <a:t>modifywork</a:t>
+            </a:r>
+            <a:endParaRPr lang="en-US" altLang="ko-KR" sz="1050" dirty="0"/>
+          </a:p>
+          <a:p>
+            <a:r>
+              <a:rPr lang="en-US" altLang="ko-KR" sz="1050" dirty="0" smtClean="0"/>
+              <a:t>(</a:t>
+            </a:r>
+            <a:r>
+              <a:rPr lang="ko-KR" altLang="en-US" sz="1050" dirty="0" smtClean="0"/>
+              <a:t>휴가</a:t>
+            </a:r>
+            <a:r>
+              <a:rPr lang="en-US" altLang="ko-KR" sz="1050" dirty="0" smtClean="0"/>
+              <a:t>,</a:t>
+            </a:r>
+            <a:r>
+              <a:rPr lang="ko-KR" altLang="en-US" sz="1050" dirty="0" smtClean="0"/>
+              <a:t>조퇴</a:t>
+            </a:r>
+            <a:r>
+              <a:rPr lang="en-US" altLang="ko-KR" sz="1050" dirty="0" smtClean="0"/>
+              <a:t>,</a:t>
+            </a:r>
+            <a:r>
+              <a:rPr lang="ko-KR" altLang="en-US" sz="1050" dirty="0" smtClean="0"/>
+              <a:t>교환신청</a:t>
+            </a:r>
+            <a:r>
+              <a:rPr lang="en-US" altLang="ko-KR" sz="1050" dirty="0" smtClean="0"/>
+              <a:t>,)</a:t>
+            </a:r>
+            <a:endParaRPr lang="ko-KR" altLang="en-US" sz="1050" dirty="0"/>
+          </a:p>
+        </p:txBody>
+      </p:sp>
+    </p:spTree>
+    <p:extLst>
+      <p:ext uri="{BB962C8B-B14F-4D97-AF65-F5344CB8AC3E}">
+        <p14:creationId xmlns:p14="http://schemas.microsoft.com/office/powerpoint/2010/main" val="3426310467"/>
+      </p:ext>
+    </p:extLst>
+  </p:cSld>
+  <p:clrMapOvr>
+    <a:masterClrMapping/>
+  </p:clrMapOvr>
+</p:sld>
+</file>
+
+<file path=ppt/slides/slide11.xml><?xml version="1.0" encoding="utf-8"?>
+<p:sld xmlns:a="http://schemas.openxmlformats.org/drawingml/2006/main" xmlns:r="http://schemas.openxmlformats.org/officeDocument/2006/relationships" xmlns:p="http://schemas.openxmlformats.org/presentationml/2006/main">
+  <p:cSld>
+    <p:spTree>
+      <p:nvGrpSpPr>
+        <p:cNvPr id="1" name=""/>
+        <p:cNvGrpSpPr/>
+        <p:nvPr/>
+      </p:nvGrpSpPr>
+      <p:grpSpPr>
+        <a:xfrm>
+          <a:off x="0" y="0"/>
+          <a:ext cx="0" cy="0"/>
+          <a:chOff x="0" y="0"/>
+          <a:chExt cx="0" cy="0"/>
+        </a:xfrm>
+      </p:grpSpPr>
+      <p:sp>
+        <p:nvSpPr>
+          <p:cNvPr id="2" name="제목 1"/>
+          <p:cNvSpPr>
+            <a:spLocks noGrp="1"/>
+          </p:cNvSpPr>
+          <p:nvPr>
+            <p:ph type="title"/>
+          </p:nvPr>
+        </p:nvSpPr>
+        <p:spPr/>
+        <p:txBody>
+          <a:bodyPr/>
+          <a:lstStyle/>
+          <a:p>
+            <a:r>
+              <a:rPr lang="en-US" altLang="ko-KR" dirty="0" smtClean="0"/>
+              <a:t>Staff - </a:t>
+            </a:r>
+            <a:r>
+              <a:rPr lang="ko-KR" altLang="en-US" dirty="0" smtClean="0"/>
+              <a:t>근무신청화면</a:t>
+            </a:r>
+            <a:endParaRPr lang="ko-KR" altLang="en-US" dirty="0"/>
+          </a:p>
+        </p:txBody>
+      </p:sp>
+      <p:sp>
+        <p:nvSpPr>
+          <p:cNvPr id="4" name="직사각형 3"/>
+          <p:cNvSpPr/>
+          <p:nvPr/>
+        </p:nvSpPr>
+        <p:spPr>
+          <a:xfrm>
+            <a:off x="467544" y="1628800"/>
+            <a:ext cx="8208912" cy="4464496"/>
+          </a:xfrm>
+          <a:prstGeom prst="rect">
+            <a:avLst/>
+          </a:prstGeom>
+          <a:noFill/>
+          <a:ln>
+            <a:solidFill>
+              <a:schemeClr val="tx1"/>
+            </a:solidFill>
+          </a:ln>
+        </p:spPr>
+        <p:style>
+          <a:lnRef idx="2">
+            <a:schemeClr val="accent1">
+              <a:shade val="50000"/>
+            </a:schemeClr>
+          </a:lnRef>
+          <a:fillRef idx="1">
+            <a:schemeClr val="accent1"/>
+          </a:fillRef>
+          <a:effectRef idx="0">
+            <a:schemeClr val="accent1"/>
+          </a:effectRef>
+          <a:fontRef idx="minor">
+            <a:schemeClr val="lt1"/>
+          </a:fontRef>
+        </p:style>
+        <p:txBody>
+          <a:bodyPr rtlCol="0" anchor="ctr"/>
+          <a:lstStyle/>
+          <a:p>
+            <a:pPr algn="ctr"/>
+            <a:endParaRPr lang="ko-KR" altLang="en-US"/>
+          </a:p>
+        </p:txBody>
+      </p:sp>
+      <p:sp>
+        <p:nvSpPr>
+          <p:cNvPr id="5" name="직사각형 4"/>
+          <p:cNvSpPr/>
+          <p:nvPr/>
+        </p:nvSpPr>
+        <p:spPr>
+          <a:xfrm>
+            <a:off x="467544" y="1628800"/>
+            <a:ext cx="8208912" cy="540060"/>
+          </a:xfrm>
+          <a:prstGeom prst="rect">
+            <a:avLst/>
+          </a:prstGeom>
+          <a:noFill/>
+          <a:ln>
+            <a:solidFill>
+              <a:schemeClr val="tx1"/>
+            </a:solidFill>
+          </a:ln>
+        </p:spPr>
+        <p:style>
+          <a:lnRef idx="2">
+            <a:schemeClr val="accent1">
+              <a:shade val="50000"/>
+            </a:schemeClr>
+          </a:lnRef>
+          <a:fillRef idx="1">
+            <a:schemeClr val="accent1"/>
+          </a:fillRef>
+          <a:effectRef idx="0">
+            <a:schemeClr val="accent1"/>
+          </a:effectRef>
+          <a:fontRef idx="minor">
+            <a:schemeClr val="lt1"/>
+          </a:fontRef>
+        </p:style>
+        <p:txBody>
+          <a:bodyPr rtlCol="0" anchor="ctr"/>
+          <a:lstStyle/>
+          <a:p>
+            <a:pPr algn="ctr"/>
+            <a:endParaRPr lang="ko-KR" altLang="en-US"/>
+          </a:p>
+        </p:txBody>
+      </p:sp>
+      <p:sp>
+        <p:nvSpPr>
+          <p:cNvPr id="6" name="직사각형 5"/>
+          <p:cNvSpPr/>
+          <p:nvPr/>
+        </p:nvSpPr>
+        <p:spPr>
+          <a:xfrm>
+            <a:off x="467544" y="2168860"/>
+            <a:ext cx="1296144" cy="3924436"/>
+          </a:xfrm>
+          <a:prstGeom prst="rect">
+            <a:avLst/>
+          </a:prstGeom>
+          <a:noFill/>
+          <a:ln>
+            <a:solidFill>
+              <a:schemeClr val="tx1"/>
+            </a:solidFill>
+          </a:ln>
+        </p:spPr>
+        <p:style>
+          <a:lnRef idx="2">
+            <a:schemeClr val="accent1">
+              <a:shade val="50000"/>
+            </a:schemeClr>
+          </a:lnRef>
+          <a:fillRef idx="1">
+            <a:schemeClr val="accent1"/>
+          </a:fillRef>
+          <a:effectRef idx="0">
+            <a:schemeClr val="accent1"/>
+          </a:effectRef>
+          <a:fontRef idx="minor">
+            <a:schemeClr val="lt1"/>
+          </a:fontRef>
+        </p:style>
+        <p:txBody>
+          <a:bodyPr rtlCol="0" anchor="ctr"/>
+          <a:lstStyle/>
+          <a:p>
+            <a:pPr algn="ctr"/>
+            <a:endParaRPr lang="ko-KR" altLang="en-US"/>
+          </a:p>
+        </p:txBody>
+      </p:sp>
+      <p:sp>
+        <p:nvSpPr>
+          <p:cNvPr id="17" name="직사각형 16"/>
+          <p:cNvSpPr/>
+          <p:nvPr/>
+        </p:nvSpPr>
+        <p:spPr>
+          <a:xfrm>
+            <a:off x="7092280" y="1628800"/>
+            <a:ext cx="1584176" cy="540060"/>
+          </a:xfrm>
+          <a:prstGeom prst="rect">
+            <a:avLst/>
+          </a:prstGeom>
+          <a:noFill/>
+        </p:spPr>
+        <p:style>
+          <a:lnRef idx="2">
+            <a:schemeClr val="accent1">
+              <a:shade val="50000"/>
+            </a:schemeClr>
+          </a:lnRef>
+          <a:fillRef idx="1">
+            <a:schemeClr val="accent1"/>
+          </a:fillRef>
+          <a:effectRef idx="0">
+            <a:schemeClr val="accent1"/>
+          </a:effectRef>
+          <a:fontRef idx="minor">
+            <a:schemeClr val="lt1"/>
+          </a:fontRef>
+        </p:style>
+        <p:txBody>
+          <a:bodyPr rtlCol="0" anchor="ctr"/>
+          <a:lstStyle/>
+          <a:p>
+            <a:pPr algn="ctr"/>
+            <a:endParaRPr lang="ko-KR" altLang="en-US"/>
+          </a:p>
+        </p:txBody>
+      </p:sp>
+      <p:sp>
+        <p:nvSpPr>
+          <p:cNvPr id="18" name="TextBox 17"/>
+          <p:cNvSpPr txBox="1"/>
+          <p:nvPr/>
+        </p:nvSpPr>
+        <p:spPr>
+          <a:xfrm>
+            <a:off x="6732240" y="813312"/>
+            <a:ext cx="1944216" cy="738664"/>
+          </a:xfrm>
+          <a:prstGeom prst="rect">
+            <a:avLst/>
+          </a:prstGeom>
+          <a:noFill/>
+        </p:spPr>
+        <p:txBody>
+          <a:bodyPr wrap="square" rtlCol="0">
+            <a:spAutoFit/>
+          </a:bodyPr>
+          <a:lstStyle/>
+          <a:p>
+            <a:r>
+              <a:rPr lang="en-US" altLang="ko-KR" sz="1400" dirty="0" smtClean="0"/>
+              <a:t>-</a:t>
+            </a:r>
+            <a:r>
+              <a:rPr lang="ko-KR" altLang="en-US" sz="1400" dirty="0" smtClean="0"/>
+              <a:t>로그인</a:t>
+            </a:r>
+            <a:r>
+              <a:rPr lang="en-US" altLang="ko-KR" sz="1400" dirty="0" smtClean="0"/>
+              <a:t>/</a:t>
+            </a:r>
+            <a:r>
+              <a:rPr lang="ko-KR" altLang="en-US" sz="1400" dirty="0" smtClean="0"/>
+              <a:t>회원가입</a:t>
+            </a:r>
+            <a:endParaRPr lang="en-US" altLang="ko-KR" sz="1400" dirty="0" smtClean="0"/>
+          </a:p>
+          <a:p>
+            <a:r>
+              <a:rPr lang="en-US" altLang="ko-KR" sz="1400" dirty="0" smtClean="0"/>
+              <a:t>-</a:t>
+            </a:r>
+            <a:r>
+              <a:rPr lang="ko-KR" altLang="en-US" sz="1400" dirty="0" err="1" smtClean="0"/>
+              <a:t>로그인된</a:t>
+            </a:r>
+            <a:r>
+              <a:rPr lang="ko-KR" altLang="en-US" sz="1400" dirty="0" smtClean="0"/>
+              <a:t> 회원정보</a:t>
+            </a:r>
+            <a:r>
+              <a:rPr lang="en-US" altLang="ko-KR" sz="1400" dirty="0" smtClean="0"/>
+              <a:t/>
+            </a:r>
+            <a:br>
+              <a:rPr lang="en-US" altLang="ko-KR" sz="1400" dirty="0" smtClean="0"/>
+            </a:br>
+            <a:r>
+              <a:rPr lang="en-US" altLang="ko-KR" sz="1400" dirty="0" smtClean="0"/>
+              <a:t>-</a:t>
+            </a:r>
+            <a:r>
+              <a:rPr lang="ko-KR" altLang="en-US" sz="1400" dirty="0" err="1" smtClean="0"/>
+              <a:t>수신알림</a:t>
+            </a:r>
+            <a:endParaRPr lang="ko-KR" altLang="en-US" sz="1400" dirty="0"/>
+          </a:p>
+        </p:txBody>
+      </p:sp>
+      <p:sp>
+        <p:nvSpPr>
+          <p:cNvPr id="7" name="직사각형 6"/>
+          <p:cNvSpPr/>
+          <p:nvPr/>
+        </p:nvSpPr>
+        <p:spPr>
+          <a:xfrm>
+            <a:off x="4067944" y="2564904"/>
+            <a:ext cx="4176464" cy="3096344"/>
+          </a:xfrm>
+          <a:prstGeom prst="rect">
+            <a:avLst/>
+          </a:prstGeom>
+          <a:noFill/>
+        </p:spPr>
+        <p:style>
+          <a:lnRef idx="2">
+            <a:schemeClr val="accent1">
+              <a:shade val="50000"/>
+            </a:schemeClr>
+          </a:lnRef>
+          <a:fillRef idx="1">
+            <a:schemeClr val="accent1"/>
+          </a:fillRef>
+          <a:effectRef idx="0">
+            <a:schemeClr val="accent1"/>
+          </a:effectRef>
+          <a:fontRef idx="minor">
+            <a:schemeClr val="lt1"/>
+          </a:fontRef>
+        </p:style>
+        <p:txBody>
+          <a:bodyPr rtlCol="0" anchor="ctr"/>
+          <a:lstStyle/>
+          <a:p>
+            <a:pPr algn="ctr"/>
+            <a:endParaRPr lang="ko-KR" altLang="en-US"/>
+          </a:p>
+        </p:txBody>
+      </p:sp>
+      <p:sp>
+        <p:nvSpPr>
+          <p:cNvPr id="8" name="직사각형 7"/>
+          <p:cNvSpPr/>
+          <p:nvPr/>
+        </p:nvSpPr>
+        <p:spPr>
+          <a:xfrm>
+            <a:off x="2051720" y="2564904"/>
+            <a:ext cx="1728192" cy="3096344"/>
+          </a:xfrm>
+          <a:prstGeom prst="rect">
+            <a:avLst/>
+          </a:prstGeom>
+          <a:noFill/>
+        </p:spPr>
+        <p:style>
+          <a:lnRef idx="2">
+            <a:schemeClr val="accent1">
+              <a:shade val="50000"/>
+            </a:schemeClr>
+          </a:lnRef>
+          <a:fillRef idx="1">
+            <a:schemeClr val="accent1"/>
+          </a:fillRef>
+          <a:effectRef idx="0">
+            <a:schemeClr val="accent1"/>
+          </a:effectRef>
+          <a:fontRef idx="minor">
+            <a:schemeClr val="lt1"/>
+          </a:fontRef>
+        </p:style>
+        <p:txBody>
+          <a:bodyPr rtlCol="0" anchor="ctr"/>
+          <a:lstStyle/>
+          <a:p>
+            <a:pPr algn="ctr"/>
+            <a:endParaRPr lang="ko-KR" altLang="en-US"/>
+          </a:p>
+        </p:txBody>
+      </p:sp>
+      <p:sp>
+        <p:nvSpPr>
+          <p:cNvPr id="10" name="TextBox 9"/>
+          <p:cNvSpPr txBox="1"/>
+          <p:nvPr/>
+        </p:nvSpPr>
+        <p:spPr>
+          <a:xfrm>
+            <a:off x="1619672" y="3688649"/>
+            <a:ext cx="2592288" cy="1785104"/>
+          </a:xfrm>
+          <a:prstGeom prst="rect">
+            <a:avLst/>
+          </a:prstGeom>
+          <a:noFill/>
+        </p:spPr>
+        <p:txBody>
+          <a:bodyPr wrap="square" rtlCol="0">
+            <a:spAutoFit/>
+          </a:bodyPr>
+          <a:lstStyle/>
+          <a:p>
+            <a:r>
+              <a:rPr lang="en-US" altLang="ko-KR" sz="1000" dirty="0" smtClean="0"/>
+              <a:t>2. </a:t>
+            </a:r>
+            <a:r>
+              <a:rPr lang="ko-KR" altLang="en-US" sz="1000" dirty="0" smtClean="0"/>
+              <a:t>근무신청 방법</a:t>
+            </a:r>
+            <a:r>
+              <a:rPr lang="en-US" altLang="ko-KR" sz="1000" dirty="0" smtClean="0"/>
+              <a:t>.</a:t>
+            </a:r>
+          </a:p>
+          <a:p>
+            <a:pPr marL="285750" indent="-285750">
+              <a:buFontTx/>
+              <a:buChar char="-"/>
+            </a:pPr>
+            <a:r>
+              <a:rPr lang="ko-KR" altLang="en-US" sz="1000" dirty="0" smtClean="0"/>
+              <a:t>관리자가 작성한 편성정보 선택</a:t>
+            </a:r>
+            <a:endParaRPr lang="en-US" altLang="ko-KR" sz="1000" dirty="0" smtClean="0"/>
+          </a:p>
+          <a:p>
+            <a:pPr marL="285750" indent="-285750">
+              <a:buFontTx/>
+              <a:buChar char="-"/>
+            </a:pPr>
+            <a:r>
+              <a:rPr lang="en-US" altLang="ko-KR" sz="1000" dirty="0" smtClean="0"/>
+              <a:t>Ex) 00:00~06:00</a:t>
+            </a:r>
+          </a:p>
+          <a:p>
+            <a:pPr marL="285750" indent="-285750">
+              <a:buFontTx/>
+              <a:buChar char="-"/>
+            </a:pPr>
+            <a:r>
+              <a:rPr lang="ko-KR" altLang="en-US" sz="1000" dirty="0" smtClean="0"/>
+              <a:t>선택할 수 있는 시간대 정보에 따라 요일 선택</a:t>
+            </a:r>
+            <a:endParaRPr lang="en-US" altLang="ko-KR" sz="1000" dirty="0" smtClean="0"/>
+          </a:p>
+          <a:p>
+            <a:pPr marL="285750" indent="-285750">
+              <a:buFontTx/>
+              <a:buChar char="-"/>
+            </a:pPr>
+            <a:r>
+              <a:rPr lang="en-US" altLang="ko-KR" sz="1000" dirty="0" smtClean="0">
+                <a:sym typeface="Wingdings" pitchFamily="2" charset="2"/>
+              </a:rPr>
+              <a:t> </a:t>
+            </a:r>
+            <a:r>
+              <a:rPr lang="ko-KR" altLang="en-US" sz="1000" dirty="0" smtClean="0">
+                <a:sym typeface="Wingdings" pitchFamily="2" charset="2"/>
+              </a:rPr>
+              <a:t>캘린더에 </a:t>
+            </a:r>
+            <a:r>
+              <a:rPr lang="ko-KR" altLang="en-US" sz="1000" dirty="0" err="1" smtClean="0">
+                <a:sym typeface="Wingdings" pitchFamily="2" charset="2"/>
+              </a:rPr>
+              <a:t>일괄입력됨</a:t>
+            </a:r>
+            <a:r>
+              <a:rPr lang="en-US" altLang="ko-KR" sz="1000" dirty="0" smtClean="0">
+                <a:sym typeface="Wingdings" pitchFamily="2" charset="2"/>
+              </a:rPr>
+              <a:t>.</a:t>
+            </a:r>
+          </a:p>
+          <a:p>
+            <a:pPr marL="285750" indent="-285750">
+              <a:buFontTx/>
+              <a:buChar char="-"/>
+            </a:pPr>
+            <a:endParaRPr lang="en-US" altLang="ko-KR" sz="1000" dirty="0">
+              <a:sym typeface="Wingdings" pitchFamily="2" charset="2"/>
+            </a:endParaRPr>
+          </a:p>
+          <a:p>
+            <a:pPr marL="285750" indent="-285750">
+              <a:buFontTx/>
+              <a:buChar char="-"/>
+            </a:pPr>
+            <a:r>
+              <a:rPr lang="ko-KR" altLang="en-US" sz="1000" dirty="0" smtClean="0">
+                <a:sym typeface="Wingdings" pitchFamily="2" charset="2"/>
+              </a:rPr>
+              <a:t>인원이 꽉 차거나 관리자가 설정한 일정이 없는 경우는 요일목록이 표시되지 않고</a:t>
+            </a:r>
+            <a:r>
+              <a:rPr lang="en-US" altLang="ko-KR" sz="1000" dirty="0" smtClean="0">
+                <a:sym typeface="Wingdings" pitchFamily="2" charset="2"/>
+              </a:rPr>
+              <a:t>, </a:t>
+            </a:r>
+            <a:r>
+              <a:rPr lang="ko-KR" altLang="en-US" sz="1000" dirty="0" err="1" smtClean="0">
+                <a:sym typeface="Wingdings" pitchFamily="2" charset="2"/>
+              </a:rPr>
+              <a:t>일괄신청시에도</a:t>
+            </a:r>
+            <a:r>
+              <a:rPr lang="ko-KR" altLang="en-US" sz="1000" dirty="0" smtClean="0">
+                <a:sym typeface="Wingdings" pitchFamily="2" charset="2"/>
+              </a:rPr>
+              <a:t> 빠짐</a:t>
+            </a:r>
+            <a:r>
+              <a:rPr lang="en-US" altLang="ko-KR" sz="1000" dirty="0" smtClean="0">
+                <a:sym typeface="Wingdings" pitchFamily="2" charset="2"/>
+              </a:rPr>
+              <a:t>.</a:t>
+            </a:r>
+          </a:p>
+          <a:p>
+            <a:pPr marL="285750" indent="-285750">
+              <a:buFontTx/>
+              <a:buChar char="-"/>
+            </a:pPr>
+            <a:endParaRPr lang="ko-KR" altLang="en-US" sz="1000" dirty="0"/>
+          </a:p>
+        </p:txBody>
+      </p:sp>
+      <p:sp>
+        <p:nvSpPr>
+          <p:cNvPr id="12" name="TextBox 11"/>
+          <p:cNvSpPr txBox="1"/>
+          <p:nvPr/>
+        </p:nvSpPr>
+        <p:spPr>
+          <a:xfrm>
+            <a:off x="4212921" y="3688649"/>
+            <a:ext cx="4031487" cy="900246"/>
+          </a:xfrm>
+          <a:prstGeom prst="rect">
+            <a:avLst/>
+          </a:prstGeom>
+          <a:noFill/>
+        </p:spPr>
+        <p:txBody>
+          <a:bodyPr wrap="square" rtlCol="0">
+            <a:spAutoFit/>
+          </a:bodyPr>
+          <a:lstStyle/>
+          <a:p>
+            <a:r>
+              <a:rPr lang="en-US" altLang="ko-KR" sz="1050" dirty="0" smtClean="0"/>
+              <a:t>3. </a:t>
+            </a:r>
+            <a:r>
+              <a:rPr lang="ko-KR" altLang="en-US" sz="1050" dirty="0" smtClean="0"/>
+              <a:t>근무신청 정보 표시</a:t>
+            </a:r>
+            <a:r>
+              <a:rPr lang="en-US" altLang="ko-KR" sz="1050" dirty="0" smtClean="0"/>
+              <a:t>+ </a:t>
+            </a:r>
+            <a:r>
+              <a:rPr lang="ko-KR" altLang="en-US" sz="1050" dirty="0" smtClean="0"/>
+              <a:t>전송</a:t>
+            </a:r>
+            <a:endParaRPr lang="en-US" altLang="ko-KR" sz="1050" dirty="0" smtClean="0"/>
+          </a:p>
+          <a:p>
+            <a:pPr marL="171450" indent="-171450">
+              <a:buFontTx/>
+              <a:buChar char="-"/>
+            </a:pPr>
+            <a:r>
+              <a:rPr lang="ko-KR" altLang="en-US" sz="1050" dirty="0" smtClean="0"/>
+              <a:t>캘린더에 </a:t>
+            </a:r>
+            <a:r>
+              <a:rPr lang="ko-KR" altLang="en-US" sz="1050" dirty="0" err="1" smtClean="0"/>
+              <a:t>일괄입력된</a:t>
+            </a:r>
+            <a:r>
+              <a:rPr lang="ko-KR" altLang="en-US" sz="1050" dirty="0" smtClean="0"/>
+              <a:t> 정보를 표시하면서</a:t>
+            </a:r>
+            <a:endParaRPr lang="en-US" altLang="ko-KR" sz="1050" dirty="0"/>
+          </a:p>
+          <a:p>
+            <a:r>
+              <a:rPr lang="en-US" altLang="ko-KR" sz="1050" dirty="0" smtClean="0"/>
+              <a:t>    </a:t>
+            </a:r>
+            <a:r>
+              <a:rPr lang="ko-KR" altLang="en-US" sz="1050" dirty="0" smtClean="0"/>
+              <a:t>신청한 정보를 서버에 보냄 </a:t>
+            </a:r>
+            <a:endParaRPr lang="en-US" altLang="ko-KR" sz="1050" dirty="0" smtClean="0"/>
+          </a:p>
+          <a:p>
+            <a:r>
+              <a:rPr lang="en-US" altLang="ko-KR" sz="1050" dirty="0"/>
+              <a:t> </a:t>
+            </a:r>
+            <a:r>
+              <a:rPr lang="en-US" altLang="ko-KR" sz="1050" dirty="0" smtClean="0"/>
+              <a:t>   + </a:t>
+            </a:r>
+            <a:r>
+              <a:rPr lang="ko-KR" altLang="en-US" sz="1050" dirty="0" smtClean="0"/>
+              <a:t> 신청인원 수도 받아 업데이트</a:t>
+            </a:r>
+            <a:r>
+              <a:rPr lang="en-US" altLang="ko-KR" sz="1050" dirty="0" smtClean="0"/>
+              <a:t>(Ajax))</a:t>
+            </a:r>
+          </a:p>
+          <a:p>
+            <a:r>
+              <a:rPr lang="en-US" altLang="ko-KR" sz="1050" dirty="0" smtClean="0"/>
+              <a:t>-  </a:t>
+            </a:r>
+            <a:r>
+              <a:rPr lang="ko-KR" altLang="en-US" sz="1050" dirty="0" smtClean="0"/>
+              <a:t>인원이 다 찬 요일은 작성되지 않음 </a:t>
+            </a:r>
+            <a:r>
+              <a:rPr lang="en-US" altLang="ko-KR" sz="1050" dirty="0" smtClean="0"/>
+              <a:t>(Ajax</a:t>
+            </a:r>
+            <a:r>
+              <a:rPr lang="ko-KR" altLang="en-US" sz="1050" dirty="0" smtClean="0"/>
+              <a:t>로 정보를 받아 삭제</a:t>
+            </a:r>
+            <a:r>
+              <a:rPr lang="en-US" altLang="ko-KR" sz="1050" dirty="0" smtClean="0"/>
+              <a:t>)</a:t>
+            </a:r>
+            <a:endParaRPr lang="ko-KR" altLang="en-US" sz="1050" dirty="0"/>
+          </a:p>
+        </p:txBody>
+      </p:sp>
+      <p:sp>
+        <p:nvSpPr>
+          <p:cNvPr id="13" name="TextBox 12"/>
+          <p:cNvSpPr txBox="1"/>
+          <p:nvPr/>
+        </p:nvSpPr>
+        <p:spPr>
+          <a:xfrm>
+            <a:off x="4210037" y="2692223"/>
+            <a:ext cx="3888432" cy="738664"/>
+          </a:xfrm>
+          <a:prstGeom prst="rect">
+            <a:avLst/>
+          </a:prstGeom>
+          <a:noFill/>
+        </p:spPr>
+        <p:txBody>
+          <a:bodyPr wrap="square" rtlCol="0">
+            <a:spAutoFit/>
+          </a:bodyPr>
+          <a:lstStyle/>
+          <a:p>
+            <a:r>
+              <a:rPr lang="en-US" altLang="ko-KR" sz="1050" dirty="0" smtClean="0"/>
+              <a:t>1. </a:t>
+            </a:r>
+            <a:r>
+              <a:rPr lang="ko-KR" altLang="en-US" sz="1050" dirty="0" smtClean="0"/>
+              <a:t>페이지 로딩 시 동작</a:t>
+            </a:r>
+            <a:r>
+              <a:rPr lang="en-US" altLang="ko-KR" sz="1050" dirty="0" smtClean="0"/>
+              <a:t>.</a:t>
+            </a:r>
+            <a:endParaRPr lang="en-US" altLang="ko-KR" sz="1050" dirty="0"/>
+          </a:p>
+          <a:p>
+            <a:pPr marL="171450" indent="-171450">
+              <a:buFontTx/>
+              <a:buChar char="-"/>
+            </a:pPr>
+            <a:r>
+              <a:rPr lang="ko-KR" altLang="en-US" sz="1050" dirty="0" smtClean="0"/>
+              <a:t>페이지 로딩 시 관리자가 작성한 인력운용정보를 받아</a:t>
+            </a:r>
+            <a:endParaRPr lang="en-US" altLang="ko-KR" sz="1050" dirty="0"/>
+          </a:p>
+          <a:p>
+            <a:r>
+              <a:rPr lang="en-US" altLang="ko-KR" sz="1050" dirty="0" smtClean="0"/>
+              <a:t>    </a:t>
+            </a:r>
+            <a:r>
+              <a:rPr lang="ko-KR" altLang="en-US" sz="1050" dirty="0" smtClean="0"/>
+              <a:t>캘린더에 표시</a:t>
+            </a:r>
+            <a:r>
+              <a:rPr lang="en-US" altLang="ko-KR" sz="1050" dirty="0" smtClean="0"/>
+              <a:t>. </a:t>
+            </a:r>
+          </a:p>
+          <a:p>
+            <a:r>
+              <a:rPr lang="en-US" altLang="ko-KR" sz="1050" dirty="0" smtClean="0"/>
+              <a:t>-   </a:t>
+            </a:r>
+            <a:r>
+              <a:rPr lang="ko-KR" altLang="en-US" sz="1050" dirty="0" smtClean="0"/>
+              <a:t>정보가 </a:t>
+            </a:r>
+            <a:r>
+              <a:rPr lang="ko-KR" altLang="en-US" sz="1050" dirty="0" err="1" smtClean="0"/>
+              <a:t>등록될때</a:t>
+            </a:r>
+            <a:r>
+              <a:rPr lang="ko-KR" altLang="en-US" sz="1050" dirty="0" smtClean="0"/>
+              <a:t> 마다 현재 신청 인원도 표시</a:t>
+            </a:r>
+            <a:r>
+              <a:rPr lang="en-US" altLang="ko-KR" sz="1050" dirty="0" smtClean="0"/>
+              <a:t>(</a:t>
+            </a:r>
+            <a:r>
+              <a:rPr lang="en-US" altLang="ko-KR" sz="1050" dirty="0" err="1" smtClean="0"/>
+              <a:t>reverseAjax</a:t>
+            </a:r>
+            <a:r>
+              <a:rPr lang="en-US" altLang="ko-KR" sz="1050" dirty="0" smtClean="0"/>
+              <a:t>)</a:t>
+            </a:r>
+            <a:endParaRPr lang="ko-KR" altLang="en-US" sz="1050" dirty="0"/>
+          </a:p>
+        </p:txBody>
+      </p:sp>
+      <p:sp>
+        <p:nvSpPr>
+          <p:cNvPr id="14" name="TextBox 13"/>
+          <p:cNvSpPr txBox="1"/>
+          <p:nvPr/>
+        </p:nvSpPr>
+        <p:spPr>
+          <a:xfrm>
+            <a:off x="4210037" y="4704312"/>
+            <a:ext cx="3746339" cy="900246"/>
+          </a:xfrm>
+          <a:prstGeom prst="rect">
+            <a:avLst/>
+          </a:prstGeom>
+          <a:noFill/>
+        </p:spPr>
+        <p:txBody>
+          <a:bodyPr wrap="square" rtlCol="0">
+            <a:spAutoFit/>
+          </a:bodyPr>
+          <a:lstStyle/>
+          <a:p>
+            <a:r>
+              <a:rPr lang="en-US" altLang="ko-KR" sz="1050" dirty="0" smtClean="0"/>
+              <a:t>4. </a:t>
+            </a:r>
+            <a:r>
+              <a:rPr lang="ko-KR" altLang="en-US" sz="1050" dirty="0" smtClean="0"/>
+              <a:t>기입한 일정정보를 클릭하여 이벤트 단위로 삭제</a:t>
+            </a:r>
+            <a:endParaRPr lang="en-US" altLang="ko-KR" sz="1050" dirty="0" smtClean="0"/>
+          </a:p>
+          <a:p>
+            <a:pPr marL="171450" indent="-171450">
+              <a:buFontTx/>
+              <a:buChar char="-"/>
+            </a:pPr>
+            <a:r>
+              <a:rPr lang="ko-KR" altLang="en-US" sz="1050" dirty="0" smtClean="0"/>
+              <a:t>서버와 통신하여 </a:t>
+            </a:r>
+            <a:r>
+              <a:rPr lang="en-US" altLang="ko-KR" sz="1050" dirty="0" err="1" smtClean="0"/>
+              <a:t>db</a:t>
+            </a:r>
+            <a:r>
+              <a:rPr lang="ko-KR" altLang="en-US" sz="1050" dirty="0" smtClean="0"/>
+              <a:t>에서도 삭제</a:t>
+            </a:r>
+            <a:r>
+              <a:rPr lang="en-US" altLang="ko-KR" sz="1050" dirty="0" smtClean="0"/>
+              <a:t>.</a:t>
+            </a:r>
+          </a:p>
+          <a:p>
+            <a:pPr marL="171450" indent="-171450">
+              <a:buFontTx/>
+              <a:buChar char="-"/>
+            </a:pPr>
+            <a:r>
+              <a:rPr lang="ko-KR" altLang="en-US" sz="1050" dirty="0" smtClean="0"/>
+              <a:t>작성한 이벤트가 없고 관리자가 작성한 이벤트를 클릭하는 경우</a:t>
+            </a:r>
+            <a:r>
+              <a:rPr lang="en-US" altLang="ko-KR" sz="1050" dirty="0" smtClean="0"/>
+              <a:t>, </a:t>
+            </a:r>
+            <a:r>
+              <a:rPr lang="ko-KR" altLang="en-US" sz="1050" dirty="0" smtClean="0"/>
+              <a:t>그 시간대에 신청할 일정 이벤트 생성</a:t>
+            </a:r>
+            <a:r>
+              <a:rPr lang="en-US" altLang="ko-KR" sz="1050" dirty="0" smtClean="0"/>
+              <a:t>, </a:t>
+            </a:r>
+            <a:r>
+              <a:rPr lang="ko-KR" altLang="en-US" sz="1050" dirty="0" smtClean="0"/>
+              <a:t>정보를 서버로 보냄</a:t>
+            </a:r>
+            <a:r>
+              <a:rPr lang="en-US" altLang="ko-KR" sz="1050" dirty="0" smtClean="0"/>
+              <a:t>.</a:t>
+            </a:r>
+            <a:endParaRPr lang="ko-KR" altLang="en-US" sz="1050" dirty="0"/>
+          </a:p>
+        </p:txBody>
+      </p:sp>
+      <p:sp>
+        <p:nvSpPr>
+          <p:cNvPr id="15" name="TextBox 14"/>
+          <p:cNvSpPr txBox="1"/>
+          <p:nvPr/>
+        </p:nvSpPr>
+        <p:spPr>
+          <a:xfrm>
+            <a:off x="2022516" y="2178414"/>
+            <a:ext cx="1728192" cy="261610"/>
+          </a:xfrm>
+          <a:prstGeom prst="rect">
+            <a:avLst/>
+          </a:prstGeom>
+          <a:noFill/>
+        </p:spPr>
+        <p:txBody>
+          <a:bodyPr wrap="square" rtlCol="0">
+            <a:spAutoFit/>
+          </a:bodyPr>
+          <a:lstStyle/>
+          <a:p>
+            <a:r>
+              <a:rPr lang="en-US" altLang="ko-KR" sz="1050" dirty="0" err="1" smtClean="0"/>
+              <a:t>Controll</a:t>
+            </a:r>
+            <a:r>
+              <a:rPr lang="en-US" altLang="ko-KR" sz="1050" dirty="0" smtClean="0"/>
+              <a:t> panel</a:t>
+            </a:r>
+            <a:endParaRPr lang="ko-KR" altLang="en-US" sz="1050" dirty="0"/>
+          </a:p>
+        </p:txBody>
+      </p:sp>
+      <p:sp>
+        <p:nvSpPr>
+          <p:cNvPr id="16" name="TextBox 15"/>
+          <p:cNvSpPr txBox="1"/>
+          <p:nvPr/>
+        </p:nvSpPr>
+        <p:spPr>
+          <a:xfrm>
+            <a:off x="4067944" y="2178414"/>
+            <a:ext cx="2808312" cy="261610"/>
+          </a:xfrm>
+          <a:prstGeom prst="rect">
+            <a:avLst/>
+          </a:prstGeom>
+          <a:noFill/>
+        </p:spPr>
+        <p:txBody>
+          <a:bodyPr wrap="square" rtlCol="0">
+            <a:spAutoFit/>
+          </a:bodyPr>
+          <a:lstStyle/>
+          <a:p>
+            <a:r>
+              <a:rPr lang="en-US" altLang="ko-KR" sz="1100" dirty="0" smtClean="0"/>
+              <a:t>Calendar</a:t>
+            </a:r>
+            <a:endParaRPr lang="ko-KR" altLang="en-US" sz="1100" dirty="0"/>
+          </a:p>
+        </p:txBody>
+      </p:sp>
+      <p:sp>
+        <p:nvSpPr>
+          <p:cNvPr id="19" name="TextBox 18"/>
+          <p:cNvSpPr txBox="1"/>
+          <p:nvPr/>
+        </p:nvSpPr>
+        <p:spPr>
+          <a:xfrm>
+            <a:off x="4212921" y="5661248"/>
+            <a:ext cx="4031487" cy="415498"/>
+          </a:xfrm>
+          <a:prstGeom prst="rect">
+            <a:avLst/>
+          </a:prstGeom>
+          <a:noFill/>
+        </p:spPr>
+        <p:txBody>
+          <a:bodyPr wrap="square" rtlCol="0">
+            <a:spAutoFit/>
+          </a:bodyPr>
+          <a:lstStyle/>
+          <a:p>
+            <a:r>
+              <a:rPr lang="en-US" altLang="ko-KR" sz="1050" dirty="0" smtClean="0"/>
+              <a:t>5.</a:t>
+            </a:r>
+            <a:r>
+              <a:rPr lang="ko-KR" altLang="en-US" sz="1050" dirty="0"/>
+              <a:t> </a:t>
+            </a:r>
+            <a:r>
+              <a:rPr lang="ko-KR" altLang="en-US" sz="1050" dirty="0" smtClean="0"/>
+              <a:t>확정버튼을 눌러 페이지를 수정할 수 없는 상태로 바꿈</a:t>
+            </a:r>
+            <a:r>
+              <a:rPr lang="en-US" altLang="ko-KR" sz="1050" dirty="0" smtClean="0"/>
+              <a:t>. (</a:t>
+            </a:r>
+            <a:r>
+              <a:rPr lang="ko-KR" altLang="en-US" sz="1050" dirty="0" smtClean="0"/>
+              <a:t>입력불가로 변환</a:t>
+            </a:r>
+            <a:r>
+              <a:rPr lang="en-US" altLang="ko-KR" sz="1050" dirty="0" smtClean="0"/>
+              <a:t>)</a:t>
+            </a:r>
+            <a:endParaRPr lang="ko-KR" altLang="en-US" sz="1050" dirty="0"/>
+          </a:p>
+        </p:txBody>
+      </p:sp>
+    </p:spTree>
+    <p:extLst>
+      <p:ext uri="{BB962C8B-B14F-4D97-AF65-F5344CB8AC3E}">
+        <p14:creationId xmlns:p14="http://schemas.microsoft.com/office/powerpoint/2010/main" val="2006484346"/>
+      </p:ext>
+    </p:extLst>
+  </p:cSld>
+  <p:clrMapOvr>
+    <a:masterClrMapping/>
+  </p:clrMapOvr>
+</p:sld>
+</file>
+
+<file path=ppt/slides/slide12.xml><?xml version="1.0" encoding="utf-8"?>
+<p:sld xmlns:a="http://schemas.openxmlformats.org/drawingml/2006/main" xmlns:r="http://schemas.openxmlformats.org/officeDocument/2006/relationships" xmlns:p="http://schemas.openxmlformats.org/presentationml/2006/main">
+  <p:cSld>
+    <p:spTree>
+      <p:nvGrpSpPr>
+        <p:cNvPr id="1" name=""/>
+        <p:cNvGrpSpPr/>
+        <p:nvPr/>
+      </p:nvGrpSpPr>
+      <p:grpSpPr>
+        <a:xfrm>
+          <a:off x="0" y="0"/>
+          <a:ext cx="0" cy="0"/>
+          <a:chOff x="0" y="0"/>
+          <a:chExt cx="0" cy="0"/>
+        </a:xfrm>
+      </p:grpSpPr>
+      <p:sp>
+        <p:nvSpPr>
+          <p:cNvPr id="2" name="제목 1"/>
+          <p:cNvSpPr>
+            <a:spLocks noGrp="1"/>
+          </p:cNvSpPr>
+          <p:nvPr>
+            <p:ph type="title"/>
+          </p:nvPr>
+        </p:nvSpPr>
+        <p:spPr/>
+        <p:txBody>
+          <a:bodyPr/>
+          <a:lstStyle/>
+          <a:p>
+            <a:r>
+              <a:rPr lang="en-US" altLang="ko-KR" dirty="0" smtClean="0"/>
+              <a:t>Staff - </a:t>
+            </a:r>
+            <a:r>
+              <a:rPr lang="ko-KR" altLang="en-US" dirty="0" smtClean="0"/>
+              <a:t>근무수정화면</a:t>
+            </a:r>
+            <a:endParaRPr lang="ko-KR" altLang="en-US" dirty="0"/>
+          </a:p>
+        </p:txBody>
+      </p:sp>
+      <p:sp>
+        <p:nvSpPr>
+          <p:cNvPr id="4" name="직사각형 3"/>
+          <p:cNvSpPr/>
+          <p:nvPr/>
+        </p:nvSpPr>
+        <p:spPr>
+          <a:xfrm>
+            <a:off x="467544" y="1628800"/>
+            <a:ext cx="8208912" cy="4464496"/>
+          </a:xfrm>
+          <a:prstGeom prst="rect">
+            <a:avLst/>
+          </a:prstGeom>
+          <a:noFill/>
+          <a:ln>
+            <a:solidFill>
+              <a:schemeClr val="tx1"/>
+            </a:solidFill>
+          </a:ln>
+        </p:spPr>
+        <p:style>
+          <a:lnRef idx="2">
+            <a:schemeClr val="accent1">
+              <a:shade val="50000"/>
+            </a:schemeClr>
+          </a:lnRef>
+          <a:fillRef idx="1">
+            <a:schemeClr val="accent1"/>
+          </a:fillRef>
+          <a:effectRef idx="0">
+            <a:schemeClr val="accent1"/>
+          </a:effectRef>
+          <a:fontRef idx="minor">
+            <a:schemeClr val="lt1"/>
+          </a:fontRef>
+        </p:style>
+        <p:txBody>
+          <a:bodyPr rtlCol="0" anchor="ctr"/>
+          <a:lstStyle/>
+          <a:p>
+            <a:pPr algn="ctr"/>
+            <a:endParaRPr lang="ko-KR" altLang="en-US"/>
+          </a:p>
+        </p:txBody>
+      </p:sp>
+      <p:sp>
+        <p:nvSpPr>
+          <p:cNvPr id="5" name="직사각형 4"/>
+          <p:cNvSpPr/>
+          <p:nvPr/>
+        </p:nvSpPr>
+        <p:spPr>
+          <a:xfrm>
+            <a:off x="467544" y="1628800"/>
+            <a:ext cx="8208912" cy="540060"/>
+          </a:xfrm>
+          <a:prstGeom prst="rect">
+            <a:avLst/>
+          </a:prstGeom>
+          <a:noFill/>
+          <a:ln>
+            <a:solidFill>
+              <a:schemeClr val="tx1"/>
+            </a:solidFill>
+          </a:ln>
+        </p:spPr>
+        <p:style>
+          <a:lnRef idx="2">
+            <a:schemeClr val="accent1">
+              <a:shade val="50000"/>
+            </a:schemeClr>
+          </a:lnRef>
+          <a:fillRef idx="1">
+            <a:schemeClr val="accent1"/>
+          </a:fillRef>
+          <a:effectRef idx="0">
+            <a:schemeClr val="accent1"/>
+          </a:effectRef>
+          <a:fontRef idx="minor">
+            <a:schemeClr val="lt1"/>
+          </a:fontRef>
+        </p:style>
+        <p:txBody>
+          <a:bodyPr rtlCol="0" anchor="ctr"/>
+          <a:lstStyle/>
+          <a:p>
+            <a:pPr algn="ctr"/>
+            <a:endParaRPr lang="ko-KR" altLang="en-US"/>
+          </a:p>
+        </p:txBody>
+      </p:sp>
+      <p:sp>
+        <p:nvSpPr>
+          <p:cNvPr id="6" name="직사각형 5"/>
+          <p:cNvSpPr/>
+          <p:nvPr/>
+        </p:nvSpPr>
+        <p:spPr>
+          <a:xfrm>
+            <a:off x="467544" y="2168860"/>
+            <a:ext cx="1296144" cy="3924436"/>
+          </a:xfrm>
+          <a:prstGeom prst="rect">
+            <a:avLst/>
+          </a:prstGeom>
+          <a:noFill/>
+          <a:ln>
+            <a:solidFill>
+              <a:schemeClr val="tx1"/>
+            </a:solidFill>
+          </a:ln>
+        </p:spPr>
+        <p:style>
+          <a:lnRef idx="2">
+            <a:schemeClr val="accent1">
+              <a:shade val="50000"/>
+            </a:schemeClr>
+          </a:lnRef>
+          <a:fillRef idx="1">
+            <a:schemeClr val="accent1"/>
+          </a:fillRef>
+          <a:effectRef idx="0">
+            <a:schemeClr val="accent1"/>
+          </a:effectRef>
+          <a:fontRef idx="minor">
+            <a:schemeClr val="lt1"/>
+          </a:fontRef>
+        </p:style>
+        <p:txBody>
+          <a:bodyPr rtlCol="0" anchor="ctr"/>
+          <a:lstStyle/>
+          <a:p>
+            <a:pPr algn="ctr"/>
+            <a:endParaRPr lang="ko-KR" altLang="en-US"/>
+          </a:p>
+        </p:txBody>
+      </p:sp>
+      <p:sp>
+        <p:nvSpPr>
+          <p:cNvPr id="17" name="직사각형 16"/>
+          <p:cNvSpPr/>
+          <p:nvPr/>
+        </p:nvSpPr>
+        <p:spPr>
+          <a:xfrm>
+            <a:off x="7092280" y="1628800"/>
+            <a:ext cx="1584176" cy="540060"/>
+          </a:xfrm>
+          <a:prstGeom prst="rect">
+            <a:avLst/>
+          </a:prstGeom>
+          <a:noFill/>
+        </p:spPr>
+        <p:style>
+          <a:lnRef idx="2">
+            <a:schemeClr val="accent1">
+              <a:shade val="50000"/>
+            </a:schemeClr>
+          </a:lnRef>
+          <a:fillRef idx="1">
+            <a:schemeClr val="accent1"/>
+          </a:fillRef>
+          <a:effectRef idx="0">
+            <a:schemeClr val="accent1"/>
+          </a:effectRef>
+          <a:fontRef idx="minor">
+            <a:schemeClr val="lt1"/>
+          </a:fontRef>
+        </p:style>
+        <p:txBody>
+          <a:bodyPr rtlCol="0" anchor="ctr"/>
+          <a:lstStyle/>
+          <a:p>
+            <a:pPr algn="ctr"/>
+            <a:endParaRPr lang="ko-KR" altLang="en-US"/>
+          </a:p>
+        </p:txBody>
+      </p:sp>
+      <p:sp>
+        <p:nvSpPr>
+          <p:cNvPr id="18" name="TextBox 17"/>
+          <p:cNvSpPr txBox="1"/>
+          <p:nvPr/>
+        </p:nvSpPr>
+        <p:spPr>
+          <a:xfrm>
+            <a:off x="6732240" y="813312"/>
+            <a:ext cx="1944216" cy="738664"/>
+          </a:xfrm>
+          <a:prstGeom prst="rect">
+            <a:avLst/>
+          </a:prstGeom>
+          <a:noFill/>
+        </p:spPr>
+        <p:txBody>
+          <a:bodyPr wrap="square" rtlCol="0">
+            <a:spAutoFit/>
+          </a:bodyPr>
+          <a:lstStyle/>
+          <a:p>
+            <a:r>
+              <a:rPr lang="en-US" altLang="ko-KR" sz="1400" dirty="0" smtClean="0"/>
+              <a:t>-</a:t>
+            </a:r>
+            <a:r>
+              <a:rPr lang="ko-KR" altLang="en-US" sz="1400" dirty="0" smtClean="0"/>
+              <a:t>로그인</a:t>
+            </a:r>
+            <a:r>
+              <a:rPr lang="en-US" altLang="ko-KR" sz="1400" dirty="0" smtClean="0"/>
+              <a:t>/</a:t>
+            </a:r>
+            <a:r>
+              <a:rPr lang="ko-KR" altLang="en-US" sz="1400" dirty="0" smtClean="0"/>
+              <a:t>회원가입</a:t>
+            </a:r>
+            <a:endParaRPr lang="en-US" altLang="ko-KR" sz="1400" dirty="0" smtClean="0"/>
+          </a:p>
+          <a:p>
+            <a:r>
+              <a:rPr lang="en-US" altLang="ko-KR" sz="1400" dirty="0" smtClean="0"/>
+              <a:t>-</a:t>
+            </a:r>
+            <a:r>
+              <a:rPr lang="ko-KR" altLang="en-US" sz="1400" dirty="0" err="1" smtClean="0"/>
+              <a:t>로그인된</a:t>
+            </a:r>
+            <a:r>
+              <a:rPr lang="ko-KR" altLang="en-US" sz="1400" dirty="0" smtClean="0"/>
+              <a:t> 회원정보</a:t>
+            </a:r>
+            <a:r>
+              <a:rPr lang="en-US" altLang="ko-KR" sz="1400" dirty="0" smtClean="0"/>
+              <a:t/>
+            </a:r>
+            <a:br>
+              <a:rPr lang="en-US" altLang="ko-KR" sz="1400" dirty="0" smtClean="0"/>
+            </a:br>
+            <a:r>
+              <a:rPr lang="en-US" altLang="ko-KR" sz="1400" dirty="0" smtClean="0"/>
+              <a:t>-</a:t>
+            </a:r>
+            <a:r>
+              <a:rPr lang="ko-KR" altLang="en-US" sz="1400" dirty="0" err="1" smtClean="0"/>
+              <a:t>수신알림</a:t>
+            </a:r>
+            <a:endParaRPr lang="ko-KR" altLang="en-US" sz="1400" dirty="0"/>
+          </a:p>
+        </p:txBody>
+      </p:sp>
+      <p:sp>
+        <p:nvSpPr>
+          <p:cNvPr id="7" name="직사각형 6"/>
+          <p:cNvSpPr/>
+          <p:nvPr/>
+        </p:nvSpPr>
+        <p:spPr>
+          <a:xfrm>
+            <a:off x="4067944" y="2564904"/>
+            <a:ext cx="4176464" cy="3096344"/>
+          </a:xfrm>
+          <a:prstGeom prst="rect">
+            <a:avLst/>
+          </a:prstGeom>
+          <a:noFill/>
+        </p:spPr>
+        <p:style>
+          <a:lnRef idx="2">
+            <a:schemeClr val="accent1">
+              <a:shade val="50000"/>
+            </a:schemeClr>
+          </a:lnRef>
+          <a:fillRef idx="1">
+            <a:schemeClr val="accent1"/>
+          </a:fillRef>
+          <a:effectRef idx="0">
+            <a:schemeClr val="accent1"/>
+          </a:effectRef>
+          <a:fontRef idx="minor">
+            <a:schemeClr val="lt1"/>
+          </a:fontRef>
+        </p:style>
+        <p:txBody>
+          <a:bodyPr rtlCol="0" anchor="ctr"/>
+          <a:lstStyle/>
+          <a:p>
+            <a:pPr algn="ctr"/>
+            <a:endParaRPr lang="ko-KR" altLang="en-US"/>
+          </a:p>
+        </p:txBody>
+      </p:sp>
+      <p:sp>
+        <p:nvSpPr>
+          <p:cNvPr id="8" name="직사각형 7"/>
+          <p:cNvSpPr/>
+          <p:nvPr/>
+        </p:nvSpPr>
+        <p:spPr>
+          <a:xfrm>
+            <a:off x="2051720" y="2564904"/>
+            <a:ext cx="1728192" cy="3096344"/>
+          </a:xfrm>
+          <a:prstGeom prst="rect">
+            <a:avLst/>
+          </a:prstGeom>
+          <a:noFill/>
+        </p:spPr>
+        <p:style>
+          <a:lnRef idx="2">
+            <a:schemeClr val="accent1">
+              <a:shade val="50000"/>
+            </a:schemeClr>
+          </a:lnRef>
+          <a:fillRef idx="1">
+            <a:schemeClr val="accent1"/>
+          </a:fillRef>
+          <a:effectRef idx="0">
+            <a:schemeClr val="accent1"/>
+          </a:effectRef>
+          <a:fontRef idx="minor">
+            <a:schemeClr val="lt1"/>
+          </a:fontRef>
+        </p:style>
+        <p:txBody>
+          <a:bodyPr rtlCol="0" anchor="ctr"/>
+          <a:lstStyle/>
+          <a:p>
+            <a:pPr algn="ctr"/>
+            <a:endParaRPr lang="ko-KR" altLang="en-US"/>
+          </a:p>
+        </p:txBody>
+      </p:sp>
+      <p:sp>
+        <p:nvSpPr>
+          <p:cNvPr id="15" name="TextBox 14"/>
+          <p:cNvSpPr txBox="1"/>
+          <p:nvPr/>
+        </p:nvSpPr>
+        <p:spPr>
+          <a:xfrm>
+            <a:off x="2022516" y="2178414"/>
+            <a:ext cx="1728192" cy="261610"/>
+          </a:xfrm>
+          <a:prstGeom prst="rect">
+            <a:avLst/>
+          </a:prstGeom>
+          <a:noFill/>
+        </p:spPr>
+        <p:txBody>
+          <a:bodyPr wrap="square" rtlCol="0">
+            <a:spAutoFit/>
+          </a:bodyPr>
+          <a:lstStyle/>
+          <a:p>
+            <a:r>
+              <a:rPr lang="en-US" altLang="ko-KR" sz="1050" dirty="0" err="1" smtClean="0"/>
+              <a:t>Controll</a:t>
+            </a:r>
+            <a:r>
+              <a:rPr lang="en-US" altLang="ko-KR" sz="1050" dirty="0" smtClean="0"/>
+              <a:t> panel</a:t>
+            </a:r>
+            <a:endParaRPr lang="ko-KR" altLang="en-US" sz="1050" dirty="0"/>
+          </a:p>
+        </p:txBody>
+      </p:sp>
+      <p:sp>
+        <p:nvSpPr>
+          <p:cNvPr id="16" name="TextBox 15"/>
+          <p:cNvSpPr txBox="1"/>
+          <p:nvPr/>
+        </p:nvSpPr>
+        <p:spPr>
+          <a:xfrm>
+            <a:off x="4067944" y="2178414"/>
+            <a:ext cx="2808312" cy="261610"/>
+          </a:xfrm>
+          <a:prstGeom prst="rect">
+            <a:avLst/>
+          </a:prstGeom>
+          <a:noFill/>
+        </p:spPr>
+        <p:txBody>
+          <a:bodyPr wrap="square" rtlCol="0">
+            <a:spAutoFit/>
+          </a:bodyPr>
+          <a:lstStyle/>
+          <a:p>
+            <a:r>
+              <a:rPr lang="en-US" altLang="ko-KR" sz="1100" dirty="0" smtClean="0"/>
+              <a:t>Calendar</a:t>
+            </a:r>
+            <a:endParaRPr lang="ko-KR" altLang="en-US" sz="1100" dirty="0"/>
+          </a:p>
+        </p:txBody>
+      </p:sp>
+      <p:sp>
+        <p:nvSpPr>
+          <p:cNvPr id="3" name="TextBox 2"/>
+          <p:cNvSpPr txBox="1"/>
+          <p:nvPr/>
+        </p:nvSpPr>
+        <p:spPr>
+          <a:xfrm>
+            <a:off x="2123728" y="2708920"/>
+            <a:ext cx="1440160" cy="400110"/>
+          </a:xfrm>
+          <a:prstGeom prst="rect">
+            <a:avLst/>
+          </a:prstGeom>
+          <a:noFill/>
+        </p:spPr>
+        <p:txBody>
+          <a:bodyPr wrap="square" rtlCol="0">
+            <a:spAutoFit/>
+          </a:bodyPr>
+          <a:lstStyle/>
+          <a:p>
+            <a:pPr marL="171450" indent="-171450">
+              <a:buFontTx/>
+              <a:buChar char="-"/>
+            </a:pPr>
+            <a:r>
+              <a:rPr lang="ko-KR" altLang="en-US" sz="1000" dirty="0" err="1" smtClean="0"/>
+              <a:t>교환요청받은</a:t>
+            </a:r>
+            <a:r>
+              <a:rPr lang="ko-KR" altLang="en-US" sz="1000" dirty="0" smtClean="0"/>
+              <a:t> </a:t>
+            </a:r>
+            <a:r>
+              <a:rPr lang="ko-KR" altLang="en-US" sz="1000" dirty="0" err="1" smtClean="0"/>
+              <a:t>시간대바</a:t>
+            </a:r>
+            <a:endParaRPr lang="en-US" altLang="ko-KR" sz="1000" dirty="0" smtClean="0"/>
+          </a:p>
+        </p:txBody>
+      </p:sp>
+      <p:sp>
+        <p:nvSpPr>
+          <p:cNvPr id="9" name="TextBox 8"/>
+          <p:cNvSpPr txBox="1"/>
+          <p:nvPr/>
+        </p:nvSpPr>
+        <p:spPr>
+          <a:xfrm>
+            <a:off x="2123728" y="3284984"/>
+            <a:ext cx="1512168" cy="246221"/>
+          </a:xfrm>
+          <a:prstGeom prst="rect">
+            <a:avLst/>
+          </a:prstGeom>
+          <a:noFill/>
+        </p:spPr>
+        <p:txBody>
+          <a:bodyPr wrap="square" rtlCol="0">
+            <a:spAutoFit/>
+          </a:bodyPr>
+          <a:lstStyle/>
+          <a:p>
+            <a:r>
+              <a:rPr lang="en-US" altLang="ko-KR" sz="1000" dirty="0" smtClean="0"/>
+              <a:t>- </a:t>
+            </a:r>
+            <a:r>
+              <a:rPr lang="ko-KR" altLang="en-US" sz="1000" dirty="0" err="1" smtClean="0"/>
+              <a:t>휴가신청바</a:t>
+            </a:r>
+            <a:endParaRPr lang="ko-KR" altLang="en-US" sz="1000" dirty="0"/>
+          </a:p>
+        </p:txBody>
+      </p:sp>
+      <p:sp>
+        <p:nvSpPr>
+          <p:cNvPr id="11" name="TextBox 10"/>
+          <p:cNvSpPr txBox="1"/>
+          <p:nvPr/>
+        </p:nvSpPr>
+        <p:spPr>
+          <a:xfrm>
+            <a:off x="2123728" y="3717032"/>
+            <a:ext cx="1512168" cy="246221"/>
+          </a:xfrm>
+          <a:prstGeom prst="rect">
+            <a:avLst/>
+          </a:prstGeom>
+          <a:noFill/>
+        </p:spPr>
+        <p:txBody>
+          <a:bodyPr wrap="square" rtlCol="0">
+            <a:spAutoFit/>
+          </a:bodyPr>
+          <a:lstStyle/>
+          <a:p>
+            <a:r>
+              <a:rPr lang="en-US" altLang="ko-KR" sz="1000" dirty="0" smtClean="0"/>
+              <a:t>- </a:t>
+            </a:r>
+            <a:r>
+              <a:rPr lang="ko-KR" altLang="en-US" sz="1000" dirty="0" err="1" smtClean="0"/>
+              <a:t>조퇴입력바</a:t>
+            </a:r>
+            <a:endParaRPr lang="ko-KR" altLang="en-US" sz="1000" dirty="0"/>
+          </a:p>
+        </p:txBody>
+      </p:sp>
+      <p:sp>
+        <p:nvSpPr>
+          <p:cNvPr id="21" name="TextBox 20"/>
+          <p:cNvSpPr txBox="1"/>
+          <p:nvPr/>
+        </p:nvSpPr>
+        <p:spPr>
+          <a:xfrm>
+            <a:off x="4427984" y="2908975"/>
+            <a:ext cx="3096344" cy="1938992"/>
+          </a:xfrm>
+          <a:prstGeom prst="rect">
+            <a:avLst/>
+          </a:prstGeom>
+          <a:noFill/>
+        </p:spPr>
+        <p:txBody>
+          <a:bodyPr wrap="square" rtlCol="0">
+            <a:spAutoFit/>
+          </a:bodyPr>
+          <a:lstStyle/>
+          <a:p>
+            <a:pPr marL="171450" indent="-171450">
+              <a:buFontTx/>
+              <a:buChar char="-"/>
+            </a:pPr>
+            <a:r>
+              <a:rPr lang="ko-KR" altLang="en-US" sz="1000" dirty="0" smtClean="0"/>
+              <a:t>교환요청정보가 있는 이벤트 바 선택 시</a:t>
+            </a:r>
+            <a:r>
+              <a:rPr lang="en-US" altLang="ko-KR" sz="1000" dirty="0" smtClean="0"/>
+              <a:t>(</a:t>
+            </a:r>
+            <a:r>
+              <a:rPr lang="ko-KR" altLang="en-US" sz="1000" dirty="0" err="1" smtClean="0"/>
+              <a:t>드랍</a:t>
+            </a:r>
+            <a:r>
+              <a:rPr lang="en-US" altLang="ko-KR" sz="1000" dirty="0" smtClean="0"/>
+              <a:t>, </a:t>
+            </a:r>
+            <a:r>
+              <a:rPr lang="ko-KR" altLang="en-US" sz="1000" dirty="0" smtClean="0"/>
+              <a:t>클릭 등등</a:t>
+            </a:r>
+            <a:r>
+              <a:rPr lang="en-US" altLang="ko-KR" sz="1000" dirty="0" smtClean="0"/>
+              <a:t>), </a:t>
+            </a:r>
+            <a:r>
+              <a:rPr lang="ko-KR" altLang="en-US" sz="1000" dirty="0" smtClean="0"/>
+              <a:t>캘린더에 이벤트 등록됨</a:t>
+            </a:r>
+            <a:endParaRPr lang="en-US" altLang="ko-KR" sz="1000" dirty="0"/>
+          </a:p>
+          <a:p>
+            <a:r>
+              <a:rPr lang="en-US" altLang="ko-KR" sz="1000" dirty="0" smtClean="0"/>
+              <a:t>    </a:t>
+            </a:r>
+            <a:r>
+              <a:rPr lang="ko-KR" altLang="en-US" sz="1000" dirty="0" smtClean="0"/>
+              <a:t>본인의 </a:t>
+            </a:r>
+            <a:r>
+              <a:rPr lang="ko-KR" altLang="en-US" sz="1000" dirty="0" err="1" smtClean="0"/>
+              <a:t>근무시간대와</a:t>
+            </a:r>
+            <a:r>
+              <a:rPr lang="ko-KR" altLang="en-US" sz="1000" dirty="0" smtClean="0"/>
+              <a:t> 중복되는지 여부 검사</a:t>
+            </a:r>
+            <a:r>
+              <a:rPr lang="en-US" altLang="ko-KR" sz="1000" dirty="0" smtClean="0"/>
+              <a:t>,</a:t>
+            </a:r>
+          </a:p>
+          <a:p>
+            <a:r>
+              <a:rPr lang="en-US" altLang="ko-KR" sz="1000" dirty="0"/>
+              <a:t> </a:t>
+            </a:r>
+            <a:r>
+              <a:rPr lang="en-US" altLang="ko-KR" sz="1000" dirty="0" smtClean="0"/>
+              <a:t>   </a:t>
+            </a:r>
+            <a:r>
+              <a:rPr lang="ko-KR" altLang="en-US" sz="1000" dirty="0" smtClean="0"/>
+              <a:t>중복 시 </a:t>
+            </a:r>
+            <a:r>
+              <a:rPr lang="ko-KR" altLang="en-US" sz="1000" dirty="0" err="1" smtClean="0"/>
+              <a:t>알림창</a:t>
+            </a:r>
+            <a:r>
+              <a:rPr lang="ko-KR" altLang="en-US" sz="1000" dirty="0" smtClean="0"/>
+              <a:t> 팝업</a:t>
+            </a:r>
+            <a:r>
+              <a:rPr lang="en-US" altLang="ko-KR" sz="1000" dirty="0" smtClean="0"/>
+              <a:t>, </a:t>
+            </a:r>
+            <a:r>
+              <a:rPr lang="ko-KR" altLang="en-US" sz="1000" dirty="0" err="1" smtClean="0"/>
+              <a:t>등록안됨</a:t>
+            </a:r>
+            <a:r>
+              <a:rPr lang="en-US" altLang="ko-KR" sz="1000" dirty="0" smtClean="0"/>
+              <a:t>.,</a:t>
+            </a:r>
+          </a:p>
+          <a:p>
+            <a:pPr marL="171450" indent="-171450">
+              <a:buFontTx/>
+              <a:buChar char="-"/>
+            </a:pPr>
+            <a:endParaRPr lang="en-US" altLang="ko-KR" sz="1000" dirty="0"/>
+          </a:p>
+          <a:p>
+            <a:pPr marL="171450" indent="-171450">
+              <a:buFontTx/>
+              <a:buChar char="-"/>
+            </a:pPr>
+            <a:r>
+              <a:rPr lang="ko-KR" altLang="en-US" sz="1000" dirty="0" smtClean="0"/>
+              <a:t>휴가신청</a:t>
+            </a:r>
+            <a:r>
+              <a:rPr lang="en-US" altLang="ko-KR" sz="1000" dirty="0" smtClean="0"/>
+              <a:t>/</a:t>
+            </a:r>
+            <a:r>
+              <a:rPr lang="ko-KR" altLang="en-US" sz="1000" dirty="0" smtClean="0"/>
+              <a:t>조퇴 바 선택 시 캘린더에 </a:t>
+            </a:r>
+            <a:r>
+              <a:rPr lang="ko-KR" altLang="en-US" sz="1000" dirty="0" err="1" smtClean="0"/>
+              <a:t>드랍</a:t>
+            </a:r>
+            <a:r>
+              <a:rPr lang="en-US" altLang="ko-KR" sz="1000" dirty="0" smtClean="0"/>
+              <a:t>,</a:t>
+            </a:r>
+            <a:r>
+              <a:rPr lang="ko-KR" altLang="en-US" sz="1000" dirty="0" err="1" smtClean="0"/>
+              <a:t>클릭등의</a:t>
+            </a:r>
+            <a:r>
+              <a:rPr lang="ko-KR" altLang="en-US" sz="1000" dirty="0" smtClean="0"/>
+              <a:t> 이벤트를 수행하고</a:t>
+            </a:r>
+            <a:r>
+              <a:rPr lang="en-US" altLang="ko-KR" sz="1000" dirty="0" smtClean="0"/>
+              <a:t>(</a:t>
+            </a:r>
+            <a:r>
+              <a:rPr lang="ko-KR" altLang="en-US" sz="1000" dirty="0" smtClean="0"/>
+              <a:t>날짜정보 입력됨</a:t>
+            </a:r>
+            <a:r>
+              <a:rPr lang="en-US" altLang="ko-KR" sz="1000" dirty="0" smtClean="0"/>
+              <a:t>..)</a:t>
+            </a:r>
+          </a:p>
+          <a:p>
+            <a:r>
+              <a:rPr lang="en-US" altLang="ko-KR" sz="1000" dirty="0"/>
+              <a:t> </a:t>
+            </a:r>
+            <a:r>
+              <a:rPr lang="en-US" altLang="ko-KR" sz="1000" dirty="0" smtClean="0"/>
+              <a:t>   </a:t>
+            </a:r>
+            <a:r>
+              <a:rPr lang="ko-KR" altLang="en-US" sz="1000" dirty="0" smtClean="0"/>
+              <a:t>해당 날짜에 자신의 이벤트가 있는지 확인 후</a:t>
+            </a:r>
+            <a:r>
+              <a:rPr lang="en-US" altLang="ko-KR" sz="1000" dirty="0"/>
+              <a:t> </a:t>
+            </a:r>
+          </a:p>
+          <a:p>
+            <a:r>
+              <a:rPr lang="en-US" altLang="ko-KR" sz="1000" dirty="0" smtClean="0"/>
+              <a:t>    </a:t>
+            </a:r>
+            <a:r>
+              <a:rPr lang="ko-KR" altLang="en-US" sz="1000" dirty="0" smtClean="0"/>
+              <a:t>휴가 이벤트가 등록됨</a:t>
+            </a:r>
+            <a:r>
+              <a:rPr lang="en-US" altLang="ko-KR" sz="1000" dirty="0" smtClean="0"/>
+              <a:t>.</a:t>
+            </a:r>
+          </a:p>
+          <a:p>
+            <a:r>
+              <a:rPr lang="en-US" altLang="ko-KR" sz="1000" dirty="0"/>
+              <a:t> </a:t>
+            </a:r>
+            <a:r>
+              <a:rPr lang="en-US" altLang="ko-KR" sz="1000" dirty="0" smtClean="0"/>
+              <a:t>   (</a:t>
+            </a:r>
+            <a:r>
+              <a:rPr lang="ko-KR" altLang="en-US" sz="1000" dirty="0" smtClean="0"/>
+              <a:t>기존의 일정이벤트와 중복되어 등록된다</a:t>
+            </a:r>
+            <a:r>
+              <a:rPr lang="en-US" altLang="ko-KR" sz="1000" dirty="0" smtClean="0"/>
+              <a:t>.)</a:t>
+            </a:r>
+          </a:p>
+          <a:p>
+            <a:pPr marL="171450" indent="-171450">
+              <a:buFontTx/>
+              <a:buChar char="-"/>
+            </a:pPr>
+            <a:endParaRPr lang="en-US" altLang="ko-KR" sz="1000" dirty="0"/>
+          </a:p>
+          <a:p>
+            <a:pPr marL="171450" indent="-171450">
+              <a:buFontTx/>
+              <a:buChar char="-"/>
+            </a:pPr>
+            <a:endParaRPr lang="ko-KR" altLang="en-US" sz="1000" dirty="0"/>
+          </a:p>
+        </p:txBody>
+      </p:sp>
+    </p:spTree>
+    <p:extLst>
+      <p:ext uri="{BB962C8B-B14F-4D97-AF65-F5344CB8AC3E}">
+        <p14:creationId xmlns:p14="http://schemas.microsoft.com/office/powerpoint/2010/main" val="1768618224"/>
+      </p:ext>
+    </p:extLst>
+  </p:cSld>
+  <p:clrMapOvr>
+    <a:masterClrMapping/>
+  </p:clrMapOvr>
+</p:sld>
+</file>
+
 <file path=ppt/slides/slide2.xml><?xml version="1.0" encoding="utf-8"?>
 <p:sld xmlns:a="http://schemas.openxmlformats.org/drawingml/2006/main" xmlns:r="http://schemas.openxmlformats.org/officeDocument/2006/relationships" xmlns:p="http://schemas.openxmlformats.org/presentationml/2006/main">
   <p:cSld>
@@ -3183,8 +5336,8 @@
           <a:lstStyle/>
           <a:p>
             <a:r>
-              <a:rPr lang="en-US" altLang="ko-KR" dirty="0" smtClean="0"/>
-              <a:t>1. Main Page</a:t>
+              <a:rPr lang="ko-KR" altLang="en-US" dirty="0" smtClean="0"/>
+              <a:t>추가사항</a:t>
             </a:r>
             <a:endParaRPr lang="ko-KR" altLang="en-US" dirty="0"/>
           </a:p>
@@ -3192,745 +5345,116 @@
       </p:sp>
       <p:sp>
         <p:nvSpPr>
-          <p:cNvPr id="4" name="직사각형 3"/>
-          <p:cNvSpPr/>
-          <p:nvPr/>
-        </p:nvSpPr>
-        <p:spPr>
-          <a:xfrm>
-            <a:off x="467544" y="1628800"/>
-            <a:ext cx="8208912" cy="4464496"/>
-          </a:xfrm>
-          <a:prstGeom prst="rect">
-            <a:avLst/>
-          </a:prstGeom>
-          <a:noFill/>
-          <a:ln>
-            <a:solidFill>
-              <a:schemeClr val="tx1"/>
-            </a:solidFill>
-          </a:ln>
-        </p:spPr>
-        <p:style>
-          <a:lnRef idx="2">
-            <a:schemeClr val="accent1">
-              <a:shade val="50000"/>
-            </a:schemeClr>
-          </a:lnRef>
-          <a:fillRef idx="1">
-            <a:schemeClr val="accent1"/>
-          </a:fillRef>
-          <a:effectRef idx="0">
-            <a:schemeClr val="accent1"/>
-          </a:effectRef>
-          <a:fontRef idx="minor">
-            <a:schemeClr val="lt1"/>
-          </a:fontRef>
-        </p:style>
-        <p:txBody>
-          <a:bodyPr rtlCol="0" anchor="ctr"/>
-          <a:lstStyle/>
-          <a:p>
-            <a:pPr algn="ctr"/>
-            <a:endParaRPr lang="ko-KR" altLang="en-US"/>
-          </a:p>
-        </p:txBody>
-      </p:sp>
-      <p:sp>
-        <p:nvSpPr>
-          <p:cNvPr id="5" name="직사각형 4"/>
-          <p:cNvSpPr/>
-          <p:nvPr/>
-        </p:nvSpPr>
-        <p:spPr>
-          <a:xfrm>
-            <a:off x="467544" y="1628800"/>
-            <a:ext cx="8208912" cy="540060"/>
-          </a:xfrm>
-          <a:prstGeom prst="rect">
-            <a:avLst/>
-          </a:prstGeom>
-          <a:noFill/>
-          <a:ln>
-            <a:solidFill>
-              <a:schemeClr val="tx1"/>
-            </a:solidFill>
-          </a:ln>
-        </p:spPr>
-        <p:style>
-          <a:lnRef idx="2">
-            <a:schemeClr val="accent1">
-              <a:shade val="50000"/>
-            </a:schemeClr>
-          </a:lnRef>
-          <a:fillRef idx="1">
-            <a:schemeClr val="accent1"/>
-          </a:fillRef>
-          <a:effectRef idx="0">
-            <a:schemeClr val="accent1"/>
-          </a:effectRef>
-          <a:fontRef idx="minor">
-            <a:schemeClr val="lt1"/>
-          </a:fontRef>
-        </p:style>
-        <p:txBody>
-          <a:bodyPr rtlCol="0" anchor="ctr"/>
-          <a:lstStyle/>
-          <a:p>
-            <a:pPr algn="ctr"/>
-            <a:endParaRPr lang="ko-KR" altLang="en-US"/>
-          </a:p>
-        </p:txBody>
-      </p:sp>
-      <p:sp>
-        <p:nvSpPr>
-          <p:cNvPr id="6" name="직사각형 5"/>
-          <p:cNvSpPr/>
-          <p:nvPr/>
-        </p:nvSpPr>
-        <p:spPr>
-          <a:xfrm>
-            <a:off x="467544" y="2168860"/>
-            <a:ext cx="1296144" cy="3924436"/>
-          </a:xfrm>
-          <a:prstGeom prst="rect">
-            <a:avLst/>
-          </a:prstGeom>
-          <a:noFill/>
-          <a:ln>
-            <a:solidFill>
-              <a:schemeClr val="tx1"/>
-            </a:solidFill>
-          </a:ln>
-        </p:spPr>
-        <p:style>
-          <a:lnRef idx="2">
-            <a:schemeClr val="accent1">
-              <a:shade val="50000"/>
-            </a:schemeClr>
-          </a:lnRef>
-          <a:fillRef idx="1">
-            <a:schemeClr val="accent1"/>
-          </a:fillRef>
-          <a:effectRef idx="0">
-            <a:schemeClr val="accent1"/>
-          </a:effectRef>
-          <a:fontRef idx="minor">
-            <a:schemeClr val="lt1"/>
-          </a:fontRef>
-        </p:style>
-        <p:txBody>
-          <a:bodyPr rtlCol="0" anchor="ctr"/>
-          <a:lstStyle/>
-          <a:p>
-            <a:pPr algn="ctr"/>
-            <a:endParaRPr lang="ko-KR" altLang="en-US"/>
-          </a:p>
-        </p:txBody>
-      </p:sp>
-      <p:sp>
-        <p:nvSpPr>
-          <p:cNvPr id="7" name="직사각형 6"/>
-          <p:cNvSpPr/>
-          <p:nvPr/>
-        </p:nvSpPr>
-        <p:spPr>
-          <a:xfrm>
-            <a:off x="2123728" y="2546902"/>
-            <a:ext cx="1728192" cy="1458162"/>
-          </a:xfrm>
-          <a:prstGeom prst="rect">
-            <a:avLst/>
-          </a:prstGeom>
-          <a:noFill/>
-          <a:ln>
-            <a:solidFill>
-              <a:schemeClr val="tx1"/>
-            </a:solidFill>
-          </a:ln>
-        </p:spPr>
-        <p:style>
-          <a:lnRef idx="2">
-            <a:schemeClr val="accent1">
-              <a:shade val="50000"/>
-            </a:schemeClr>
-          </a:lnRef>
-          <a:fillRef idx="1">
-            <a:schemeClr val="accent1"/>
-          </a:fillRef>
-          <a:effectRef idx="0">
-            <a:schemeClr val="accent1"/>
-          </a:effectRef>
-          <a:fontRef idx="minor">
-            <a:schemeClr val="lt1"/>
-          </a:fontRef>
-        </p:style>
-        <p:txBody>
-          <a:bodyPr rtlCol="0" anchor="ctr"/>
-          <a:lstStyle/>
-          <a:p>
-            <a:pPr algn="ctr"/>
-            <a:endParaRPr lang="ko-KR" altLang="en-US"/>
-          </a:p>
-        </p:txBody>
-      </p:sp>
-      <p:sp>
-        <p:nvSpPr>
-          <p:cNvPr id="8" name="직사각형 7"/>
-          <p:cNvSpPr/>
-          <p:nvPr/>
-        </p:nvSpPr>
-        <p:spPr>
-          <a:xfrm>
-            <a:off x="2123728" y="4221088"/>
-            <a:ext cx="1728192" cy="1494166"/>
-          </a:xfrm>
-          <a:prstGeom prst="rect">
-            <a:avLst/>
-          </a:prstGeom>
-          <a:noFill/>
-          <a:ln>
-            <a:solidFill>
-              <a:schemeClr val="tx1"/>
-            </a:solidFill>
-          </a:ln>
-        </p:spPr>
-        <p:style>
-          <a:lnRef idx="2">
-            <a:schemeClr val="accent1">
-              <a:shade val="50000"/>
-            </a:schemeClr>
-          </a:lnRef>
-          <a:fillRef idx="1">
-            <a:schemeClr val="accent1"/>
-          </a:fillRef>
-          <a:effectRef idx="0">
-            <a:schemeClr val="accent1"/>
-          </a:effectRef>
-          <a:fontRef idx="minor">
-            <a:schemeClr val="lt1"/>
-          </a:fontRef>
-        </p:style>
-        <p:txBody>
-          <a:bodyPr rtlCol="0" anchor="ctr"/>
-          <a:lstStyle/>
-          <a:p>
-            <a:pPr algn="ctr"/>
-            <a:endParaRPr lang="ko-KR" altLang="en-US"/>
-          </a:p>
-        </p:txBody>
-      </p:sp>
-      <p:sp>
-        <p:nvSpPr>
-          <p:cNvPr id="9" name="직사각형 8"/>
-          <p:cNvSpPr/>
-          <p:nvPr/>
-        </p:nvSpPr>
-        <p:spPr>
-          <a:xfrm>
-            <a:off x="6444208" y="2546902"/>
-            <a:ext cx="1728192" cy="3168352"/>
-          </a:xfrm>
-          <a:prstGeom prst="rect">
-            <a:avLst/>
-          </a:prstGeom>
-          <a:noFill/>
-          <a:ln>
-            <a:solidFill>
-              <a:schemeClr val="tx1"/>
-            </a:solidFill>
-          </a:ln>
-        </p:spPr>
-        <p:style>
-          <a:lnRef idx="2">
-            <a:schemeClr val="accent1">
-              <a:shade val="50000"/>
-            </a:schemeClr>
-          </a:lnRef>
-          <a:fillRef idx="1">
-            <a:schemeClr val="accent1"/>
-          </a:fillRef>
-          <a:effectRef idx="0">
-            <a:schemeClr val="accent1"/>
-          </a:effectRef>
-          <a:fontRef idx="minor">
-            <a:schemeClr val="lt1"/>
-          </a:fontRef>
-        </p:style>
-        <p:txBody>
-          <a:bodyPr rtlCol="0" anchor="ctr"/>
-          <a:lstStyle/>
-          <a:p>
-            <a:pPr algn="ctr"/>
-            <a:endParaRPr lang="ko-KR" altLang="en-US"/>
-          </a:p>
-        </p:txBody>
-      </p:sp>
-      <p:sp>
-        <p:nvSpPr>
-          <p:cNvPr id="11" name="직사각형 10"/>
-          <p:cNvSpPr/>
-          <p:nvPr/>
-        </p:nvSpPr>
-        <p:spPr>
-          <a:xfrm>
-            <a:off x="4211960" y="2546902"/>
-            <a:ext cx="1728192" cy="3168352"/>
-          </a:xfrm>
-          <a:prstGeom prst="rect">
-            <a:avLst/>
-          </a:prstGeom>
-          <a:noFill/>
-          <a:ln>
-            <a:solidFill>
-              <a:schemeClr val="tx1"/>
-            </a:solidFill>
-          </a:ln>
-        </p:spPr>
-        <p:style>
-          <a:lnRef idx="2">
-            <a:schemeClr val="accent1">
-              <a:shade val="50000"/>
-            </a:schemeClr>
-          </a:lnRef>
-          <a:fillRef idx="1">
-            <a:schemeClr val="accent1"/>
-          </a:fillRef>
-          <a:effectRef idx="0">
-            <a:schemeClr val="accent1"/>
-          </a:effectRef>
-          <a:fontRef idx="minor">
-            <a:schemeClr val="lt1"/>
-          </a:fontRef>
-        </p:style>
-        <p:txBody>
-          <a:bodyPr rtlCol="0" anchor="ctr"/>
-          <a:lstStyle/>
-          <a:p>
-            <a:pPr algn="ctr"/>
-            <a:endParaRPr lang="ko-KR" altLang="en-US"/>
-          </a:p>
-        </p:txBody>
-      </p:sp>
-      <p:sp>
-        <p:nvSpPr>
-          <p:cNvPr id="12" name="TextBox 11"/>
-          <p:cNvSpPr txBox="1"/>
-          <p:nvPr/>
-        </p:nvSpPr>
-        <p:spPr>
-          <a:xfrm>
-            <a:off x="2339752" y="2708920"/>
-            <a:ext cx="1512168" cy="584775"/>
-          </a:xfrm>
-          <a:prstGeom prst="rect">
-            <a:avLst/>
-          </a:prstGeom>
-          <a:noFill/>
-        </p:spPr>
-        <p:txBody>
-          <a:bodyPr wrap="square" rtlCol="0">
-            <a:spAutoFit/>
+          <p:cNvPr id="3" name="내용 개체 틀 2"/>
+          <p:cNvSpPr>
+            <a:spLocks noGrp="1"/>
+          </p:cNvSpPr>
+          <p:nvPr>
+            <p:ph idx="1"/>
+          </p:nvPr>
+        </p:nvSpPr>
+        <p:spPr/>
+        <p:txBody>
+          <a:bodyPr>
+            <a:normAutofit/>
           </a:bodyPr>
           <a:lstStyle/>
           <a:p>
-            <a:r>
-              <a:rPr lang="ko-KR" altLang="en-US" dirty="0" smtClean="0"/>
-              <a:t>공지</a:t>
-            </a:r>
-            <a:endParaRPr lang="en-US" altLang="ko-KR" dirty="0" smtClean="0"/>
-          </a:p>
-          <a:p>
-            <a:r>
-              <a:rPr lang="en-US" altLang="ko-KR" sz="1400" dirty="0" smtClean="0"/>
-              <a:t>“</a:t>
-            </a:r>
-            <a:r>
-              <a:rPr lang="en-US" altLang="ko-KR" sz="1400" dirty="0" err="1" smtClean="0"/>
-              <a:t>reverseAjax</a:t>
-            </a:r>
-            <a:r>
-              <a:rPr lang="en-US" altLang="ko-KR" sz="1400" dirty="0" smtClean="0"/>
-              <a:t>”</a:t>
-            </a:r>
-            <a:endParaRPr lang="ko-KR" altLang="en-US" sz="1400" dirty="0"/>
-          </a:p>
-        </p:txBody>
-      </p:sp>
-      <p:sp>
-        <p:nvSpPr>
-          <p:cNvPr id="13" name="TextBox 12"/>
-          <p:cNvSpPr txBox="1"/>
-          <p:nvPr/>
-        </p:nvSpPr>
-        <p:spPr>
-          <a:xfrm>
-            <a:off x="2339752" y="4437112"/>
-            <a:ext cx="1152128" cy="646331"/>
-          </a:xfrm>
-          <a:prstGeom prst="rect">
-            <a:avLst/>
-          </a:prstGeom>
-          <a:noFill/>
-        </p:spPr>
-        <p:txBody>
-          <a:bodyPr wrap="square" rtlCol="0">
-            <a:spAutoFit/>
-          </a:bodyPr>
-          <a:lstStyle/>
-          <a:p>
-            <a:r>
-              <a:rPr lang="ko-KR" altLang="en-US" dirty="0" smtClean="0"/>
-              <a:t>금일</a:t>
-            </a:r>
-            <a:r>
-              <a:rPr lang="en-US" altLang="ko-KR" dirty="0" smtClean="0"/>
-              <a:t/>
-            </a:r>
-            <a:br>
-              <a:rPr lang="en-US" altLang="ko-KR" dirty="0" smtClean="0"/>
-            </a:br>
-            <a:r>
-              <a:rPr lang="ko-KR" altLang="en-US" dirty="0" smtClean="0"/>
-              <a:t>근무자</a:t>
-            </a:r>
-            <a:endParaRPr lang="en-US" altLang="ko-KR" dirty="0" smtClean="0"/>
-          </a:p>
-        </p:txBody>
-      </p:sp>
-      <p:sp>
-        <p:nvSpPr>
-          <p:cNvPr id="14" name="TextBox 13"/>
-          <p:cNvSpPr txBox="1"/>
-          <p:nvPr/>
-        </p:nvSpPr>
-        <p:spPr>
-          <a:xfrm>
-            <a:off x="4391980" y="2716871"/>
-            <a:ext cx="1368152" cy="2277547"/>
-          </a:xfrm>
-          <a:prstGeom prst="rect">
-            <a:avLst/>
-          </a:prstGeom>
-          <a:noFill/>
-        </p:spPr>
-        <p:txBody>
-          <a:bodyPr wrap="square" rtlCol="0">
-            <a:spAutoFit/>
-          </a:bodyPr>
-          <a:lstStyle/>
-          <a:p>
-            <a:r>
-              <a:rPr lang="en-US" altLang="ko-KR" dirty="0" err="1" smtClean="0"/>
-              <a:t>Todo</a:t>
-            </a:r>
-            <a:r>
-              <a:rPr lang="en-US" altLang="ko-KR" dirty="0" smtClean="0"/>
-              <a:t> list</a:t>
-            </a:r>
-            <a:br>
-              <a:rPr lang="en-US" altLang="ko-KR" dirty="0" smtClean="0"/>
-            </a:br>
-            <a:r>
-              <a:rPr lang="en-US" altLang="ko-KR" dirty="0" smtClean="0"/>
-              <a:t>or</a:t>
-            </a:r>
-            <a:br>
-              <a:rPr lang="en-US" altLang="ko-KR" dirty="0" smtClean="0"/>
-            </a:br>
-            <a:r>
-              <a:rPr lang="ko-KR" altLang="en-US" dirty="0" smtClean="0"/>
-              <a:t>인계사항</a:t>
-            </a:r>
-            <a:r>
-              <a:rPr lang="en-US" altLang="ko-KR" dirty="0" smtClean="0"/>
-              <a:t/>
-            </a:r>
-            <a:br>
-              <a:rPr lang="en-US" altLang="ko-KR" dirty="0" smtClean="0"/>
-            </a:br>
-            <a:endParaRPr lang="en-US" altLang="ko-KR" dirty="0" smtClean="0"/>
-          </a:p>
-          <a:p>
-            <a:r>
-              <a:rPr lang="en-US" altLang="ko-KR" sz="1400" dirty="0" smtClean="0"/>
-              <a:t>“</a:t>
-            </a:r>
-            <a:r>
-              <a:rPr lang="en-US" altLang="ko-KR" sz="1400" dirty="0" err="1" smtClean="0"/>
-              <a:t>reverseAjax</a:t>
-            </a:r>
-            <a:r>
-              <a:rPr lang="en-US" altLang="ko-KR" sz="1400" dirty="0" smtClean="0"/>
-              <a:t>”</a:t>
-            </a:r>
-            <a:r>
-              <a:rPr lang="en-US" altLang="ko-KR" sz="1400" dirty="0" smtClean="0"/>
-              <a:t/>
-            </a:r>
-            <a:br>
-              <a:rPr lang="en-US" altLang="ko-KR" sz="1400" dirty="0" smtClean="0"/>
-            </a:br>
-            <a:r>
-              <a:rPr lang="en-US" altLang="ko-KR" sz="1400" dirty="0" smtClean="0"/>
-              <a:t>-</a:t>
-            </a:r>
-            <a:r>
-              <a:rPr lang="ko-KR" altLang="en-US" sz="1400" dirty="0" smtClean="0"/>
-              <a:t>로그인 시 수신 </a:t>
-            </a:r>
-            <a:r>
-              <a:rPr lang="en-US" altLang="ko-KR" sz="1400" dirty="0" smtClean="0"/>
+            <a:pPr marL="0" indent="0">
+              <a:buNone/>
+            </a:pPr>
+            <a:r>
+              <a:rPr lang="ko-KR" altLang="en-US" sz="2000" dirty="0" smtClean="0"/>
+              <a:t>관리자 </a:t>
+            </a:r>
+            <a:r>
+              <a:rPr lang="en-US" altLang="ko-KR" sz="2000" dirty="0" smtClean="0"/>
+              <a:t>– </a:t>
+            </a:r>
+            <a:r>
+              <a:rPr lang="ko-KR" altLang="en-US" sz="2000" dirty="0" smtClean="0"/>
+              <a:t>일정조정</a:t>
+            </a:r>
+            <a:r>
+              <a:rPr lang="en-US" altLang="ko-KR" sz="2000" dirty="0" smtClean="0"/>
               <a:t>, </a:t>
             </a:r>
             <a:r>
-              <a:rPr lang="en-US" altLang="ko-KR" sz="1400" dirty="0" err="1" smtClean="0"/>
-              <a:t>ajax</a:t>
-            </a:r>
-            <a:r>
-              <a:rPr lang="ko-KR" altLang="en-US" sz="1400" dirty="0" smtClean="0"/>
-              <a:t>로 수시로 전달받은 내용 수신가능</a:t>
-            </a:r>
-            <a:endParaRPr lang="en-US" altLang="ko-KR" sz="1400" dirty="0" smtClean="0"/>
-          </a:p>
-        </p:txBody>
-      </p:sp>
-      <p:sp>
-        <p:nvSpPr>
-          <p:cNvPr id="16" name="TextBox 15"/>
-          <p:cNvSpPr txBox="1"/>
-          <p:nvPr/>
-        </p:nvSpPr>
-        <p:spPr>
-          <a:xfrm>
-            <a:off x="6588224" y="2780928"/>
-            <a:ext cx="1368152" cy="2277547"/>
-          </a:xfrm>
-          <a:prstGeom prst="rect">
-            <a:avLst/>
-          </a:prstGeom>
-          <a:noFill/>
-        </p:spPr>
-        <p:txBody>
-          <a:bodyPr wrap="square" rtlCol="0">
-            <a:spAutoFit/>
-          </a:bodyPr>
-          <a:lstStyle/>
-          <a:p>
-            <a:r>
-              <a:rPr lang="en-US" altLang="ko-KR" dirty="0" smtClean="0"/>
-              <a:t>User TODO List</a:t>
-            </a:r>
-            <a:br>
-              <a:rPr lang="en-US" altLang="ko-KR" dirty="0" smtClean="0"/>
-            </a:br>
-            <a:endParaRPr lang="en-US" altLang="ko-KR" dirty="0" smtClean="0"/>
-          </a:p>
-          <a:p>
-            <a:r>
-              <a:rPr lang="en-US" altLang="ko-KR" sz="1400" dirty="0" smtClean="0"/>
-              <a:t>“Ajax”</a:t>
-            </a:r>
-            <a:r>
-              <a:rPr lang="en-US" altLang="ko-KR" dirty="0" smtClean="0"/>
-              <a:t/>
-            </a:r>
-            <a:br>
-              <a:rPr lang="en-US" altLang="ko-KR" dirty="0" smtClean="0"/>
-            </a:br>
-            <a:r>
-              <a:rPr lang="en-US" altLang="ko-KR" sz="1400" dirty="0" smtClean="0"/>
-              <a:t>-</a:t>
-            </a:r>
-            <a:r>
-              <a:rPr lang="ko-KR" altLang="en-US" sz="1400" dirty="0" smtClean="0"/>
-              <a:t>수시작성</a:t>
-            </a:r>
-            <a:r>
-              <a:rPr lang="en-US" altLang="ko-KR" sz="1400" dirty="0"/>
-              <a:t/>
-            </a:r>
-            <a:br>
-              <a:rPr lang="en-US" altLang="ko-KR" sz="1400" dirty="0"/>
-            </a:br>
-            <a:r>
-              <a:rPr lang="en-US" altLang="ko-KR" sz="1400" dirty="0" smtClean="0"/>
-              <a:t>-</a:t>
-            </a:r>
-            <a:r>
-              <a:rPr lang="ko-KR" altLang="en-US" sz="1400" dirty="0" smtClean="0"/>
-              <a:t>자신의 메모 저장가능</a:t>
-            </a:r>
-            <a:r>
-              <a:rPr lang="en-US" altLang="ko-KR" sz="1400" dirty="0" smtClean="0"/>
-              <a:t/>
-            </a:r>
-            <a:br>
-              <a:rPr lang="en-US" altLang="ko-KR" sz="1400" dirty="0" smtClean="0"/>
-            </a:br>
-            <a:r>
-              <a:rPr lang="en-US" altLang="ko-KR" sz="1400" dirty="0" smtClean="0"/>
-              <a:t>-</a:t>
-            </a:r>
-            <a:r>
-              <a:rPr lang="ko-KR" altLang="en-US" sz="1400" dirty="0" smtClean="0"/>
-              <a:t>전달가능</a:t>
-            </a:r>
-            <a:r>
-              <a:rPr lang="en-US" altLang="ko-KR" sz="1400" dirty="0" smtClean="0"/>
-              <a:t>(user </a:t>
-            </a:r>
-            <a:r>
-              <a:rPr lang="ko-KR" altLang="en-US" sz="1400" dirty="0" smtClean="0"/>
-              <a:t>선택</a:t>
-            </a:r>
-            <a:r>
-              <a:rPr lang="en-US" altLang="ko-KR" sz="1400" dirty="0" smtClean="0"/>
-              <a:t>) </a:t>
-            </a:r>
-            <a:endParaRPr lang="ko-KR" altLang="en-US" sz="1400" dirty="0"/>
-          </a:p>
-        </p:txBody>
-      </p:sp>
-      <p:sp>
-        <p:nvSpPr>
-          <p:cNvPr id="17" name="직사각형 16"/>
-          <p:cNvSpPr/>
-          <p:nvPr/>
-        </p:nvSpPr>
-        <p:spPr>
-          <a:xfrm>
-            <a:off x="7092280" y="1628800"/>
-            <a:ext cx="1584176" cy="540060"/>
-          </a:xfrm>
-          <a:prstGeom prst="rect">
-            <a:avLst/>
-          </a:prstGeom>
-          <a:noFill/>
-        </p:spPr>
-        <p:style>
-          <a:lnRef idx="2">
-            <a:schemeClr val="accent1">
-              <a:shade val="50000"/>
-            </a:schemeClr>
-          </a:lnRef>
-          <a:fillRef idx="1">
-            <a:schemeClr val="accent1"/>
-          </a:fillRef>
-          <a:effectRef idx="0">
-            <a:schemeClr val="accent1"/>
-          </a:effectRef>
-          <a:fontRef idx="minor">
-            <a:schemeClr val="lt1"/>
-          </a:fontRef>
-        </p:style>
-        <p:txBody>
-          <a:bodyPr rtlCol="0" anchor="ctr"/>
-          <a:lstStyle/>
-          <a:p>
-            <a:pPr algn="ctr"/>
-            <a:endParaRPr lang="ko-KR" altLang="en-US"/>
-          </a:p>
-        </p:txBody>
-      </p:sp>
-      <p:sp>
-        <p:nvSpPr>
-          <p:cNvPr id="18" name="TextBox 17"/>
-          <p:cNvSpPr txBox="1"/>
-          <p:nvPr/>
-        </p:nvSpPr>
-        <p:spPr>
-          <a:xfrm>
-            <a:off x="6732240" y="813312"/>
-            <a:ext cx="1944216" cy="523220"/>
-          </a:xfrm>
-          <a:prstGeom prst="rect">
-            <a:avLst/>
-          </a:prstGeom>
-          <a:noFill/>
-        </p:spPr>
-        <p:txBody>
-          <a:bodyPr wrap="square" rtlCol="0">
-            <a:spAutoFit/>
-          </a:bodyPr>
-          <a:lstStyle/>
-          <a:p>
-            <a:r>
-              <a:rPr lang="en-US" altLang="ko-KR" sz="1400" dirty="0" smtClean="0"/>
-              <a:t>-</a:t>
-            </a:r>
-            <a:r>
-              <a:rPr lang="ko-KR" altLang="en-US" sz="1400" dirty="0" err="1" smtClean="0"/>
-              <a:t>로그인된</a:t>
-            </a:r>
-            <a:r>
-              <a:rPr lang="ko-KR" altLang="en-US" sz="1400" dirty="0" smtClean="0"/>
-              <a:t> 회원정보</a:t>
-            </a:r>
-            <a:r>
-              <a:rPr lang="en-US" altLang="ko-KR" sz="1400" dirty="0" smtClean="0"/>
-              <a:t/>
-            </a:r>
-            <a:br>
-              <a:rPr lang="en-US" altLang="ko-KR" sz="1400" dirty="0" smtClean="0"/>
-            </a:br>
-            <a:r>
-              <a:rPr lang="en-US" altLang="ko-KR" sz="1400" dirty="0" smtClean="0"/>
-              <a:t>-</a:t>
-            </a:r>
-            <a:r>
-              <a:rPr lang="ko-KR" altLang="en-US" sz="1400" dirty="0" err="1" smtClean="0"/>
-              <a:t>수신알림</a:t>
-            </a:r>
-            <a:r>
-              <a:rPr lang="en-US" altLang="ko-KR" sz="1400" dirty="0" smtClean="0"/>
-              <a:t>(</a:t>
-            </a:r>
-            <a:r>
-              <a:rPr lang="en-US" altLang="ko-KR" sz="1400" dirty="0" err="1" smtClean="0"/>
-              <a:t>reverseAjax</a:t>
-            </a:r>
-            <a:r>
-              <a:rPr lang="en-US" altLang="ko-KR" sz="1400" dirty="0" smtClean="0"/>
-              <a:t>)</a:t>
-            </a:r>
-          </a:p>
-        </p:txBody>
-      </p:sp>
-      <p:sp>
-        <p:nvSpPr>
-          <p:cNvPr id="3" name="TextBox 2"/>
-          <p:cNvSpPr txBox="1"/>
-          <p:nvPr/>
-        </p:nvSpPr>
-        <p:spPr>
-          <a:xfrm>
-            <a:off x="539552" y="1628800"/>
-            <a:ext cx="1224136" cy="369332"/>
-          </a:xfrm>
-          <a:prstGeom prst="rect">
-            <a:avLst/>
-          </a:prstGeom>
-          <a:noFill/>
-        </p:spPr>
-        <p:txBody>
-          <a:bodyPr wrap="square" rtlCol="0">
-            <a:spAutoFit/>
-          </a:bodyPr>
-          <a:lstStyle/>
-          <a:p>
-            <a:r>
-              <a:rPr lang="en-US" altLang="ko-KR" dirty="0" smtClean="0"/>
-              <a:t>main</a:t>
-            </a:r>
-            <a:endParaRPr lang="ko-KR" altLang="en-US" dirty="0"/>
+              <a:rPr lang="ko-KR" altLang="en-US" sz="2000" dirty="0" smtClean="0"/>
+              <a:t>출퇴근조정</a:t>
+            </a:r>
+            <a:r>
+              <a:rPr lang="en-US" altLang="ko-KR" sz="2000" dirty="0" smtClean="0"/>
+              <a:t>, </a:t>
+            </a:r>
+            <a:r>
+              <a:rPr lang="ko-KR" altLang="en-US" sz="2000" dirty="0" smtClean="0"/>
+              <a:t>월급조정기능</a:t>
+            </a:r>
+            <a:endParaRPr lang="en-US" altLang="ko-KR" sz="2000" dirty="0" smtClean="0"/>
+          </a:p>
+          <a:p>
+            <a:pPr marL="0" indent="0">
+              <a:buNone/>
+            </a:pPr>
+            <a:r>
+              <a:rPr lang="en-US" altLang="ko-KR" sz="2000" dirty="0" smtClean="0"/>
+              <a:t>Staff – </a:t>
+            </a:r>
+            <a:r>
+              <a:rPr lang="ko-KR" altLang="en-US" sz="2000" dirty="0" smtClean="0"/>
+              <a:t>일정교환</a:t>
+            </a:r>
+            <a:r>
+              <a:rPr lang="en-US" altLang="ko-KR" sz="2000" dirty="0" smtClean="0"/>
+              <a:t>….</a:t>
+            </a:r>
+          </a:p>
+          <a:p>
+            <a:pPr marL="0" indent="0">
+              <a:buNone/>
+            </a:pPr>
+            <a:endParaRPr lang="en-US" altLang="ko-KR" sz="2000" dirty="0"/>
+          </a:p>
+          <a:p>
+            <a:pPr marL="0" indent="0">
+              <a:buNone/>
+            </a:pPr>
+            <a:r>
+              <a:rPr lang="ko-KR" altLang="en-US" sz="2000" dirty="0" smtClean="0"/>
+              <a:t>이미지 업로드 기능 </a:t>
+            </a:r>
+            <a:r>
+              <a:rPr lang="en-US" altLang="ko-KR" sz="2000" dirty="0" smtClean="0"/>
+              <a:t>: </a:t>
+            </a:r>
+            <a:r>
+              <a:rPr lang="ko-KR" altLang="en-US" sz="2000" dirty="0" smtClean="0"/>
+              <a:t>유저 사진</a:t>
+            </a:r>
+            <a:r>
+              <a:rPr lang="en-US" altLang="ko-KR" sz="2000" dirty="0" smtClean="0"/>
+              <a:t>..</a:t>
+            </a:r>
+          </a:p>
+          <a:p>
+            <a:pPr marL="0" indent="0">
+              <a:buNone/>
+            </a:pPr>
+            <a:endParaRPr lang="en-US" altLang="ko-KR" sz="2000" dirty="0"/>
+          </a:p>
+          <a:p>
+            <a:pPr marL="0" indent="0">
+              <a:buNone/>
+            </a:pPr>
+            <a:endParaRPr lang="ko-KR" altLang="en-US" sz="2000" dirty="0"/>
           </a:p>
         </p:txBody>
       </p:sp>
     </p:spTree>
     <p:extLst>
       <p:ext uri="{BB962C8B-B14F-4D97-AF65-F5344CB8AC3E}">
-        <p14:creationId xmlns:p14="http://schemas.microsoft.com/office/powerpoint/2010/main" val="417428033"/>
+        <p14:creationId xmlns:p14="http://schemas.microsoft.com/office/powerpoint/2010/main" val="4011611120"/>
       </p:ext>
     </p:extLst>
   </p:cSld>
@@ -3974,7 +5498,7 @@
           <a:p>
             <a:r>
               <a:rPr lang="en-US" altLang="ko-KR" dirty="0" smtClean="0"/>
-              <a:t>2. Common</a:t>
+              <a:t>1. Main Page</a:t>
             </a:r>
             <a:endParaRPr lang="ko-KR" altLang="en-US" dirty="0"/>
           </a:p>
@@ -4120,19 +5644,24 @@
       </p:sp>
       <p:sp>
         <p:nvSpPr>
-          <p:cNvPr id="17" name="직사각형 16"/>
+          <p:cNvPr id="7" name="직사각형 6"/>
           <p:cNvSpPr/>
           <p:nvPr/>
         </p:nvSpPr>
         <p:spPr>
           <a:xfrm>
-            <a:off x="7092280" y="1628800"/>
-            <a:ext cx="1584176" cy="540060"/>
+            <a:off x="2123728" y="2546902"/>
+            <a:ext cx="1728192" cy="1458162"/>
           </a:xfrm>
           <a:prstGeom prst="rect">
             <a:avLst/>
           </a:prstGeom>
           <a:noFill/>
+          <a:ln>
+            <a:solidFill>
+              <a:schemeClr val="tx1"/>
+            </a:solidFill>
+          </a:ln>
         </p:spPr>
         <p:style>
           <a:lnRef idx="2">
@@ -4161,91 +5690,157 @@
       </p:sp>
       <p:sp>
         <p:nvSpPr>
-          <p:cNvPr id="18" name="TextBox 17"/>
-          <p:cNvSpPr txBox="1"/>
+          <p:cNvPr id="8" name="직사각형 7"/>
+          <p:cNvSpPr/>
           <p:nvPr/>
         </p:nvSpPr>
         <p:spPr>
           <a:xfrm>
-            <a:off x="6732240" y="813312"/>
-            <a:ext cx="1944216" cy="738664"/>
+            <a:off x="2123728" y="4221088"/>
+            <a:ext cx="1728192" cy="1494166"/>
           </a:xfrm>
           <a:prstGeom prst="rect">
             <a:avLst/>
           </a:prstGeom>
           <a:noFill/>
-        </p:spPr>
-        <p:txBody>
-          <a:bodyPr wrap="square" rtlCol="0">
-            <a:spAutoFit/>
-          </a:bodyPr>
-          <a:lstStyle/>
-          <a:p>
-            <a:r>
-              <a:rPr lang="en-US" altLang="ko-KR" sz="1400" dirty="0" smtClean="0"/>
-              <a:t>-</a:t>
-            </a:r>
-            <a:r>
-              <a:rPr lang="ko-KR" altLang="en-US" sz="1400" dirty="0" smtClean="0"/>
-              <a:t>로그인</a:t>
-            </a:r>
-            <a:r>
-              <a:rPr lang="en-US" altLang="ko-KR" sz="1400" dirty="0" smtClean="0"/>
-              <a:t>/</a:t>
-            </a:r>
-            <a:r>
-              <a:rPr lang="ko-KR" altLang="en-US" sz="1400" dirty="0" smtClean="0"/>
-              <a:t>회원가입</a:t>
-            </a:r>
-            <a:endParaRPr lang="en-US" altLang="ko-KR" sz="1400" dirty="0" smtClean="0"/>
-          </a:p>
-          <a:p>
-            <a:r>
-              <a:rPr lang="en-US" altLang="ko-KR" sz="1400" dirty="0" smtClean="0"/>
-              <a:t>-</a:t>
-            </a:r>
-            <a:r>
-              <a:rPr lang="ko-KR" altLang="en-US" sz="1400" dirty="0" err="1" smtClean="0"/>
-              <a:t>로그인된</a:t>
-            </a:r>
-            <a:r>
-              <a:rPr lang="ko-KR" altLang="en-US" sz="1400" dirty="0" smtClean="0"/>
-              <a:t> 회원정보</a:t>
-            </a:r>
-            <a:r>
-              <a:rPr lang="en-US" altLang="ko-KR" sz="1400" dirty="0" smtClean="0"/>
-              <a:t/>
-            </a:r>
-            <a:br>
-              <a:rPr lang="en-US" altLang="ko-KR" sz="1400" dirty="0" smtClean="0"/>
-            </a:br>
-            <a:r>
-              <a:rPr lang="en-US" altLang="ko-KR" sz="1400" dirty="0" smtClean="0"/>
-              <a:t>-</a:t>
-            </a:r>
-            <a:r>
-              <a:rPr lang="ko-KR" altLang="en-US" sz="1400" dirty="0" err="1" smtClean="0"/>
-              <a:t>수신알림</a:t>
-            </a:r>
-            <a:endParaRPr lang="ko-KR" altLang="en-US" sz="1400" dirty="0"/>
-          </a:p>
-        </p:txBody>
-      </p:sp>
-      <p:sp>
-        <p:nvSpPr>
-          <p:cNvPr id="7" name="TextBox 6"/>
-          <p:cNvSpPr txBox="1"/>
+          <a:ln>
+            <a:solidFill>
+              <a:schemeClr val="tx1"/>
+            </a:solidFill>
+          </a:ln>
+        </p:spPr>
+        <p:style>
+          <a:lnRef idx="2">
+            <a:schemeClr val="accent1">
+              <a:shade val="50000"/>
+            </a:schemeClr>
+          </a:lnRef>
+          <a:fillRef idx="1">
+            <a:schemeClr val="accent1"/>
+          </a:fillRef>
+          <a:effectRef idx="0">
+            <a:schemeClr val="accent1"/>
+          </a:effectRef>
+          <a:fontRef idx="minor">
+            <a:schemeClr val="lt1"/>
+          </a:fontRef>
+        </p:style>
+        <p:txBody>
+          <a:bodyPr rtlCol="0" anchor="ctr"/>
+          <a:lstStyle/>
+          <a:p>
+            <a:pPr algn="ctr"/>
+            <a:endParaRPr lang="ko-KR" altLang="en-US"/>
+          </a:p>
+        </p:txBody>
+      </p:sp>
+      <p:sp>
+        <p:nvSpPr>
+          <p:cNvPr id="9" name="직사각형 8"/>
+          <p:cNvSpPr/>
           <p:nvPr/>
         </p:nvSpPr>
         <p:spPr>
           <a:xfrm>
-            <a:off x="611560" y="2348880"/>
-            <a:ext cx="5184576" cy="938719"/>
+            <a:off x="6444208" y="2546902"/>
+            <a:ext cx="1728192" cy="3168352"/>
           </a:xfrm>
           <a:prstGeom prst="rect">
             <a:avLst/>
           </a:prstGeom>
           <a:noFill/>
+          <a:ln>
+            <a:solidFill>
+              <a:schemeClr val="tx1"/>
+            </a:solidFill>
+          </a:ln>
+        </p:spPr>
+        <p:style>
+          <a:lnRef idx="2">
+            <a:schemeClr val="accent1">
+              <a:shade val="50000"/>
+            </a:schemeClr>
+          </a:lnRef>
+          <a:fillRef idx="1">
+            <a:schemeClr val="accent1"/>
+          </a:fillRef>
+          <a:effectRef idx="0">
+            <a:schemeClr val="accent1"/>
+          </a:effectRef>
+          <a:fontRef idx="minor">
+            <a:schemeClr val="lt1"/>
+          </a:fontRef>
+        </p:style>
+        <p:txBody>
+          <a:bodyPr rtlCol="0" anchor="ctr"/>
+          <a:lstStyle/>
+          <a:p>
+            <a:pPr algn="ctr"/>
+            <a:endParaRPr lang="ko-KR" altLang="en-US"/>
+          </a:p>
+        </p:txBody>
+      </p:sp>
+      <p:sp>
+        <p:nvSpPr>
+          <p:cNvPr id="11" name="직사각형 10"/>
+          <p:cNvSpPr/>
+          <p:nvPr/>
+        </p:nvSpPr>
+        <p:spPr>
+          <a:xfrm>
+            <a:off x="4211960" y="2546902"/>
+            <a:ext cx="1728192" cy="3168352"/>
+          </a:xfrm>
+          <a:prstGeom prst="rect">
+            <a:avLst/>
+          </a:prstGeom>
+          <a:noFill/>
+          <a:ln>
+            <a:solidFill>
+              <a:schemeClr val="tx1"/>
+            </a:solidFill>
+          </a:ln>
+        </p:spPr>
+        <p:style>
+          <a:lnRef idx="2">
+            <a:schemeClr val="accent1">
+              <a:shade val="50000"/>
+            </a:schemeClr>
+          </a:lnRef>
+          <a:fillRef idx="1">
+            <a:schemeClr val="accent1"/>
+          </a:fillRef>
+          <a:effectRef idx="0">
+            <a:schemeClr val="accent1"/>
+          </a:effectRef>
+          <a:fontRef idx="minor">
+            <a:schemeClr val="lt1"/>
+          </a:fontRef>
+        </p:style>
+        <p:txBody>
+          <a:bodyPr rtlCol="0" anchor="ctr"/>
+          <a:lstStyle/>
+          <a:p>
+            <a:pPr algn="ctr"/>
+            <a:endParaRPr lang="ko-KR" altLang="en-US"/>
+          </a:p>
+        </p:txBody>
+      </p:sp>
+      <p:sp>
+        <p:nvSpPr>
+          <p:cNvPr id="12" name="TextBox 11"/>
+          <p:cNvSpPr txBox="1"/>
+          <p:nvPr/>
+        </p:nvSpPr>
+        <p:spPr>
+          <a:xfrm>
+            <a:off x="2339752" y="2708920"/>
+            <a:ext cx="1512168" cy="584775"/>
+          </a:xfrm>
+          <a:prstGeom prst="rect">
+            <a:avLst/>
+          </a:prstGeom>
+          <a:noFill/>
         </p:spPr>
         <p:txBody>
           <a:bodyPr wrap="square" rtlCol="0">
@@ -4254,131 +5849,398 @@
           <a:lstStyle/>
           <a:p>
             <a:r>
-              <a:rPr lang="en-US" altLang="ko-KR" sz="1100" dirty="0" smtClean="0"/>
+              <a:rPr lang="ko-KR" altLang="en-US" dirty="0" smtClean="0"/>
+              <a:t>공지</a:t>
+            </a:r>
+            <a:endParaRPr lang="en-US" altLang="ko-KR" dirty="0" smtClean="0"/>
+          </a:p>
+          <a:p>
+            <a:r>
+              <a:rPr lang="en-US" altLang="ko-KR" sz="1400" dirty="0" smtClean="0"/>
+              <a:t>“</a:t>
+            </a:r>
+            <a:r>
+              <a:rPr lang="en-US" altLang="ko-KR" sz="1400" dirty="0" err="1" smtClean="0"/>
+              <a:t>reverseAjax</a:t>
+            </a:r>
+            <a:r>
+              <a:rPr lang="en-US" altLang="ko-KR" sz="1400" dirty="0" smtClean="0"/>
+              <a:t>”</a:t>
+            </a:r>
+            <a:endParaRPr lang="ko-KR" altLang="en-US" sz="1400" dirty="0"/>
+          </a:p>
+        </p:txBody>
+      </p:sp>
+      <p:sp>
+        <p:nvSpPr>
+          <p:cNvPr id="13" name="TextBox 12"/>
+          <p:cNvSpPr txBox="1"/>
+          <p:nvPr/>
+        </p:nvSpPr>
+        <p:spPr>
+          <a:xfrm>
+            <a:off x="2339752" y="4437112"/>
+            <a:ext cx="1152128" cy="646331"/>
+          </a:xfrm>
+          <a:prstGeom prst="rect">
+            <a:avLst/>
+          </a:prstGeom>
+          <a:noFill/>
+        </p:spPr>
+        <p:txBody>
+          <a:bodyPr wrap="square" rtlCol="0">
+            <a:spAutoFit/>
+          </a:bodyPr>
+          <a:lstStyle/>
+          <a:p>
+            <a:r>
+              <a:rPr lang="ko-KR" altLang="en-US" dirty="0" smtClean="0"/>
+              <a:t>금일</a:t>
+            </a:r>
+            <a:r>
+              <a:rPr lang="en-US" altLang="ko-KR" dirty="0" smtClean="0"/>
+              <a:t/>
+            </a:r>
+            <a:br>
+              <a:rPr lang="en-US" altLang="ko-KR" dirty="0" smtClean="0"/>
+            </a:br>
+            <a:r>
+              <a:rPr lang="ko-KR" altLang="en-US" dirty="0" smtClean="0"/>
+              <a:t>근무자</a:t>
+            </a:r>
+            <a:endParaRPr lang="en-US" altLang="ko-KR" dirty="0" smtClean="0"/>
+          </a:p>
+        </p:txBody>
+      </p:sp>
+      <p:sp>
+        <p:nvSpPr>
+          <p:cNvPr id="14" name="TextBox 13"/>
+          <p:cNvSpPr txBox="1"/>
+          <p:nvPr/>
+        </p:nvSpPr>
+        <p:spPr>
+          <a:xfrm>
+            <a:off x="4391980" y="2716871"/>
+            <a:ext cx="1368152" cy="2277547"/>
+          </a:xfrm>
+          <a:prstGeom prst="rect">
+            <a:avLst/>
+          </a:prstGeom>
+          <a:noFill/>
+        </p:spPr>
+        <p:txBody>
+          <a:bodyPr wrap="square" rtlCol="0">
+            <a:spAutoFit/>
+          </a:bodyPr>
+          <a:lstStyle/>
+          <a:p>
+            <a:r>
+              <a:rPr lang="en-US" altLang="ko-KR" dirty="0" err="1" smtClean="0"/>
+              <a:t>Todo</a:t>
+            </a:r>
+            <a:r>
+              <a:rPr lang="en-US" altLang="ko-KR" dirty="0" smtClean="0"/>
+              <a:t> list</a:t>
+            </a:r>
+            <a:br>
+              <a:rPr lang="en-US" altLang="ko-KR" dirty="0" smtClean="0"/>
+            </a:br>
+            <a:r>
+              <a:rPr lang="en-US" altLang="ko-KR" dirty="0" smtClean="0"/>
+              <a:t>or</a:t>
+            </a:r>
+            <a:br>
+              <a:rPr lang="en-US" altLang="ko-KR" dirty="0" smtClean="0"/>
+            </a:br>
+            <a:r>
+              <a:rPr lang="ko-KR" altLang="en-US" dirty="0" smtClean="0"/>
+              <a:t>인계사항</a:t>
+            </a:r>
+            <a:r>
+              <a:rPr lang="en-US" altLang="ko-KR" dirty="0" smtClean="0"/>
+              <a:t/>
+            </a:r>
+            <a:br>
+              <a:rPr lang="en-US" altLang="ko-KR" dirty="0" smtClean="0"/>
+            </a:br>
+            <a:endParaRPr lang="en-US" altLang="ko-KR" dirty="0" smtClean="0"/>
+          </a:p>
+          <a:p>
+            <a:r>
+              <a:rPr lang="en-US" altLang="ko-KR" sz="1400" dirty="0" smtClean="0"/>
+              <a:t>“</a:t>
+            </a:r>
+            <a:r>
+              <a:rPr lang="en-US" altLang="ko-KR" sz="1400" dirty="0" err="1" smtClean="0"/>
+              <a:t>reverseAjax</a:t>
+            </a:r>
+            <a:r>
+              <a:rPr lang="en-US" altLang="ko-KR" sz="1400" dirty="0" smtClean="0"/>
+              <a:t>”</a:t>
+            </a:r>
+            <a:br>
+              <a:rPr lang="en-US" altLang="ko-KR" sz="1400" dirty="0" smtClean="0"/>
+            </a:br>
+            <a:r>
+              <a:rPr lang="en-US" altLang="ko-KR" sz="1400" dirty="0" smtClean="0"/>
               <a:t>-</a:t>
             </a:r>
             <a:r>
-              <a:rPr lang="ko-KR" altLang="en-US" sz="1100" dirty="0" smtClean="0"/>
-              <a:t>공지사항</a:t>
-            </a:r>
-            <a:r>
-              <a:rPr lang="en-US" altLang="ko-KR" sz="1100" dirty="0" smtClean="0"/>
-              <a:t>	:      notice	  </a:t>
-            </a:r>
-            <a:r>
-              <a:rPr lang="en-US" altLang="ko-KR" sz="1100" dirty="0" smtClean="0">
-                <a:sym typeface="Wingdings" pitchFamily="2" charset="2"/>
-              </a:rPr>
-              <a:t> </a:t>
-            </a:r>
-            <a:r>
-              <a:rPr lang="ko-KR" altLang="en-US" sz="1100" dirty="0" smtClean="0">
-                <a:sym typeface="Wingdings" pitchFamily="2" charset="2"/>
-              </a:rPr>
-              <a:t>게시판 </a:t>
-            </a:r>
-            <a:r>
-              <a:rPr lang="en-US" altLang="ko-KR" sz="1100" dirty="0" smtClean="0">
-                <a:sym typeface="Wingdings" pitchFamily="2" charset="2"/>
-              </a:rPr>
-              <a:t>: </a:t>
-            </a:r>
-            <a:r>
-              <a:rPr lang="ko-KR" altLang="en-US" sz="1100" dirty="0" err="1" smtClean="0">
-                <a:sym typeface="Wingdings" pitchFamily="2" charset="2"/>
-              </a:rPr>
-              <a:t>글작성</a:t>
-            </a:r>
-            <a:r>
-              <a:rPr lang="en-US" altLang="ko-KR" sz="1100" dirty="0" smtClean="0">
-                <a:sym typeface="Wingdings" pitchFamily="2" charset="2"/>
-              </a:rPr>
-              <a:t>, update(Ajax, </a:t>
-            </a:r>
-            <a:r>
-              <a:rPr lang="en-US" altLang="ko-KR" sz="1100" dirty="0" err="1" smtClean="0">
-                <a:sym typeface="Wingdings" pitchFamily="2" charset="2"/>
-              </a:rPr>
+              <a:rPr lang="ko-KR" altLang="en-US" sz="1400" dirty="0" smtClean="0"/>
+              <a:t>로그인 시 수신 </a:t>
+            </a:r>
+            <a:r>
+              <a:rPr lang="en-US" altLang="ko-KR" sz="1400" dirty="0" smtClean="0"/>
+              <a:t>, </a:t>
+            </a:r>
+            <a:r>
+              <a:rPr lang="en-US" altLang="ko-KR" sz="1400" dirty="0" err="1" smtClean="0"/>
+              <a:t>ajax</a:t>
+            </a:r>
+            <a:r>
+              <a:rPr lang="ko-KR" altLang="en-US" sz="1400" dirty="0" smtClean="0"/>
+              <a:t>로 수시로 전달받은 내용 수신가능</a:t>
+            </a:r>
+            <a:endParaRPr lang="en-US" altLang="ko-KR" sz="1400" dirty="0" smtClean="0"/>
+          </a:p>
+        </p:txBody>
+      </p:sp>
+      <p:sp>
+        <p:nvSpPr>
+          <p:cNvPr id="16" name="TextBox 15"/>
+          <p:cNvSpPr txBox="1"/>
+          <p:nvPr/>
+        </p:nvSpPr>
+        <p:spPr>
+          <a:xfrm>
+            <a:off x="6588224" y="2780928"/>
+            <a:ext cx="1368152" cy="2277547"/>
+          </a:xfrm>
+          <a:prstGeom prst="rect">
+            <a:avLst/>
+          </a:prstGeom>
+          <a:noFill/>
+        </p:spPr>
+        <p:txBody>
+          <a:bodyPr wrap="square" rtlCol="0">
+            <a:spAutoFit/>
+          </a:bodyPr>
+          <a:lstStyle/>
+          <a:p>
+            <a:r>
+              <a:rPr lang="en-US" altLang="ko-KR" dirty="0" smtClean="0"/>
+              <a:t>User TODO List</a:t>
+            </a:r>
+            <a:br>
+              <a:rPr lang="en-US" altLang="ko-KR" dirty="0" smtClean="0"/>
+            </a:br>
+            <a:endParaRPr lang="en-US" altLang="ko-KR" dirty="0" smtClean="0"/>
+          </a:p>
+          <a:p>
+            <a:r>
+              <a:rPr lang="en-US" altLang="ko-KR" sz="1400" dirty="0" smtClean="0"/>
+              <a:t>“Ajax”</a:t>
+            </a:r>
+            <a:r>
+              <a:rPr lang="en-US" altLang="ko-KR" dirty="0" smtClean="0"/>
+              <a:t/>
+            </a:r>
+            <a:br>
+              <a:rPr lang="en-US" altLang="ko-KR" dirty="0" smtClean="0"/>
+            </a:br>
+            <a:r>
+              <a:rPr lang="en-US" altLang="ko-KR" sz="1400" dirty="0" smtClean="0"/>
+              <a:t>-</a:t>
+            </a:r>
+            <a:r>
+              <a:rPr lang="ko-KR" altLang="en-US" sz="1400" dirty="0" smtClean="0"/>
+              <a:t>수시작성</a:t>
+            </a:r>
+            <a:r>
+              <a:rPr lang="en-US" altLang="ko-KR" sz="1400" dirty="0"/>
+              <a:t/>
+            </a:r>
+            <a:br>
+              <a:rPr lang="en-US" altLang="ko-KR" sz="1400" dirty="0"/>
+            </a:br>
+            <a:r>
+              <a:rPr lang="en-US" altLang="ko-KR" sz="1400" dirty="0" smtClean="0"/>
+              <a:t>-</a:t>
+            </a:r>
+            <a:r>
+              <a:rPr lang="ko-KR" altLang="en-US" sz="1400" dirty="0" smtClean="0"/>
+              <a:t>자신의 메모 저장가능</a:t>
+            </a:r>
+            <a:r>
+              <a:rPr lang="en-US" altLang="ko-KR" sz="1400" dirty="0" smtClean="0"/>
+              <a:t/>
+            </a:r>
+            <a:br>
+              <a:rPr lang="en-US" altLang="ko-KR" sz="1400" dirty="0" smtClean="0"/>
+            </a:br>
+            <a:r>
+              <a:rPr lang="en-US" altLang="ko-KR" sz="1400" dirty="0" smtClean="0"/>
+              <a:t>-</a:t>
+            </a:r>
+            <a:r>
+              <a:rPr lang="ko-KR" altLang="en-US" sz="1400" dirty="0" smtClean="0"/>
+              <a:t>전달가능</a:t>
+            </a:r>
+            <a:r>
+              <a:rPr lang="en-US" altLang="ko-KR" sz="1400" dirty="0" smtClean="0"/>
+              <a:t>(user </a:t>
+            </a:r>
+            <a:r>
+              <a:rPr lang="ko-KR" altLang="en-US" sz="1400" dirty="0" smtClean="0"/>
+              <a:t>선택</a:t>
+            </a:r>
+            <a:r>
+              <a:rPr lang="en-US" altLang="ko-KR" sz="1400" dirty="0" smtClean="0"/>
+              <a:t>) </a:t>
+            </a:r>
+            <a:endParaRPr lang="ko-KR" altLang="en-US" sz="1400" dirty="0"/>
+          </a:p>
+        </p:txBody>
+      </p:sp>
+      <p:sp>
+        <p:nvSpPr>
+          <p:cNvPr id="17" name="직사각형 16"/>
+          <p:cNvSpPr/>
+          <p:nvPr/>
+        </p:nvSpPr>
+        <p:spPr>
+          <a:xfrm>
+            <a:off x="7092280" y="1628800"/>
+            <a:ext cx="1584176" cy="540060"/>
+          </a:xfrm>
+          <a:prstGeom prst="rect">
+            <a:avLst/>
+          </a:prstGeom>
+          <a:noFill/>
+        </p:spPr>
+        <p:style>
+          <a:lnRef idx="2">
+            <a:schemeClr val="accent1">
+              <a:shade val="50000"/>
+            </a:schemeClr>
+          </a:lnRef>
+          <a:fillRef idx="1">
+            <a:schemeClr val="accent1"/>
+          </a:fillRef>
+          <a:effectRef idx="0">
+            <a:schemeClr val="accent1"/>
+          </a:effectRef>
+          <a:fontRef idx="minor">
+            <a:schemeClr val="lt1"/>
+          </a:fontRef>
+        </p:style>
+        <p:txBody>
+          <a:bodyPr rtlCol="0" anchor="ctr"/>
+          <a:lstStyle/>
+          <a:p>
+            <a:pPr algn="ctr"/>
+            <a:endParaRPr lang="ko-KR" altLang="en-US"/>
+          </a:p>
+        </p:txBody>
+      </p:sp>
+      <p:sp>
+        <p:nvSpPr>
+          <p:cNvPr id="18" name="TextBox 17"/>
+          <p:cNvSpPr txBox="1"/>
+          <p:nvPr/>
+        </p:nvSpPr>
+        <p:spPr>
+          <a:xfrm>
+            <a:off x="6732240" y="813312"/>
+            <a:ext cx="1944216" cy="523220"/>
+          </a:xfrm>
+          <a:prstGeom prst="rect">
+            <a:avLst/>
+          </a:prstGeom>
+          <a:noFill/>
+        </p:spPr>
+        <p:txBody>
+          <a:bodyPr wrap="square" rtlCol="0">
+            <a:spAutoFit/>
+          </a:bodyPr>
+          <a:lstStyle/>
+          <a:p>
+            <a:r>
+              <a:rPr lang="en-US" altLang="ko-KR" sz="1400" dirty="0" smtClean="0"/>
+              <a:t>-</a:t>
+            </a:r>
+            <a:r>
+              <a:rPr lang="ko-KR" altLang="en-US" sz="1400" dirty="0" err="1" smtClean="0"/>
+              <a:t>로그인된</a:t>
+            </a:r>
+            <a:r>
+              <a:rPr lang="ko-KR" altLang="en-US" sz="1400" dirty="0" smtClean="0"/>
+              <a:t> 회원정보</a:t>
+            </a:r>
+            <a:r>
+              <a:rPr lang="en-US" altLang="ko-KR" sz="1400" dirty="0" smtClean="0"/>
+              <a:t/>
+            </a:r>
+            <a:br>
+              <a:rPr lang="en-US" altLang="ko-KR" sz="1400" dirty="0" smtClean="0"/>
+            </a:br>
+            <a:r>
+              <a:rPr lang="en-US" altLang="ko-KR" sz="1400" dirty="0" smtClean="0"/>
+              <a:t>-</a:t>
+            </a:r>
+            <a:r>
+              <a:rPr lang="ko-KR" altLang="en-US" sz="1400" dirty="0" err="1" smtClean="0"/>
+              <a:t>수신알림</a:t>
+            </a:r>
+            <a:r>
+              <a:rPr lang="en-US" altLang="ko-KR" sz="1400" dirty="0" smtClean="0"/>
+              <a:t>(</a:t>
+            </a:r>
+            <a:r>
+              <a:rPr lang="en-US" altLang="ko-KR" sz="1400" dirty="0" err="1" smtClean="0"/>
               <a:t>reverseAjax</a:t>
             </a:r>
             <a:r>
-              <a:rPr lang="en-US" altLang="ko-KR" sz="1100" dirty="0" smtClean="0">
-                <a:sym typeface="Wingdings" pitchFamily="2" charset="2"/>
-              </a:rPr>
+              <a:rPr lang="en-US" altLang="ko-KR" sz="1400" dirty="0" smtClean="0"/>
               <a:t>)</a:t>
             </a:r>
-            <a:endParaRPr lang="en-US" altLang="ko-KR" sz="1100" dirty="0" smtClean="0"/>
-          </a:p>
-          <a:p>
-            <a:endParaRPr lang="en-US" altLang="ko-KR" sz="1100" dirty="0" smtClean="0"/>
-          </a:p>
-          <a:p>
-            <a:r>
-              <a:rPr lang="en-US" altLang="ko-KR" sz="1100" dirty="0" smtClean="0"/>
-              <a:t>-</a:t>
-            </a:r>
-            <a:r>
-              <a:rPr lang="ko-KR" altLang="en-US" sz="1100" dirty="0" smtClean="0"/>
-              <a:t>직원정보</a:t>
-            </a:r>
-            <a:r>
-              <a:rPr lang="en-US" altLang="ko-KR" sz="1100" dirty="0" smtClean="0"/>
-              <a:t>	:      </a:t>
-            </a:r>
-            <a:r>
-              <a:rPr lang="en-US" altLang="ko-KR" sz="1100" dirty="0" err="1" smtClean="0"/>
-              <a:t>stafflist</a:t>
-            </a:r>
-            <a:r>
-              <a:rPr lang="en-US" altLang="ko-KR" sz="1100" dirty="0" smtClean="0"/>
-              <a:t>     </a:t>
-            </a:r>
-            <a:r>
-              <a:rPr lang="en-US" altLang="ko-KR" sz="1100" dirty="0" smtClean="0">
-                <a:sym typeface="Wingdings" pitchFamily="2" charset="2"/>
-              </a:rPr>
-              <a:t> table</a:t>
-            </a:r>
-            <a:endParaRPr lang="en-US" altLang="ko-KR" sz="1100" dirty="0" smtClean="0"/>
-          </a:p>
-          <a:p>
-            <a:endParaRPr lang="en-US" altLang="ko-KR" sz="1100" dirty="0" smtClean="0"/>
-          </a:p>
-          <a:p>
-            <a:r>
-              <a:rPr lang="en-US" altLang="ko-KR" sz="1100" dirty="0" smtClean="0"/>
-              <a:t>-</a:t>
-            </a:r>
-            <a:r>
-              <a:rPr lang="ko-KR" altLang="en-US" sz="1100" dirty="0" smtClean="0"/>
-              <a:t>현재근무자 정보 </a:t>
-            </a:r>
-            <a:r>
-              <a:rPr lang="en-US" altLang="ko-KR" sz="1100" dirty="0" smtClean="0"/>
-              <a:t>: </a:t>
-            </a:r>
-            <a:r>
-              <a:rPr lang="en-US" altLang="ko-KR" sz="1100" dirty="0" err="1" smtClean="0"/>
-              <a:t>todaystaff</a:t>
-            </a:r>
-            <a:r>
-              <a:rPr lang="en-US" altLang="ko-KR" sz="1100" dirty="0" smtClean="0"/>
-              <a:t>  </a:t>
-            </a:r>
-            <a:r>
-              <a:rPr lang="en-US" altLang="ko-KR" sz="1100" dirty="0" smtClean="0">
-                <a:sym typeface="Wingdings" pitchFamily="2" charset="2"/>
-              </a:rPr>
-              <a:t> table</a:t>
-            </a:r>
-            <a:endParaRPr lang="ko-KR" altLang="en-US" sz="1100" dirty="0"/>
+          </a:p>
+        </p:txBody>
+      </p:sp>
+      <p:sp>
+        <p:nvSpPr>
+          <p:cNvPr id="3" name="TextBox 2"/>
+          <p:cNvSpPr txBox="1"/>
+          <p:nvPr/>
+        </p:nvSpPr>
+        <p:spPr>
+          <a:xfrm>
+            <a:off x="539552" y="1628800"/>
+            <a:ext cx="1224136" cy="369332"/>
+          </a:xfrm>
+          <a:prstGeom prst="rect">
+            <a:avLst/>
+          </a:prstGeom>
+          <a:noFill/>
+        </p:spPr>
+        <p:txBody>
+          <a:bodyPr wrap="square" rtlCol="0">
+            <a:spAutoFit/>
+          </a:bodyPr>
+          <a:lstStyle/>
+          <a:p>
+            <a:r>
+              <a:rPr lang="en-US" altLang="ko-KR" dirty="0" smtClean="0"/>
+              <a:t>main</a:t>
+            </a:r>
+            <a:endParaRPr lang="ko-KR" altLang="en-US" dirty="0"/>
           </a:p>
         </p:txBody>
       </p:sp>
     </p:spTree>
     <p:extLst>
       <p:ext uri="{BB962C8B-B14F-4D97-AF65-F5344CB8AC3E}">
-        <p14:creationId xmlns:p14="http://schemas.microsoft.com/office/powerpoint/2010/main" val="2235869442"/>
+        <p14:creationId xmlns:p14="http://schemas.microsoft.com/office/powerpoint/2010/main" val="417428033"/>
       </p:ext>
     </p:extLst>
   </p:cSld>
@@ -4422,7 +6284,7 @@
           <a:p>
             <a:r>
               <a:rPr lang="en-US" altLang="ko-KR" dirty="0" smtClean="0"/>
-              <a:t>Admin</a:t>
+              <a:t>2. Common</a:t>
             </a:r>
             <a:endParaRPr lang="ko-KR" altLang="en-US" dirty="0"/>
           </a:p>
@@ -4681,14 +6543,14 @@
       </p:sp>
       <p:sp>
         <p:nvSpPr>
-          <p:cNvPr id="3" name="TextBox 2"/>
+          <p:cNvPr id="7" name="TextBox 6"/>
           <p:cNvSpPr txBox="1"/>
           <p:nvPr/>
         </p:nvSpPr>
         <p:spPr>
           <a:xfrm>
-            <a:off x="467544" y="2348880"/>
-            <a:ext cx="3024336" cy="938719"/>
+            <a:off x="611560" y="2348880"/>
+            <a:ext cx="5184576" cy="1277273"/>
           </a:xfrm>
           <a:prstGeom prst="rect">
             <a:avLst/>
@@ -4706,16 +6568,85 @@
               <a:t>-</a:t>
             </a:r>
             <a:r>
-              <a:rPr lang="ko-KR" altLang="en-US" sz="1100" dirty="0" err="1" smtClean="0"/>
-              <a:t>직원별정보</a:t>
+              <a:rPr lang="ko-KR" altLang="en-US" sz="1100" dirty="0" smtClean="0"/>
+              <a:t>공지사항</a:t>
             </a:r>
             <a:r>
               <a:rPr lang="en-US" altLang="ko-KR" sz="1100" dirty="0" smtClean="0"/>
-              <a:t>	       : </a:t>
-            </a:r>
-            <a:r>
-              <a:rPr lang="en-US" altLang="ko-KR" sz="1100" dirty="0" err="1" smtClean="0"/>
-              <a:t>staffinfo</a:t>
+              <a:t>	:      notice	  </a:t>
+            </a:r>
+            <a:r>
+              <a:rPr lang="en-US" altLang="ko-KR" sz="1100" dirty="0" smtClean="0">
+                <a:sym typeface="Wingdings" pitchFamily="2" charset="2"/>
+              </a:rPr>
+              <a:t> </a:t>
+            </a:r>
+            <a:r>
+              <a:rPr lang="ko-KR" altLang="en-US" sz="1100" dirty="0" smtClean="0">
+                <a:sym typeface="Wingdings" pitchFamily="2" charset="2"/>
+              </a:rPr>
+              <a:t>게시판 </a:t>
+            </a:r>
+            <a:r>
+              <a:rPr lang="en-US" altLang="ko-KR" sz="1100" dirty="0" smtClean="0">
+                <a:sym typeface="Wingdings" pitchFamily="2" charset="2"/>
+              </a:rPr>
+              <a:t>: </a:t>
+            </a:r>
+            <a:r>
+              <a:rPr lang="ko-KR" altLang="en-US" sz="1100" dirty="0" err="1" smtClean="0">
+                <a:sym typeface="Wingdings" pitchFamily="2" charset="2"/>
+              </a:rPr>
+              <a:t>글작성</a:t>
+            </a:r>
+            <a:r>
+              <a:rPr lang="en-US" altLang="ko-KR" sz="1100" dirty="0" smtClean="0">
+                <a:sym typeface="Wingdings" pitchFamily="2" charset="2"/>
+              </a:rPr>
+              <a:t>, update(Ajax, </a:t>
+            </a:r>
+            <a:r>
+              <a:rPr lang="en-US" altLang="ko-KR" sz="1100" dirty="0" err="1" smtClean="0">
+                <a:sym typeface="Wingdings" pitchFamily="2" charset="2"/>
+              </a:rPr>
+              <a:t>reverseAjax</a:t>
+            </a:r>
+            <a:r>
+              <a:rPr lang="en-US" altLang="ko-KR" sz="1100" dirty="0" smtClean="0">
+                <a:sym typeface="Wingdings" pitchFamily="2" charset="2"/>
+              </a:rPr>
+              <a:t>?)</a:t>
+            </a:r>
+          </a:p>
+          <a:p>
+            <a:endParaRPr lang="en-US" altLang="ko-KR" sz="1100" dirty="0">
+              <a:sym typeface="Wingdings" pitchFamily="2" charset="2"/>
+            </a:endParaRPr>
+          </a:p>
+          <a:p>
+            <a:r>
+              <a:rPr lang="en-US" altLang="ko-KR" sz="1100" dirty="0" smtClean="0">
+                <a:sym typeface="Wingdings" pitchFamily="2" charset="2"/>
+              </a:rPr>
+              <a:t>-</a:t>
+            </a:r>
+            <a:r>
+              <a:rPr lang="ko-KR" altLang="en-US" sz="1100" dirty="0" smtClean="0">
+                <a:sym typeface="Wingdings" pitchFamily="2" charset="2"/>
+              </a:rPr>
+              <a:t>자유게시판   </a:t>
+            </a:r>
+            <a:r>
+              <a:rPr lang="en-US" altLang="ko-KR" sz="1100" dirty="0" smtClean="0">
+                <a:sym typeface="Wingdings" pitchFamily="2" charset="2"/>
+              </a:rPr>
+              <a:t>:      </a:t>
+            </a:r>
+            <a:r>
+              <a:rPr lang="en-US" altLang="ko-KR" sz="1100" dirty="0" smtClean="0">
+                <a:sym typeface="Wingdings" pitchFamily="2" charset="2"/>
+              </a:rPr>
+              <a:t>board</a:t>
             </a:r>
             <a:endParaRPr lang="en-US" altLang="ko-KR" sz="1100" dirty="0" smtClean="0"/>
           </a:p>
@@ -4729,12 +6660,27 @@
             </a:r>
             <a:r>
               <a:rPr lang="ko-KR" altLang="en-US" sz="1100" dirty="0" smtClean="0"/>
-              <a:t>운영계획             </a:t>
+              <a:t>직원정보</a:t>
             </a:r>
             <a:r>
               <a:rPr lang="en-US" altLang="ko-KR" sz="1100" dirty="0" smtClean="0"/>
-              <a:t>: planning</a:t>
-            </a:r>
+              <a:t>	:      </a:t>
+            </a:r>
+            <a:r>
+              <a:rPr lang="en-US" altLang="ko-KR" sz="1100" dirty="0" err="1" smtClean="0"/>
+              <a:t>stafflist</a:t>
+            </a:r>
+            <a:r>
+              <a:rPr lang="en-US" altLang="ko-KR" sz="1100" dirty="0" smtClean="0"/>
+              <a:t>     </a:t>
+            </a:r>
+            <a:r>
+              <a:rPr lang="en-US" altLang="ko-KR" sz="1100" dirty="0" smtClean="0">
+                <a:sym typeface="Wingdings" pitchFamily="2" charset="2"/>
+              </a:rPr>
+              <a:t> table</a:t>
+            </a:r>
+            <a:endParaRPr lang="en-US" altLang="ko-KR" sz="1100" dirty="0" smtClean="0"/>
           </a:p>
           <a:p>
             <a:endParaRPr lang="en-US" altLang="ko-KR" sz="1100" dirty="0" smtClean="0"/>
@@ -4746,11 +6692,25 @@
             </a:r>
             <a:r>
               <a:rPr lang="ko-KR" altLang="en-US" sz="1100" dirty="0" smtClean="0"/>
-              <a:t>승인화면             </a:t>
+              <a:t>현재근무자 정보 </a:t>
             </a:r>
             <a:r>
               <a:rPr lang="en-US" altLang="ko-KR" sz="1100" dirty="0" smtClean="0"/>
-              <a:t>: accept</a:t>
+              <a:t>: </a:t>
+            </a:r>
+            <a:r>
+              <a:rPr lang="en-US" altLang="ko-KR" sz="1100" dirty="0" err="1" smtClean="0"/>
+              <a:t>todaystaff</a:t>
+            </a:r>
+            <a:r>
+              <a:rPr lang="en-US" altLang="ko-KR" sz="1100" dirty="0" smtClean="0"/>
+              <a:t>  </a:t>
+            </a:r>
+            <a:r>
+              <a:rPr lang="en-US" altLang="ko-KR" sz="1100" dirty="0" smtClean="0">
+                <a:sym typeface="Wingdings" pitchFamily="2" charset="2"/>
+              </a:rPr>
+              <a:t> table</a:t>
             </a:r>
             <a:endParaRPr lang="ko-KR" altLang="en-US" sz="1100" dirty="0"/>
           </a:p>
@@ -4759,7 +6719,7 @@
     </p:spTree>
     <p:extLst>
       <p:ext uri="{BB962C8B-B14F-4D97-AF65-F5344CB8AC3E}">
-        <p14:creationId xmlns:p14="http://schemas.microsoft.com/office/powerpoint/2010/main" val="3530990293"/>
+        <p14:creationId xmlns:p14="http://schemas.microsoft.com/office/powerpoint/2010/main" val="2235869442"/>
       </p:ext>
     </p:extLst>
   </p:cSld>
@@ -4803,7 +6763,23 @@
           <a:p>
             <a:r>
               <a:rPr lang="en-US" altLang="ko-KR" dirty="0" smtClean="0"/>
-              <a:t>Staff</a:t>
+              <a:t>2. </a:t>
+            </a:r>
+            <a:r>
+              <a:rPr lang="en-US" altLang="ko-KR" dirty="0" smtClean="0"/>
+              <a:t>Common – </a:t>
+            </a:r>
+            <a:r>
+              <a:rPr lang="ko-KR" altLang="en-US" dirty="0" smtClean="0"/>
+              <a:t>공지사항</a:t>
+            </a:r>
+            <a:r>
+              <a:rPr lang="en-US" altLang="ko-KR" dirty="0" smtClean="0"/>
+              <a:t>/</a:t>
+            </a:r>
+            <a:r>
+              <a:rPr lang="ko-KR" altLang="en-US" dirty="0" smtClean="0"/>
+              <a:t>자게</a:t>
             </a:r>
             <a:endParaRPr lang="ko-KR" altLang="en-US" dirty="0"/>
           </a:p>
@@ -5068,8 +7044,8 @@
         </p:nvSpPr>
         <p:spPr>
           <a:xfrm>
-            <a:off x="683568" y="2348880"/>
-            <a:ext cx="2808312" cy="738664"/>
+            <a:off x="2194939" y="2636912"/>
+            <a:ext cx="5688632" cy="1169551"/>
           </a:xfrm>
           <a:prstGeom prst="rect">
             <a:avLst/>
@@ -5083,85 +7059,2485 @@
           <a:lstStyle/>
           <a:p>
             <a:r>
-              <a:rPr lang="en-US" altLang="ko-KR" sz="1050" dirty="0" smtClean="0"/>
-              <a:t>-</a:t>
-            </a:r>
-            <a:r>
-              <a:rPr lang="ko-KR" altLang="en-US" sz="1050" dirty="0" smtClean="0"/>
-              <a:t>근무신청               </a:t>
-            </a:r>
-            <a:r>
-              <a:rPr lang="en-US" altLang="ko-KR" sz="1050" dirty="0" smtClean="0"/>
-              <a:t>: </a:t>
-            </a:r>
-            <a:r>
-              <a:rPr lang="en-US" altLang="ko-KR" sz="1050" dirty="0" err="1" smtClean="0"/>
-              <a:t>requestwork</a:t>
-            </a:r>
-            <a:r>
-              <a:rPr lang="en-US" altLang="ko-KR" sz="1050" dirty="0" smtClean="0"/>
-              <a:t> </a:t>
-            </a:r>
-          </a:p>
-          <a:p>
-            <a:endParaRPr lang="en-US" altLang="ko-KR" sz="1050" dirty="0" smtClean="0"/>
-          </a:p>
-          <a:p>
-            <a:r>
-              <a:rPr lang="en-US" altLang="ko-KR" sz="1050" dirty="0" smtClean="0"/>
-              <a:t>-</a:t>
-            </a:r>
-            <a:r>
-              <a:rPr lang="ko-KR" altLang="en-US" sz="1050" dirty="0" smtClean="0"/>
-              <a:t>근무수정               </a:t>
-            </a:r>
-            <a:r>
-              <a:rPr lang="en-US" altLang="ko-KR" sz="1050" dirty="0" smtClean="0"/>
-              <a:t>: </a:t>
-            </a:r>
-            <a:r>
-              <a:rPr lang="en-US" altLang="ko-KR" sz="1050" dirty="0" err="1" smtClean="0"/>
-              <a:t>modifywork</a:t>
-            </a:r>
-            <a:endParaRPr lang="en-US" altLang="ko-KR" sz="1050" dirty="0"/>
-          </a:p>
-          <a:p>
-            <a:r>
-              <a:rPr lang="en-US" altLang="ko-KR" sz="1050" dirty="0" smtClean="0"/>
-              <a:t>(</a:t>
-            </a:r>
-            <a:r>
-              <a:rPr lang="ko-KR" altLang="en-US" sz="1050" dirty="0" smtClean="0"/>
-              <a:t>휴가</a:t>
-            </a:r>
-            <a:r>
-              <a:rPr lang="en-US" altLang="ko-KR" sz="1050" dirty="0" smtClean="0"/>
-              <a:t>,</a:t>
-            </a:r>
-            <a:r>
-              <a:rPr lang="ko-KR" altLang="en-US" sz="1050" dirty="0" smtClean="0"/>
-              <a:t>조퇴</a:t>
-            </a:r>
-            <a:r>
-              <a:rPr lang="en-US" altLang="ko-KR" sz="1050" dirty="0" smtClean="0"/>
-              <a:t>,</a:t>
-            </a:r>
-            <a:r>
-              <a:rPr lang="ko-KR" altLang="en-US" sz="1050" dirty="0" smtClean="0"/>
-              <a:t>교환신청</a:t>
-            </a:r>
-            <a:r>
-              <a:rPr lang="en-US" altLang="ko-KR" sz="1050" dirty="0" smtClean="0"/>
-              <a:t>,)</a:t>
-            </a:r>
-            <a:endParaRPr lang="ko-KR" altLang="en-US" sz="1050" dirty="0"/>
+              <a:rPr lang="ko-KR" altLang="en-US" sz="1400" dirty="0" err="1" smtClean="0"/>
+              <a:t>글목록</a:t>
+            </a:r>
+            <a:endParaRPr lang="en-US" altLang="ko-KR" sz="1400" dirty="0" smtClean="0"/>
+          </a:p>
+          <a:p>
+            <a:pPr marL="285750" indent="-285750">
+              <a:buFontTx/>
+              <a:buChar char="-"/>
+            </a:pPr>
+            <a:r>
+              <a:rPr lang="ko-KR" altLang="en-US" sz="1400" dirty="0" smtClean="0"/>
+              <a:t>글 클릭 시 상세내용 표시</a:t>
+            </a:r>
+            <a:endParaRPr lang="en-US" altLang="ko-KR" sz="1400" dirty="0"/>
+          </a:p>
+          <a:p>
+            <a:pPr marL="285750" indent="-285750">
+              <a:buFontTx/>
+              <a:buChar char="-"/>
+            </a:pPr>
+            <a:r>
+              <a:rPr lang="ko-KR" altLang="en-US" sz="1400" dirty="0" smtClean="0"/>
+              <a:t>글 작성버튼으로 작성페이지로 이동</a:t>
+            </a:r>
+            <a:endParaRPr lang="en-US" altLang="ko-KR" sz="1400" dirty="0"/>
+          </a:p>
+          <a:p>
+            <a:endParaRPr lang="en-US" altLang="ko-KR" sz="1400" dirty="0" smtClean="0"/>
+          </a:p>
+          <a:p>
+            <a:r>
+              <a:rPr lang="en-US" altLang="ko-KR" sz="1400" dirty="0" smtClean="0"/>
+              <a:t>- </a:t>
+            </a:r>
+            <a:r>
+              <a:rPr lang="ko-KR" altLang="en-US" sz="1400" dirty="0" err="1" smtClean="0"/>
+              <a:t>글번호</a:t>
+            </a:r>
+            <a:r>
+              <a:rPr lang="en-US" altLang="ko-KR" sz="1400" dirty="0" smtClean="0"/>
+              <a:t>, </a:t>
+            </a:r>
+            <a:r>
+              <a:rPr lang="ko-KR" altLang="en-US" sz="1400" dirty="0" err="1" smtClean="0"/>
+              <a:t>글제목</a:t>
+            </a:r>
+            <a:r>
+              <a:rPr lang="en-US" altLang="ko-KR" sz="1400" dirty="0" smtClean="0"/>
+              <a:t>, </a:t>
+            </a:r>
+            <a:r>
+              <a:rPr lang="ko-KR" altLang="en-US" sz="1400" dirty="0" smtClean="0"/>
+              <a:t>작성날짜</a:t>
+            </a:r>
+            <a:r>
+              <a:rPr lang="en-US" altLang="ko-KR" sz="1400" dirty="0" smtClean="0"/>
+              <a:t>, </a:t>
+            </a:r>
+            <a:r>
+              <a:rPr lang="ko-KR" altLang="en-US" sz="1400" dirty="0" smtClean="0"/>
+              <a:t>작성자</a:t>
+            </a:r>
+            <a:endParaRPr lang="ko-KR" altLang="en-US" sz="1400" dirty="0"/>
           </a:p>
         </p:txBody>
       </p:sp>
     </p:spTree>
     <p:extLst>
       <p:ext uri="{BB962C8B-B14F-4D97-AF65-F5344CB8AC3E}">
-        <p14:creationId xmlns:p14="http://schemas.microsoft.com/office/powerpoint/2010/main" val="3426310467"/>
+        <p14:creationId xmlns:p14="http://schemas.microsoft.com/office/powerpoint/2010/main" val="3631245325"/>
+      </p:ext>
+    </p:extLst>
+  </p:cSld>
+  <p:clrMapOvr>
+    <a:masterClrMapping/>
+  </p:clrMapOvr>
+</p:sld>
+</file>
+
+<file path=ppt/slides/slide6.xml><?xml version="1.0" encoding="utf-8"?>
+<p:sld xmlns:a="http://schemas.openxmlformats.org/drawingml/2006/main" xmlns:r="http://schemas.openxmlformats.org/officeDocument/2006/relationships" xmlns:p="http://schemas.openxmlformats.org/presentationml/2006/main">
+  <p:cSld>
+    <p:spTree>
+      <p:nvGrpSpPr>
+        <p:cNvPr id="1" name=""/>
+        <p:cNvGrpSpPr/>
+        <p:nvPr/>
+      </p:nvGrpSpPr>
+      <p:grpSpPr>
+        <a:xfrm>
+          <a:off x="0" y="0"/>
+          <a:ext cx="0" cy="0"/>
+          <a:chOff x="0" y="0"/>
+          <a:chExt cx="0" cy="0"/>
+        </a:xfrm>
+      </p:grpSpPr>
+      <p:sp>
+        <p:nvSpPr>
+          <p:cNvPr id="2" name="제목 1"/>
+          <p:cNvSpPr>
+            <a:spLocks noGrp="1"/>
+          </p:cNvSpPr>
+          <p:nvPr>
+            <p:ph type="title"/>
+          </p:nvPr>
+        </p:nvSpPr>
+        <p:spPr/>
+        <p:txBody>
+          <a:bodyPr/>
+          <a:lstStyle/>
+          <a:p>
+            <a:r>
+              <a:rPr lang="en-US" altLang="ko-KR" dirty="0" smtClean="0"/>
+              <a:t>2. </a:t>
+            </a:r>
+            <a:r>
+              <a:rPr lang="en-US" altLang="ko-KR" dirty="0" smtClean="0"/>
+              <a:t>Common – </a:t>
+            </a:r>
+            <a:r>
+              <a:rPr lang="ko-KR" altLang="en-US" dirty="0" err="1" smtClean="0"/>
+              <a:t>글작성화면</a:t>
+            </a:r>
+            <a:endParaRPr lang="ko-KR" altLang="en-US" dirty="0"/>
+          </a:p>
+        </p:txBody>
+      </p:sp>
+      <p:sp>
+        <p:nvSpPr>
+          <p:cNvPr id="4" name="직사각형 3"/>
+          <p:cNvSpPr/>
+          <p:nvPr/>
+        </p:nvSpPr>
+        <p:spPr>
+          <a:xfrm>
+            <a:off x="467544" y="1628800"/>
+            <a:ext cx="8208912" cy="4464496"/>
+          </a:xfrm>
+          <a:prstGeom prst="rect">
+            <a:avLst/>
+          </a:prstGeom>
+          <a:noFill/>
+          <a:ln>
+            <a:solidFill>
+              <a:schemeClr val="tx1"/>
+            </a:solidFill>
+          </a:ln>
+        </p:spPr>
+        <p:style>
+          <a:lnRef idx="2">
+            <a:schemeClr val="accent1">
+              <a:shade val="50000"/>
+            </a:schemeClr>
+          </a:lnRef>
+          <a:fillRef idx="1">
+            <a:schemeClr val="accent1"/>
+          </a:fillRef>
+          <a:effectRef idx="0">
+            <a:schemeClr val="accent1"/>
+          </a:effectRef>
+          <a:fontRef idx="minor">
+            <a:schemeClr val="lt1"/>
+          </a:fontRef>
+        </p:style>
+        <p:txBody>
+          <a:bodyPr rtlCol="0" anchor="ctr"/>
+          <a:lstStyle/>
+          <a:p>
+            <a:pPr algn="ctr"/>
+            <a:endParaRPr lang="ko-KR" altLang="en-US"/>
+          </a:p>
+        </p:txBody>
+      </p:sp>
+      <p:sp>
+        <p:nvSpPr>
+          <p:cNvPr id="5" name="직사각형 4"/>
+          <p:cNvSpPr/>
+          <p:nvPr/>
+        </p:nvSpPr>
+        <p:spPr>
+          <a:xfrm>
+            <a:off x="467544" y="1628800"/>
+            <a:ext cx="8208912" cy="540060"/>
+          </a:xfrm>
+          <a:prstGeom prst="rect">
+            <a:avLst/>
+          </a:prstGeom>
+          <a:noFill/>
+          <a:ln>
+            <a:solidFill>
+              <a:schemeClr val="tx1"/>
+            </a:solidFill>
+          </a:ln>
+        </p:spPr>
+        <p:style>
+          <a:lnRef idx="2">
+            <a:schemeClr val="accent1">
+              <a:shade val="50000"/>
+            </a:schemeClr>
+          </a:lnRef>
+          <a:fillRef idx="1">
+            <a:schemeClr val="accent1"/>
+          </a:fillRef>
+          <a:effectRef idx="0">
+            <a:schemeClr val="accent1"/>
+          </a:effectRef>
+          <a:fontRef idx="minor">
+            <a:schemeClr val="lt1"/>
+          </a:fontRef>
+        </p:style>
+        <p:txBody>
+          <a:bodyPr rtlCol="0" anchor="ctr"/>
+          <a:lstStyle/>
+          <a:p>
+            <a:pPr algn="ctr"/>
+            <a:endParaRPr lang="ko-KR" altLang="en-US"/>
+          </a:p>
+        </p:txBody>
+      </p:sp>
+      <p:sp>
+        <p:nvSpPr>
+          <p:cNvPr id="6" name="직사각형 5"/>
+          <p:cNvSpPr/>
+          <p:nvPr/>
+        </p:nvSpPr>
+        <p:spPr>
+          <a:xfrm>
+            <a:off x="467544" y="2168860"/>
+            <a:ext cx="1296144" cy="3924436"/>
+          </a:xfrm>
+          <a:prstGeom prst="rect">
+            <a:avLst/>
+          </a:prstGeom>
+          <a:noFill/>
+          <a:ln>
+            <a:solidFill>
+              <a:schemeClr val="tx1"/>
+            </a:solidFill>
+          </a:ln>
+        </p:spPr>
+        <p:style>
+          <a:lnRef idx="2">
+            <a:schemeClr val="accent1">
+              <a:shade val="50000"/>
+            </a:schemeClr>
+          </a:lnRef>
+          <a:fillRef idx="1">
+            <a:schemeClr val="accent1"/>
+          </a:fillRef>
+          <a:effectRef idx="0">
+            <a:schemeClr val="accent1"/>
+          </a:effectRef>
+          <a:fontRef idx="minor">
+            <a:schemeClr val="lt1"/>
+          </a:fontRef>
+        </p:style>
+        <p:txBody>
+          <a:bodyPr rtlCol="0" anchor="ctr"/>
+          <a:lstStyle/>
+          <a:p>
+            <a:pPr algn="ctr"/>
+            <a:endParaRPr lang="ko-KR" altLang="en-US"/>
+          </a:p>
+        </p:txBody>
+      </p:sp>
+      <p:sp>
+        <p:nvSpPr>
+          <p:cNvPr id="17" name="직사각형 16"/>
+          <p:cNvSpPr/>
+          <p:nvPr/>
+        </p:nvSpPr>
+        <p:spPr>
+          <a:xfrm>
+            <a:off x="7092280" y="1628800"/>
+            <a:ext cx="1584176" cy="540060"/>
+          </a:xfrm>
+          <a:prstGeom prst="rect">
+            <a:avLst/>
+          </a:prstGeom>
+          <a:noFill/>
+        </p:spPr>
+        <p:style>
+          <a:lnRef idx="2">
+            <a:schemeClr val="accent1">
+              <a:shade val="50000"/>
+            </a:schemeClr>
+          </a:lnRef>
+          <a:fillRef idx="1">
+            <a:schemeClr val="accent1"/>
+          </a:fillRef>
+          <a:effectRef idx="0">
+            <a:schemeClr val="accent1"/>
+          </a:effectRef>
+          <a:fontRef idx="minor">
+            <a:schemeClr val="lt1"/>
+          </a:fontRef>
+        </p:style>
+        <p:txBody>
+          <a:bodyPr rtlCol="0" anchor="ctr"/>
+          <a:lstStyle/>
+          <a:p>
+            <a:pPr algn="ctr"/>
+            <a:endParaRPr lang="ko-KR" altLang="en-US"/>
+          </a:p>
+        </p:txBody>
+      </p:sp>
+      <p:sp>
+        <p:nvSpPr>
+          <p:cNvPr id="18" name="TextBox 17"/>
+          <p:cNvSpPr txBox="1"/>
+          <p:nvPr/>
+        </p:nvSpPr>
+        <p:spPr>
+          <a:xfrm>
+            <a:off x="6732240" y="813312"/>
+            <a:ext cx="1944216" cy="738664"/>
+          </a:xfrm>
+          <a:prstGeom prst="rect">
+            <a:avLst/>
+          </a:prstGeom>
+          <a:noFill/>
+        </p:spPr>
+        <p:txBody>
+          <a:bodyPr wrap="square" rtlCol="0">
+            <a:spAutoFit/>
+          </a:bodyPr>
+          <a:lstStyle/>
+          <a:p>
+            <a:r>
+              <a:rPr lang="en-US" altLang="ko-KR" sz="1400" dirty="0" smtClean="0"/>
+              <a:t>-</a:t>
+            </a:r>
+            <a:r>
+              <a:rPr lang="ko-KR" altLang="en-US" sz="1400" dirty="0" smtClean="0"/>
+              <a:t>로그인</a:t>
+            </a:r>
+            <a:r>
+              <a:rPr lang="en-US" altLang="ko-KR" sz="1400" dirty="0" smtClean="0"/>
+              <a:t>/</a:t>
+            </a:r>
+            <a:r>
+              <a:rPr lang="ko-KR" altLang="en-US" sz="1400" dirty="0" smtClean="0"/>
+              <a:t>회원가입</a:t>
+            </a:r>
+            <a:endParaRPr lang="en-US" altLang="ko-KR" sz="1400" dirty="0" smtClean="0"/>
+          </a:p>
+          <a:p>
+            <a:r>
+              <a:rPr lang="en-US" altLang="ko-KR" sz="1400" dirty="0" smtClean="0"/>
+              <a:t>-</a:t>
+            </a:r>
+            <a:r>
+              <a:rPr lang="ko-KR" altLang="en-US" sz="1400" dirty="0" err="1" smtClean="0"/>
+              <a:t>로그인된</a:t>
+            </a:r>
+            <a:r>
+              <a:rPr lang="ko-KR" altLang="en-US" sz="1400" dirty="0" smtClean="0"/>
+              <a:t> 회원정보</a:t>
+            </a:r>
+            <a:r>
+              <a:rPr lang="en-US" altLang="ko-KR" sz="1400" dirty="0" smtClean="0"/>
+              <a:t/>
+            </a:r>
+            <a:br>
+              <a:rPr lang="en-US" altLang="ko-KR" sz="1400" dirty="0" smtClean="0"/>
+            </a:br>
+            <a:r>
+              <a:rPr lang="en-US" altLang="ko-KR" sz="1400" dirty="0" smtClean="0"/>
+              <a:t>-</a:t>
+            </a:r>
+            <a:r>
+              <a:rPr lang="ko-KR" altLang="en-US" sz="1400" dirty="0" err="1" smtClean="0"/>
+              <a:t>수신알림</a:t>
+            </a:r>
+            <a:endParaRPr lang="ko-KR" altLang="en-US" sz="1400" dirty="0"/>
+          </a:p>
+        </p:txBody>
+      </p:sp>
+      <p:sp>
+        <p:nvSpPr>
+          <p:cNvPr id="3" name="TextBox 2"/>
+          <p:cNvSpPr txBox="1"/>
+          <p:nvPr/>
+        </p:nvSpPr>
+        <p:spPr>
+          <a:xfrm>
+            <a:off x="2178950" y="2348879"/>
+            <a:ext cx="5688632" cy="2092881"/>
+          </a:xfrm>
+          <a:prstGeom prst="rect">
+            <a:avLst/>
+          </a:prstGeom>
+          <a:noFill/>
+        </p:spPr>
+        <p:txBody>
+          <a:bodyPr wrap="square" rtlCol="0">
+            <a:spAutoFit/>
+          </a:bodyPr>
+          <a:lstStyle/>
+          <a:p>
+            <a:r>
+              <a:rPr lang="ko-KR" altLang="en-US" sz="1400" dirty="0" err="1" smtClean="0"/>
+              <a:t>글제목</a:t>
+            </a:r>
+            <a:endParaRPr lang="en-US" altLang="ko-KR" sz="1400" dirty="0" smtClean="0"/>
+          </a:p>
+          <a:p>
+            <a:r>
+              <a:rPr lang="ko-KR" altLang="en-US" sz="1400" dirty="0" smtClean="0"/>
+              <a:t>글 내용</a:t>
+            </a:r>
+            <a:endParaRPr lang="en-US" altLang="ko-KR" sz="1400" dirty="0" smtClean="0"/>
+          </a:p>
+          <a:p>
+            <a:r>
+              <a:rPr lang="ko-KR" altLang="en-US" sz="1400" dirty="0" smtClean="0"/>
+              <a:t>작성확인</a:t>
+            </a:r>
+            <a:r>
+              <a:rPr lang="en-US" altLang="ko-KR" sz="1400" dirty="0" smtClean="0"/>
+              <a:t>(</a:t>
+            </a:r>
+            <a:r>
+              <a:rPr lang="ko-KR" altLang="en-US" sz="1400" dirty="0" smtClean="0"/>
+              <a:t>등록버튼</a:t>
+            </a:r>
+            <a:r>
+              <a:rPr lang="en-US" altLang="ko-KR" sz="1400" dirty="0" smtClean="0"/>
+              <a:t>)</a:t>
+            </a:r>
+          </a:p>
+          <a:p>
+            <a:endParaRPr lang="en-US" altLang="ko-KR" sz="1400" dirty="0"/>
+          </a:p>
+          <a:p>
+            <a:r>
+              <a:rPr lang="ko-KR" altLang="en-US" sz="1400" dirty="0" smtClean="0"/>
+              <a:t>작성시간</a:t>
+            </a:r>
+            <a:r>
+              <a:rPr lang="en-US" altLang="ko-KR" sz="1400" dirty="0" smtClean="0"/>
+              <a:t>, </a:t>
+            </a:r>
+            <a:r>
+              <a:rPr lang="ko-KR" altLang="en-US" sz="1400" dirty="0" smtClean="0"/>
+              <a:t>작성자는 자동으로</a:t>
+            </a:r>
+            <a:r>
+              <a:rPr lang="en-US" altLang="ko-KR" sz="1400" dirty="0" smtClean="0"/>
+              <a:t>…</a:t>
+            </a:r>
+          </a:p>
+          <a:p>
+            <a:endParaRPr lang="en-US" altLang="ko-KR" sz="1400" dirty="0"/>
+          </a:p>
+          <a:p>
+            <a:r>
+              <a:rPr lang="ko-KR" altLang="en-US" sz="1400" dirty="0" smtClean="0"/>
+              <a:t>글 하나의 전체정보</a:t>
+            </a:r>
+            <a:endParaRPr lang="en-US" altLang="ko-KR" sz="1400" dirty="0" smtClean="0"/>
+          </a:p>
+          <a:p>
+            <a:r>
+              <a:rPr lang="en-US" altLang="ko-KR" sz="1400" dirty="0" smtClean="0"/>
+              <a:t>: </a:t>
+            </a:r>
+            <a:r>
+              <a:rPr lang="ko-KR" altLang="en-US" sz="1400" dirty="0" err="1" smtClean="0"/>
+              <a:t>글번호</a:t>
+            </a:r>
+            <a:r>
+              <a:rPr lang="en-US" altLang="ko-KR" sz="1400" dirty="0" smtClean="0"/>
+              <a:t>(DB increment), </a:t>
+            </a:r>
+            <a:r>
+              <a:rPr lang="ko-KR" altLang="en-US" sz="1400" dirty="0" err="1" smtClean="0"/>
+              <a:t>글제목</a:t>
+            </a:r>
+            <a:r>
+              <a:rPr lang="en-US" altLang="ko-KR" sz="1400" dirty="0" smtClean="0"/>
+              <a:t>, </a:t>
+            </a:r>
+            <a:r>
+              <a:rPr lang="ko-KR" altLang="en-US" sz="1400" dirty="0" smtClean="0"/>
+              <a:t>작성날짜</a:t>
+            </a:r>
+            <a:r>
+              <a:rPr lang="en-US" altLang="ko-KR" sz="1400" dirty="0" smtClean="0"/>
+              <a:t>, </a:t>
+            </a:r>
+            <a:r>
+              <a:rPr lang="ko-KR" altLang="en-US" sz="1400" dirty="0" smtClean="0"/>
+              <a:t>작성자</a:t>
+            </a:r>
+            <a:r>
+              <a:rPr lang="en-US" altLang="ko-KR" sz="1400" dirty="0" smtClean="0"/>
+              <a:t>, </a:t>
+            </a:r>
+            <a:r>
+              <a:rPr lang="ko-KR" altLang="en-US" sz="1400" dirty="0" smtClean="0"/>
+              <a:t>작성내용</a:t>
+            </a:r>
+            <a:endParaRPr lang="en-US" altLang="ko-KR" sz="1400" dirty="0"/>
+          </a:p>
+          <a:p>
+            <a:endParaRPr lang="ko-KR" altLang="en-US" dirty="0"/>
+          </a:p>
+        </p:txBody>
+      </p:sp>
+    </p:spTree>
+    <p:extLst>
+      <p:ext uri="{BB962C8B-B14F-4D97-AF65-F5344CB8AC3E}">
+        <p14:creationId xmlns:p14="http://schemas.microsoft.com/office/powerpoint/2010/main" val="1520391007"/>
+      </p:ext>
+    </p:extLst>
+  </p:cSld>
+  <p:clrMapOvr>
+    <a:masterClrMapping/>
+  </p:clrMapOvr>
+</p:sld>
+</file>
+
+<file path=ppt/slides/slide7.xml><?xml version="1.0" encoding="utf-8"?>
+<p:sld xmlns:a="http://schemas.openxmlformats.org/drawingml/2006/main" xmlns:r="http://schemas.openxmlformats.org/officeDocument/2006/relationships" xmlns:p="http://schemas.openxmlformats.org/presentationml/2006/main">
+  <p:cSld>
+    <p:spTree>
+      <p:nvGrpSpPr>
+        <p:cNvPr id="1" name=""/>
+        <p:cNvGrpSpPr/>
+        <p:nvPr/>
+      </p:nvGrpSpPr>
+      <p:grpSpPr>
+        <a:xfrm>
+          <a:off x="0" y="0"/>
+          <a:ext cx="0" cy="0"/>
+          <a:chOff x="0" y="0"/>
+          <a:chExt cx="0" cy="0"/>
+        </a:xfrm>
+      </p:grpSpPr>
+      <p:sp>
+        <p:nvSpPr>
+          <p:cNvPr id="2" name="제목 1"/>
+          <p:cNvSpPr>
+            <a:spLocks noGrp="1"/>
+          </p:cNvSpPr>
+          <p:nvPr>
+            <p:ph type="title"/>
+          </p:nvPr>
+        </p:nvSpPr>
+        <p:spPr/>
+        <p:txBody>
+          <a:bodyPr/>
+          <a:lstStyle/>
+          <a:p>
+            <a:r>
+              <a:rPr lang="en-US" altLang="ko-KR" dirty="0" smtClean="0"/>
+              <a:t>Admin</a:t>
+            </a:r>
+            <a:endParaRPr lang="ko-KR" altLang="en-US" dirty="0"/>
+          </a:p>
+        </p:txBody>
+      </p:sp>
+      <p:sp>
+        <p:nvSpPr>
+          <p:cNvPr id="4" name="직사각형 3"/>
+          <p:cNvSpPr/>
+          <p:nvPr/>
+        </p:nvSpPr>
+        <p:spPr>
+          <a:xfrm>
+            <a:off x="467544" y="1628800"/>
+            <a:ext cx="8208912" cy="4464496"/>
+          </a:xfrm>
+          <a:prstGeom prst="rect">
+            <a:avLst/>
+          </a:prstGeom>
+          <a:noFill/>
+          <a:ln>
+            <a:solidFill>
+              <a:schemeClr val="tx1"/>
+            </a:solidFill>
+          </a:ln>
+        </p:spPr>
+        <p:style>
+          <a:lnRef idx="2">
+            <a:schemeClr val="accent1">
+              <a:shade val="50000"/>
+            </a:schemeClr>
+          </a:lnRef>
+          <a:fillRef idx="1">
+            <a:schemeClr val="accent1"/>
+          </a:fillRef>
+          <a:effectRef idx="0">
+            <a:schemeClr val="accent1"/>
+          </a:effectRef>
+          <a:fontRef idx="minor">
+            <a:schemeClr val="lt1"/>
+          </a:fontRef>
+        </p:style>
+        <p:txBody>
+          <a:bodyPr rtlCol="0" anchor="ctr"/>
+          <a:lstStyle/>
+          <a:p>
+            <a:pPr algn="ctr"/>
+            <a:endParaRPr lang="ko-KR" altLang="en-US"/>
+          </a:p>
+        </p:txBody>
+      </p:sp>
+      <p:sp>
+        <p:nvSpPr>
+          <p:cNvPr id="5" name="직사각형 4"/>
+          <p:cNvSpPr/>
+          <p:nvPr/>
+        </p:nvSpPr>
+        <p:spPr>
+          <a:xfrm>
+            <a:off x="467544" y="1628800"/>
+            <a:ext cx="8208912" cy="540060"/>
+          </a:xfrm>
+          <a:prstGeom prst="rect">
+            <a:avLst/>
+          </a:prstGeom>
+          <a:noFill/>
+          <a:ln>
+            <a:solidFill>
+              <a:schemeClr val="tx1"/>
+            </a:solidFill>
+          </a:ln>
+        </p:spPr>
+        <p:style>
+          <a:lnRef idx="2">
+            <a:schemeClr val="accent1">
+              <a:shade val="50000"/>
+            </a:schemeClr>
+          </a:lnRef>
+          <a:fillRef idx="1">
+            <a:schemeClr val="accent1"/>
+          </a:fillRef>
+          <a:effectRef idx="0">
+            <a:schemeClr val="accent1"/>
+          </a:effectRef>
+          <a:fontRef idx="minor">
+            <a:schemeClr val="lt1"/>
+          </a:fontRef>
+        </p:style>
+        <p:txBody>
+          <a:bodyPr rtlCol="0" anchor="ctr"/>
+          <a:lstStyle/>
+          <a:p>
+            <a:pPr algn="ctr"/>
+            <a:endParaRPr lang="ko-KR" altLang="en-US"/>
+          </a:p>
+        </p:txBody>
+      </p:sp>
+      <p:sp>
+        <p:nvSpPr>
+          <p:cNvPr id="6" name="직사각형 5"/>
+          <p:cNvSpPr/>
+          <p:nvPr/>
+        </p:nvSpPr>
+        <p:spPr>
+          <a:xfrm>
+            <a:off x="467544" y="2168860"/>
+            <a:ext cx="1296144" cy="3924436"/>
+          </a:xfrm>
+          <a:prstGeom prst="rect">
+            <a:avLst/>
+          </a:prstGeom>
+          <a:noFill/>
+          <a:ln>
+            <a:solidFill>
+              <a:schemeClr val="tx1"/>
+            </a:solidFill>
+          </a:ln>
+        </p:spPr>
+        <p:style>
+          <a:lnRef idx="2">
+            <a:schemeClr val="accent1">
+              <a:shade val="50000"/>
+            </a:schemeClr>
+          </a:lnRef>
+          <a:fillRef idx="1">
+            <a:schemeClr val="accent1"/>
+          </a:fillRef>
+          <a:effectRef idx="0">
+            <a:schemeClr val="accent1"/>
+          </a:effectRef>
+          <a:fontRef idx="minor">
+            <a:schemeClr val="lt1"/>
+          </a:fontRef>
+        </p:style>
+        <p:txBody>
+          <a:bodyPr rtlCol="0" anchor="ctr"/>
+          <a:lstStyle/>
+          <a:p>
+            <a:pPr algn="ctr"/>
+            <a:endParaRPr lang="ko-KR" altLang="en-US"/>
+          </a:p>
+        </p:txBody>
+      </p:sp>
+      <p:sp>
+        <p:nvSpPr>
+          <p:cNvPr id="17" name="직사각형 16"/>
+          <p:cNvSpPr/>
+          <p:nvPr/>
+        </p:nvSpPr>
+        <p:spPr>
+          <a:xfrm>
+            <a:off x="7092280" y="1628800"/>
+            <a:ext cx="1584176" cy="540060"/>
+          </a:xfrm>
+          <a:prstGeom prst="rect">
+            <a:avLst/>
+          </a:prstGeom>
+          <a:noFill/>
+        </p:spPr>
+        <p:style>
+          <a:lnRef idx="2">
+            <a:schemeClr val="accent1">
+              <a:shade val="50000"/>
+            </a:schemeClr>
+          </a:lnRef>
+          <a:fillRef idx="1">
+            <a:schemeClr val="accent1"/>
+          </a:fillRef>
+          <a:effectRef idx="0">
+            <a:schemeClr val="accent1"/>
+          </a:effectRef>
+          <a:fontRef idx="minor">
+            <a:schemeClr val="lt1"/>
+          </a:fontRef>
+        </p:style>
+        <p:txBody>
+          <a:bodyPr rtlCol="0" anchor="ctr"/>
+          <a:lstStyle/>
+          <a:p>
+            <a:pPr algn="ctr"/>
+            <a:endParaRPr lang="ko-KR" altLang="en-US"/>
+          </a:p>
+        </p:txBody>
+      </p:sp>
+      <p:sp>
+        <p:nvSpPr>
+          <p:cNvPr id="18" name="TextBox 17"/>
+          <p:cNvSpPr txBox="1"/>
+          <p:nvPr/>
+        </p:nvSpPr>
+        <p:spPr>
+          <a:xfrm>
+            <a:off x="6732240" y="813312"/>
+            <a:ext cx="1944216" cy="738664"/>
+          </a:xfrm>
+          <a:prstGeom prst="rect">
+            <a:avLst/>
+          </a:prstGeom>
+          <a:noFill/>
+        </p:spPr>
+        <p:txBody>
+          <a:bodyPr wrap="square" rtlCol="0">
+            <a:spAutoFit/>
+          </a:bodyPr>
+          <a:lstStyle/>
+          <a:p>
+            <a:r>
+              <a:rPr lang="en-US" altLang="ko-KR" sz="1400" dirty="0" smtClean="0"/>
+              <a:t>-</a:t>
+            </a:r>
+            <a:r>
+              <a:rPr lang="ko-KR" altLang="en-US" sz="1400" dirty="0" smtClean="0"/>
+              <a:t>로그인</a:t>
+            </a:r>
+            <a:r>
+              <a:rPr lang="en-US" altLang="ko-KR" sz="1400" dirty="0" smtClean="0"/>
+              <a:t>/</a:t>
+            </a:r>
+            <a:r>
+              <a:rPr lang="ko-KR" altLang="en-US" sz="1400" dirty="0" smtClean="0"/>
+              <a:t>회원가입</a:t>
+            </a:r>
+            <a:endParaRPr lang="en-US" altLang="ko-KR" sz="1400" dirty="0" smtClean="0"/>
+          </a:p>
+          <a:p>
+            <a:r>
+              <a:rPr lang="en-US" altLang="ko-KR" sz="1400" dirty="0" smtClean="0"/>
+              <a:t>-</a:t>
+            </a:r>
+            <a:r>
+              <a:rPr lang="ko-KR" altLang="en-US" sz="1400" dirty="0" err="1" smtClean="0"/>
+              <a:t>로그인된</a:t>
+            </a:r>
+            <a:r>
+              <a:rPr lang="ko-KR" altLang="en-US" sz="1400" dirty="0" smtClean="0"/>
+              <a:t> 회원정보</a:t>
+            </a:r>
+            <a:r>
+              <a:rPr lang="en-US" altLang="ko-KR" sz="1400" dirty="0" smtClean="0"/>
+              <a:t/>
+            </a:r>
+            <a:br>
+              <a:rPr lang="en-US" altLang="ko-KR" sz="1400" dirty="0" smtClean="0"/>
+            </a:br>
+            <a:r>
+              <a:rPr lang="en-US" altLang="ko-KR" sz="1400" dirty="0" smtClean="0"/>
+              <a:t>-</a:t>
+            </a:r>
+            <a:r>
+              <a:rPr lang="ko-KR" altLang="en-US" sz="1400" dirty="0" err="1" smtClean="0"/>
+              <a:t>수신알림</a:t>
+            </a:r>
+            <a:endParaRPr lang="ko-KR" altLang="en-US" sz="1400" dirty="0"/>
+          </a:p>
+        </p:txBody>
+      </p:sp>
+      <p:sp>
+        <p:nvSpPr>
+          <p:cNvPr id="3" name="TextBox 2"/>
+          <p:cNvSpPr txBox="1"/>
+          <p:nvPr/>
+        </p:nvSpPr>
+        <p:spPr>
+          <a:xfrm>
+            <a:off x="467544" y="2348880"/>
+            <a:ext cx="7236804" cy="938719"/>
+          </a:xfrm>
+          <a:prstGeom prst="rect">
+            <a:avLst/>
+          </a:prstGeom>
+          <a:noFill/>
+        </p:spPr>
+        <p:txBody>
+          <a:bodyPr wrap="square" rtlCol="0">
+            <a:spAutoFit/>
+          </a:bodyPr>
+          <a:lstStyle/>
+          <a:p>
+            <a:r>
+              <a:rPr lang="en-US" altLang="ko-KR" sz="1100" dirty="0" smtClean="0"/>
+              <a:t>-</a:t>
+            </a:r>
+            <a:r>
+              <a:rPr lang="ko-KR" altLang="en-US" sz="1100" dirty="0" err="1" smtClean="0"/>
+              <a:t>직원별정보</a:t>
+            </a:r>
+            <a:r>
+              <a:rPr lang="en-US" altLang="ko-KR" sz="1100" dirty="0" smtClean="0"/>
+              <a:t>	       : </a:t>
+            </a:r>
+            <a:r>
+              <a:rPr lang="en-US" altLang="ko-KR" sz="1100" dirty="0" err="1" smtClean="0"/>
+              <a:t>staffinfo</a:t>
+            </a:r>
+            <a:endParaRPr lang="en-US" altLang="ko-KR" sz="1100" dirty="0" smtClean="0"/>
+          </a:p>
+          <a:p>
+            <a:endParaRPr lang="en-US" altLang="ko-KR" sz="1100" dirty="0" smtClean="0"/>
+          </a:p>
+          <a:p>
+            <a:r>
+              <a:rPr lang="en-US" altLang="ko-KR" sz="1100" dirty="0" smtClean="0"/>
+              <a:t>-</a:t>
+            </a:r>
+            <a:r>
+              <a:rPr lang="ko-KR" altLang="en-US" sz="1100" dirty="0" smtClean="0"/>
+              <a:t>운영계획             </a:t>
+            </a:r>
+            <a:r>
+              <a:rPr lang="en-US" altLang="ko-KR" sz="1100" dirty="0" smtClean="0"/>
+              <a:t>: </a:t>
+            </a:r>
+            <a:r>
+              <a:rPr lang="en-US" altLang="ko-KR" sz="1100" dirty="0" smtClean="0"/>
+              <a:t>planning (</a:t>
+            </a:r>
+            <a:r>
+              <a:rPr lang="ko-KR" altLang="en-US" sz="1100" dirty="0" err="1" smtClean="0"/>
+              <a:t>날짜별</a:t>
+            </a:r>
+            <a:r>
+              <a:rPr lang="ko-KR" altLang="en-US" sz="1100" dirty="0"/>
+              <a:t> </a:t>
+            </a:r>
+            <a:r>
+              <a:rPr lang="ko-KR" altLang="en-US" sz="1100" dirty="0" smtClean="0"/>
+              <a:t>시간대와 필요인력 정보 기입</a:t>
+            </a:r>
+            <a:r>
+              <a:rPr lang="en-US" altLang="ko-KR" sz="1100" dirty="0" smtClean="0"/>
+              <a:t>)</a:t>
+            </a:r>
+          </a:p>
+          <a:p>
+            <a:endParaRPr lang="en-US" altLang="ko-KR" sz="1100" dirty="0" smtClean="0"/>
+          </a:p>
+          <a:p>
+            <a:r>
+              <a:rPr lang="en-US" altLang="ko-KR" sz="1100" dirty="0" smtClean="0"/>
+              <a:t>-</a:t>
+            </a:r>
+            <a:r>
+              <a:rPr lang="ko-KR" altLang="en-US" sz="1100" dirty="0" smtClean="0"/>
+              <a:t>승인화면             </a:t>
+            </a:r>
+            <a:r>
+              <a:rPr lang="en-US" altLang="ko-KR" sz="1100" dirty="0" smtClean="0"/>
+              <a:t>: accept</a:t>
+            </a:r>
+            <a:endParaRPr lang="ko-KR" altLang="en-US" sz="1100" dirty="0"/>
+          </a:p>
+        </p:txBody>
+      </p:sp>
+    </p:spTree>
+    <p:extLst>
+      <p:ext uri="{BB962C8B-B14F-4D97-AF65-F5344CB8AC3E}">
+        <p14:creationId xmlns:p14="http://schemas.microsoft.com/office/powerpoint/2010/main" val="3530990293"/>
+      </p:ext>
+    </p:extLst>
+  </p:cSld>
+  <p:clrMapOvr>
+    <a:masterClrMapping/>
+  </p:clrMapOvr>
+</p:sld>
+</file>
+
+<file path=ppt/slides/slide8.xml><?xml version="1.0" encoding="utf-8"?>
+<p:sld xmlns:a="http://schemas.openxmlformats.org/drawingml/2006/main" xmlns:r="http://schemas.openxmlformats.org/officeDocument/2006/relationships" xmlns:p="http://schemas.openxmlformats.org/presentationml/2006/main">
+  <p:cSld>
+    <p:spTree>
+      <p:nvGrpSpPr>
+        <p:cNvPr id="1" name=""/>
+        <p:cNvGrpSpPr/>
+        <p:nvPr/>
+      </p:nvGrpSpPr>
+      <p:grpSpPr>
+        <a:xfrm>
+          <a:off x="0" y="0"/>
+          <a:ext cx="0" cy="0"/>
+          <a:chOff x="0" y="0"/>
+          <a:chExt cx="0" cy="0"/>
+        </a:xfrm>
+      </p:grpSpPr>
+      <p:sp>
+        <p:nvSpPr>
+          <p:cNvPr id="2" name="제목 1"/>
+          <p:cNvSpPr>
+            <a:spLocks noGrp="1"/>
+          </p:cNvSpPr>
+          <p:nvPr>
+            <p:ph type="title"/>
+          </p:nvPr>
+        </p:nvSpPr>
+        <p:spPr/>
+        <p:txBody>
+          <a:bodyPr/>
+          <a:lstStyle/>
+          <a:p>
+            <a:r>
+              <a:rPr lang="en-US" altLang="ko-KR" dirty="0" smtClean="0"/>
+              <a:t>Admin – </a:t>
+            </a:r>
+            <a:r>
+              <a:rPr lang="ko-KR" altLang="en-US" dirty="0" smtClean="0"/>
+              <a:t>인력계획 화면</a:t>
+            </a:r>
+            <a:endParaRPr lang="ko-KR" altLang="en-US" dirty="0"/>
+          </a:p>
+        </p:txBody>
+      </p:sp>
+      <p:sp>
+        <p:nvSpPr>
+          <p:cNvPr id="4" name="직사각형 3"/>
+          <p:cNvSpPr/>
+          <p:nvPr/>
+        </p:nvSpPr>
+        <p:spPr>
+          <a:xfrm>
+            <a:off x="467544" y="1628800"/>
+            <a:ext cx="8208912" cy="4464496"/>
+          </a:xfrm>
+          <a:prstGeom prst="rect">
+            <a:avLst/>
+          </a:prstGeom>
+          <a:noFill/>
+          <a:ln>
+            <a:solidFill>
+              <a:schemeClr val="tx1"/>
+            </a:solidFill>
+          </a:ln>
+        </p:spPr>
+        <p:style>
+          <a:lnRef idx="2">
+            <a:schemeClr val="accent1">
+              <a:shade val="50000"/>
+            </a:schemeClr>
+          </a:lnRef>
+          <a:fillRef idx="1">
+            <a:schemeClr val="accent1"/>
+          </a:fillRef>
+          <a:effectRef idx="0">
+            <a:schemeClr val="accent1"/>
+          </a:effectRef>
+          <a:fontRef idx="minor">
+            <a:schemeClr val="lt1"/>
+          </a:fontRef>
+        </p:style>
+        <p:txBody>
+          <a:bodyPr rtlCol="0" anchor="ctr"/>
+          <a:lstStyle/>
+          <a:p>
+            <a:pPr algn="ctr"/>
+            <a:endParaRPr lang="ko-KR" altLang="en-US"/>
+          </a:p>
+        </p:txBody>
+      </p:sp>
+      <p:sp>
+        <p:nvSpPr>
+          <p:cNvPr id="5" name="직사각형 4"/>
+          <p:cNvSpPr/>
+          <p:nvPr/>
+        </p:nvSpPr>
+        <p:spPr>
+          <a:xfrm>
+            <a:off x="467544" y="1628800"/>
+            <a:ext cx="8208912" cy="540060"/>
+          </a:xfrm>
+          <a:prstGeom prst="rect">
+            <a:avLst/>
+          </a:prstGeom>
+          <a:noFill/>
+          <a:ln>
+            <a:solidFill>
+              <a:schemeClr val="tx1"/>
+            </a:solidFill>
+          </a:ln>
+        </p:spPr>
+        <p:style>
+          <a:lnRef idx="2">
+            <a:schemeClr val="accent1">
+              <a:shade val="50000"/>
+            </a:schemeClr>
+          </a:lnRef>
+          <a:fillRef idx="1">
+            <a:schemeClr val="accent1"/>
+          </a:fillRef>
+          <a:effectRef idx="0">
+            <a:schemeClr val="accent1"/>
+          </a:effectRef>
+          <a:fontRef idx="minor">
+            <a:schemeClr val="lt1"/>
+          </a:fontRef>
+        </p:style>
+        <p:txBody>
+          <a:bodyPr rtlCol="0" anchor="ctr"/>
+          <a:lstStyle/>
+          <a:p>
+            <a:pPr algn="ctr"/>
+            <a:endParaRPr lang="ko-KR" altLang="en-US"/>
+          </a:p>
+        </p:txBody>
+      </p:sp>
+      <p:sp>
+        <p:nvSpPr>
+          <p:cNvPr id="6" name="직사각형 5"/>
+          <p:cNvSpPr/>
+          <p:nvPr/>
+        </p:nvSpPr>
+        <p:spPr>
+          <a:xfrm>
+            <a:off x="467544" y="2168860"/>
+            <a:ext cx="1296144" cy="3924436"/>
+          </a:xfrm>
+          <a:prstGeom prst="rect">
+            <a:avLst/>
+          </a:prstGeom>
+          <a:noFill/>
+          <a:ln>
+            <a:solidFill>
+              <a:schemeClr val="tx1"/>
+            </a:solidFill>
+          </a:ln>
+        </p:spPr>
+        <p:style>
+          <a:lnRef idx="2">
+            <a:schemeClr val="accent1">
+              <a:shade val="50000"/>
+            </a:schemeClr>
+          </a:lnRef>
+          <a:fillRef idx="1">
+            <a:schemeClr val="accent1"/>
+          </a:fillRef>
+          <a:effectRef idx="0">
+            <a:schemeClr val="accent1"/>
+          </a:effectRef>
+          <a:fontRef idx="minor">
+            <a:schemeClr val="lt1"/>
+          </a:fontRef>
+        </p:style>
+        <p:txBody>
+          <a:bodyPr rtlCol="0" anchor="ctr"/>
+          <a:lstStyle/>
+          <a:p>
+            <a:pPr algn="ctr"/>
+            <a:endParaRPr lang="ko-KR" altLang="en-US"/>
+          </a:p>
+        </p:txBody>
+      </p:sp>
+      <p:sp>
+        <p:nvSpPr>
+          <p:cNvPr id="17" name="직사각형 16"/>
+          <p:cNvSpPr/>
+          <p:nvPr/>
+        </p:nvSpPr>
+        <p:spPr>
+          <a:xfrm>
+            <a:off x="7092280" y="1628800"/>
+            <a:ext cx="1584176" cy="540060"/>
+          </a:xfrm>
+          <a:prstGeom prst="rect">
+            <a:avLst/>
+          </a:prstGeom>
+          <a:noFill/>
+        </p:spPr>
+        <p:style>
+          <a:lnRef idx="2">
+            <a:schemeClr val="accent1">
+              <a:shade val="50000"/>
+            </a:schemeClr>
+          </a:lnRef>
+          <a:fillRef idx="1">
+            <a:schemeClr val="accent1"/>
+          </a:fillRef>
+          <a:effectRef idx="0">
+            <a:schemeClr val="accent1"/>
+          </a:effectRef>
+          <a:fontRef idx="minor">
+            <a:schemeClr val="lt1"/>
+          </a:fontRef>
+        </p:style>
+        <p:txBody>
+          <a:bodyPr rtlCol="0" anchor="ctr"/>
+          <a:lstStyle/>
+          <a:p>
+            <a:pPr algn="ctr"/>
+            <a:endParaRPr lang="ko-KR" altLang="en-US"/>
+          </a:p>
+        </p:txBody>
+      </p:sp>
+      <p:sp>
+        <p:nvSpPr>
+          <p:cNvPr id="18" name="TextBox 17"/>
+          <p:cNvSpPr txBox="1"/>
+          <p:nvPr/>
+        </p:nvSpPr>
+        <p:spPr>
+          <a:xfrm>
+            <a:off x="6732240" y="813312"/>
+            <a:ext cx="1944216" cy="738664"/>
+          </a:xfrm>
+          <a:prstGeom prst="rect">
+            <a:avLst/>
+          </a:prstGeom>
+          <a:noFill/>
+        </p:spPr>
+        <p:txBody>
+          <a:bodyPr wrap="square" rtlCol="0">
+            <a:spAutoFit/>
+          </a:bodyPr>
+          <a:lstStyle/>
+          <a:p>
+            <a:r>
+              <a:rPr lang="en-US" altLang="ko-KR" sz="1400" dirty="0" smtClean="0"/>
+              <a:t>-</a:t>
+            </a:r>
+            <a:r>
+              <a:rPr lang="ko-KR" altLang="en-US" sz="1400" dirty="0" smtClean="0"/>
+              <a:t>로그인</a:t>
+            </a:r>
+            <a:r>
+              <a:rPr lang="en-US" altLang="ko-KR" sz="1400" dirty="0" smtClean="0"/>
+              <a:t>/</a:t>
+            </a:r>
+            <a:r>
+              <a:rPr lang="ko-KR" altLang="en-US" sz="1400" dirty="0" smtClean="0"/>
+              <a:t>회원가입</a:t>
+            </a:r>
+            <a:endParaRPr lang="en-US" altLang="ko-KR" sz="1400" dirty="0" smtClean="0"/>
+          </a:p>
+          <a:p>
+            <a:r>
+              <a:rPr lang="en-US" altLang="ko-KR" sz="1400" dirty="0" smtClean="0"/>
+              <a:t>-</a:t>
+            </a:r>
+            <a:r>
+              <a:rPr lang="ko-KR" altLang="en-US" sz="1400" dirty="0" err="1" smtClean="0"/>
+              <a:t>로그인된</a:t>
+            </a:r>
+            <a:r>
+              <a:rPr lang="ko-KR" altLang="en-US" sz="1400" dirty="0" smtClean="0"/>
+              <a:t> 회원정보</a:t>
+            </a:r>
+            <a:r>
+              <a:rPr lang="en-US" altLang="ko-KR" sz="1400" dirty="0" smtClean="0"/>
+              <a:t/>
+            </a:r>
+            <a:br>
+              <a:rPr lang="en-US" altLang="ko-KR" sz="1400" dirty="0" smtClean="0"/>
+            </a:br>
+            <a:r>
+              <a:rPr lang="en-US" altLang="ko-KR" sz="1400" dirty="0" smtClean="0"/>
+              <a:t>-</a:t>
+            </a:r>
+            <a:r>
+              <a:rPr lang="ko-KR" altLang="en-US" sz="1400" dirty="0" err="1" smtClean="0"/>
+              <a:t>수신알림</a:t>
+            </a:r>
+            <a:endParaRPr lang="ko-KR" altLang="en-US" sz="1400" dirty="0"/>
+          </a:p>
+        </p:txBody>
+      </p:sp>
+      <p:sp>
+        <p:nvSpPr>
+          <p:cNvPr id="10" name="직사각형 9"/>
+          <p:cNvSpPr/>
+          <p:nvPr/>
+        </p:nvSpPr>
+        <p:spPr>
+          <a:xfrm>
+            <a:off x="4067944" y="2564904"/>
+            <a:ext cx="4176464" cy="3096344"/>
+          </a:xfrm>
+          <a:prstGeom prst="rect">
+            <a:avLst/>
+          </a:prstGeom>
+          <a:noFill/>
+        </p:spPr>
+        <p:style>
+          <a:lnRef idx="2">
+            <a:schemeClr val="accent1">
+              <a:shade val="50000"/>
+            </a:schemeClr>
+          </a:lnRef>
+          <a:fillRef idx="1">
+            <a:schemeClr val="accent1"/>
+          </a:fillRef>
+          <a:effectRef idx="0">
+            <a:schemeClr val="accent1"/>
+          </a:effectRef>
+          <a:fontRef idx="minor">
+            <a:schemeClr val="lt1"/>
+          </a:fontRef>
+        </p:style>
+        <p:txBody>
+          <a:bodyPr rtlCol="0" anchor="ctr"/>
+          <a:lstStyle/>
+          <a:p>
+            <a:pPr algn="ctr"/>
+            <a:endParaRPr lang="ko-KR" altLang="en-US"/>
+          </a:p>
+        </p:txBody>
+      </p:sp>
+      <p:sp>
+        <p:nvSpPr>
+          <p:cNvPr id="11" name="직사각형 10"/>
+          <p:cNvSpPr/>
+          <p:nvPr/>
+        </p:nvSpPr>
+        <p:spPr>
+          <a:xfrm>
+            <a:off x="2051720" y="2564904"/>
+            <a:ext cx="1728192" cy="3096344"/>
+          </a:xfrm>
+          <a:prstGeom prst="rect">
+            <a:avLst/>
+          </a:prstGeom>
+          <a:noFill/>
+        </p:spPr>
+        <p:style>
+          <a:lnRef idx="2">
+            <a:schemeClr val="accent1">
+              <a:shade val="50000"/>
+            </a:schemeClr>
+          </a:lnRef>
+          <a:fillRef idx="1">
+            <a:schemeClr val="accent1"/>
+          </a:fillRef>
+          <a:effectRef idx="0">
+            <a:schemeClr val="accent1"/>
+          </a:effectRef>
+          <a:fontRef idx="minor">
+            <a:schemeClr val="lt1"/>
+          </a:fontRef>
+        </p:style>
+        <p:txBody>
+          <a:bodyPr rtlCol="0" anchor="ctr"/>
+          <a:lstStyle/>
+          <a:p>
+            <a:pPr algn="ctr"/>
+            <a:endParaRPr lang="ko-KR" altLang="en-US"/>
+          </a:p>
+        </p:txBody>
+      </p:sp>
+      <p:sp>
+        <p:nvSpPr>
+          <p:cNvPr id="12" name="TextBox 11"/>
+          <p:cNvSpPr txBox="1"/>
+          <p:nvPr/>
+        </p:nvSpPr>
+        <p:spPr>
+          <a:xfrm>
+            <a:off x="2022516" y="2178414"/>
+            <a:ext cx="1728192" cy="261610"/>
+          </a:xfrm>
+          <a:prstGeom prst="rect">
+            <a:avLst/>
+          </a:prstGeom>
+          <a:noFill/>
+        </p:spPr>
+        <p:txBody>
+          <a:bodyPr wrap="square" rtlCol="0">
+            <a:spAutoFit/>
+          </a:bodyPr>
+          <a:lstStyle/>
+          <a:p>
+            <a:r>
+              <a:rPr lang="en-US" altLang="ko-KR" sz="1050" dirty="0" err="1" smtClean="0"/>
+              <a:t>Controll</a:t>
+            </a:r>
+            <a:r>
+              <a:rPr lang="en-US" altLang="ko-KR" sz="1050" dirty="0" smtClean="0"/>
+              <a:t> panel</a:t>
+            </a:r>
+            <a:endParaRPr lang="ko-KR" altLang="en-US" sz="1050" dirty="0"/>
+          </a:p>
+        </p:txBody>
+      </p:sp>
+      <p:sp>
+        <p:nvSpPr>
+          <p:cNvPr id="13" name="TextBox 12"/>
+          <p:cNvSpPr txBox="1"/>
+          <p:nvPr/>
+        </p:nvSpPr>
+        <p:spPr>
+          <a:xfrm>
+            <a:off x="4067944" y="2178414"/>
+            <a:ext cx="2808312" cy="261610"/>
+          </a:xfrm>
+          <a:prstGeom prst="rect">
+            <a:avLst/>
+          </a:prstGeom>
+          <a:noFill/>
+        </p:spPr>
+        <p:txBody>
+          <a:bodyPr wrap="square" rtlCol="0">
+            <a:spAutoFit/>
+          </a:bodyPr>
+          <a:lstStyle/>
+          <a:p>
+            <a:r>
+              <a:rPr lang="en-US" altLang="ko-KR" sz="1100" dirty="0" smtClean="0"/>
+              <a:t>Calendar</a:t>
+            </a:r>
+            <a:endParaRPr lang="ko-KR" altLang="en-US" sz="1100" dirty="0"/>
+          </a:p>
+        </p:txBody>
+      </p:sp>
+      <p:sp>
+        <p:nvSpPr>
+          <p:cNvPr id="8" name="TextBox 7"/>
+          <p:cNvSpPr txBox="1"/>
+          <p:nvPr/>
+        </p:nvSpPr>
+        <p:spPr>
+          <a:xfrm>
+            <a:off x="4139952" y="2713575"/>
+            <a:ext cx="4079510" cy="2246769"/>
+          </a:xfrm>
+          <a:prstGeom prst="rect">
+            <a:avLst/>
+          </a:prstGeom>
+          <a:noFill/>
+        </p:spPr>
+        <p:txBody>
+          <a:bodyPr wrap="square" rtlCol="0">
+            <a:spAutoFit/>
+          </a:bodyPr>
+          <a:lstStyle/>
+          <a:p>
+            <a:pPr marL="228600" indent="-228600">
+              <a:buAutoNum type="arabicPeriod"/>
+            </a:pPr>
+            <a:r>
+              <a:rPr lang="en-US" altLang="ko-KR" sz="1000" dirty="0" smtClean="0"/>
+              <a:t>Default</a:t>
+            </a:r>
+            <a:r>
+              <a:rPr lang="ko-KR" altLang="en-US" sz="1000" dirty="0" smtClean="0"/>
+              <a:t>로 저장된 지난달의 인력계획 정보를 읽어와  표시</a:t>
+            </a:r>
+            <a:r>
+              <a:rPr lang="en-US" altLang="ko-KR" sz="1000" dirty="0" smtClean="0"/>
+              <a:t>.</a:t>
+            </a:r>
+          </a:p>
+          <a:p>
+            <a:r>
+              <a:rPr lang="en-US" altLang="ko-KR" sz="1000" dirty="0"/>
+              <a:t>  </a:t>
+            </a:r>
+            <a:r>
+              <a:rPr lang="en-US" altLang="ko-KR" sz="1000" dirty="0" smtClean="0"/>
+              <a:t>  - </a:t>
+            </a:r>
+            <a:r>
+              <a:rPr lang="ko-KR" altLang="en-US" sz="1000" dirty="0" err="1" smtClean="0"/>
+              <a:t>몇번째</a:t>
+            </a:r>
+            <a:r>
+              <a:rPr lang="ko-KR" altLang="en-US" sz="1000" dirty="0" smtClean="0"/>
+              <a:t> 주의 </a:t>
+            </a:r>
+            <a:r>
+              <a:rPr lang="ko-KR" altLang="en-US" sz="1000" dirty="0" err="1" smtClean="0"/>
+              <a:t>무슨요일에</a:t>
+            </a:r>
+            <a:r>
+              <a:rPr lang="ko-KR" altLang="en-US" sz="1000" dirty="0" smtClean="0"/>
+              <a:t> 시간대별로 몇 명의 인원이 필요한지</a:t>
+            </a:r>
+            <a:endParaRPr lang="en-US" altLang="ko-KR" sz="1000" dirty="0" smtClean="0"/>
+          </a:p>
+          <a:p>
+            <a:r>
+              <a:rPr lang="en-US" altLang="ko-KR" sz="1000" dirty="0"/>
+              <a:t> </a:t>
+            </a:r>
+            <a:r>
+              <a:rPr lang="en-US" altLang="ko-KR" sz="1000" dirty="0" smtClean="0"/>
+              <a:t>   - </a:t>
+            </a:r>
+            <a:r>
+              <a:rPr lang="ko-KR" altLang="en-US" sz="1000" dirty="0" err="1" smtClean="0"/>
+              <a:t>렌더링</a:t>
+            </a:r>
+            <a:r>
+              <a:rPr lang="en-US" altLang="ko-KR" sz="1000" dirty="0" smtClean="0"/>
+              <a:t>(</a:t>
+            </a:r>
+            <a:r>
+              <a:rPr lang="ko-KR" altLang="en-US" sz="1000" dirty="0" smtClean="0"/>
+              <a:t>캘린더에 이벤트 표시</a:t>
+            </a:r>
+            <a:r>
+              <a:rPr lang="en-US" altLang="ko-KR" sz="1000" dirty="0" smtClean="0"/>
+              <a:t>)</a:t>
+            </a:r>
+            <a:r>
+              <a:rPr lang="ko-KR" altLang="en-US" sz="1000" dirty="0" smtClean="0"/>
+              <a:t>과정에서  해당 월의 날짜가</a:t>
+            </a:r>
+            <a:endParaRPr lang="en-US" altLang="ko-KR" sz="1000" dirty="0" smtClean="0"/>
+          </a:p>
+          <a:p>
+            <a:r>
+              <a:rPr lang="en-US" altLang="ko-KR" sz="1000" dirty="0"/>
+              <a:t> </a:t>
+            </a:r>
+            <a:r>
+              <a:rPr lang="en-US" altLang="ko-KR" sz="1000" dirty="0" smtClean="0"/>
+              <a:t>     </a:t>
+            </a:r>
+            <a:r>
+              <a:rPr lang="ko-KR" altLang="en-US" sz="1000" dirty="0" err="1" smtClean="0"/>
+              <a:t>아닌경우는</a:t>
+            </a:r>
+            <a:r>
+              <a:rPr lang="ko-KR" altLang="en-US" sz="1000" dirty="0" smtClean="0"/>
+              <a:t>  삭제</a:t>
+            </a:r>
+            <a:r>
+              <a:rPr lang="en-US" altLang="ko-KR" sz="1000" dirty="0" smtClean="0"/>
+              <a:t>.</a:t>
+            </a:r>
+            <a:r>
+              <a:rPr lang="ko-KR" altLang="en-US" sz="1000" dirty="0" smtClean="0"/>
+              <a:t> </a:t>
+            </a:r>
+            <a:endParaRPr lang="en-US" altLang="ko-KR" sz="1000" dirty="0" smtClean="0"/>
+          </a:p>
+          <a:p>
+            <a:endParaRPr lang="en-US" altLang="ko-KR" sz="1000" dirty="0"/>
+          </a:p>
+          <a:p>
+            <a:r>
+              <a:rPr lang="en-US" altLang="ko-KR" sz="1000" dirty="0" smtClean="0"/>
+              <a:t>2.  </a:t>
+            </a:r>
+            <a:r>
+              <a:rPr lang="ko-KR" altLang="en-US" sz="1000" dirty="0" smtClean="0"/>
+              <a:t>정보의 </a:t>
+            </a:r>
+            <a:r>
+              <a:rPr lang="ko-KR" altLang="en-US" sz="1000" dirty="0" err="1" smtClean="0"/>
+              <a:t>초과분</a:t>
+            </a:r>
+            <a:r>
+              <a:rPr lang="ko-KR" altLang="en-US" sz="1000" dirty="0" smtClean="0"/>
+              <a:t> 부족분 해결방법</a:t>
+            </a:r>
+            <a:r>
+              <a:rPr lang="en-US" altLang="ko-KR" sz="1000" dirty="0" smtClean="0"/>
+              <a:t>.</a:t>
+            </a:r>
+          </a:p>
+          <a:p>
+            <a:r>
+              <a:rPr lang="en-US" altLang="ko-KR" sz="1000" dirty="0"/>
+              <a:t> </a:t>
+            </a:r>
+            <a:r>
+              <a:rPr lang="en-US" altLang="ko-KR" sz="1000" dirty="0" smtClean="0"/>
+              <a:t>   - </a:t>
+            </a:r>
+            <a:r>
+              <a:rPr lang="ko-KR" altLang="en-US" sz="1000" dirty="0" smtClean="0"/>
+              <a:t>읽어올 정보의 날짜보다 긴 경우는 표시과정에서 </a:t>
+            </a:r>
+            <a:endParaRPr lang="en-US" altLang="ko-KR" sz="1000" dirty="0" smtClean="0"/>
+          </a:p>
+          <a:p>
+            <a:r>
+              <a:rPr lang="en-US" altLang="ko-KR" sz="1000" dirty="0"/>
+              <a:t> </a:t>
+            </a:r>
+            <a:r>
+              <a:rPr lang="en-US" altLang="ko-KR" sz="1000" dirty="0" smtClean="0"/>
+              <a:t>     </a:t>
+            </a:r>
+            <a:r>
+              <a:rPr lang="ko-KR" altLang="en-US" sz="1000" dirty="0" smtClean="0"/>
+              <a:t>날짜를 검색하여 해당 월이 </a:t>
+            </a:r>
+            <a:r>
+              <a:rPr lang="ko-KR" altLang="en-US" sz="1000" dirty="0" err="1" smtClean="0"/>
+              <a:t>아닌경우는</a:t>
+            </a:r>
+            <a:r>
+              <a:rPr lang="ko-KR" altLang="en-US" sz="1000" dirty="0" smtClean="0"/>
+              <a:t> 삭제</a:t>
+            </a:r>
+            <a:r>
+              <a:rPr lang="en-US" altLang="ko-KR" sz="1000" dirty="0" smtClean="0"/>
+              <a:t>.</a:t>
+            </a:r>
+          </a:p>
+          <a:p>
+            <a:r>
+              <a:rPr lang="en-US" altLang="ko-KR" sz="1000" dirty="0"/>
+              <a:t> </a:t>
+            </a:r>
+            <a:r>
+              <a:rPr lang="en-US" altLang="ko-KR" sz="1000" dirty="0" smtClean="0"/>
+              <a:t>   - </a:t>
+            </a:r>
+            <a:r>
+              <a:rPr lang="ko-KR" altLang="en-US" sz="1000" dirty="0" smtClean="0"/>
+              <a:t>읽어올 정보의 날짜보다 해당 월이 짧은 경우는 정보의 </a:t>
+            </a:r>
+            <a:r>
+              <a:rPr lang="ko-KR" altLang="en-US" sz="1000" dirty="0" err="1" smtClean="0"/>
+              <a:t>첫번째</a:t>
+            </a:r>
+            <a:endParaRPr lang="en-US" altLang="ko-KR" sz="1000" dirty="0" smtClean="0"/>
+          </a:p>
+          <a:p>
+            <a:r>
+              <a:rPr lang="en-US" altLang="ko-KR" sz="1000" dirty="0"/>
+              <a:t> </a:t>
+            </a:r>
+            <a:r>
+              <a:rPr lang="en-US" altLang="ko-KR" sz="1000" dirty="0" smtClean="0"/>
+              <a:t>     </a:t>
+            </a:r>
+            <a:r>
+              <a:rPr lang="ko-KR" altLang="en-US" sz="1000" dirty="0" smtClean="0"/>
+              <a:t>부터 읽어 해당요일을 찾아 모자란 부분을 보충</a:t>
+            </a:r>
+            <a:r>
+              <a:rPr lang="en-US" altLang="ko-KR" sz="1000" dirty="0" smtClean="0"/>
+              <a:t>.</a:t>
+            </a:r>
+            <a:r>
+              <a:rPr lang="ko-KR" altLang="en-US" sz="1000" dirty="0" smtClean="0"/>
+              <a:t> </a:t>
+            </a:r>
+            <a:endParaRPr lang="en-US" altLang="ko-KR" sz="1000" dirty="0" smtClean="0"/>
+          </a:p>
+          <a:p>
+            <a:r>
+              <a:rPr lang="en-US" altLang="ko-KR" sz="1000" dirty="0"/>
+              <a:t> </a:t>
+            </a:r>
+            <a:r>
+              <a:rPr lang="en-US" altLang="ko-KR" sz="1000" dirty="0" smtClean="0"/>
+              <a:t>   - **</a:t>
+            </a:r>
+            <a:r>
+              <a:rPr lang="ko-KR" altLang="en-US" sz="1000" dirty="0" smtClean="0"/>
+              <a:t>보충된 부분은 시각적으로 표시할 것</a:t>
+            </a:r>
+            <a:r>
+              <a:rPr lang="en-US" altLang="ko-KR" sz="1000" dirty="0" smtClean="0"/>
+              <a:t>.</a:t>
+            </a:r>
+          </a:p>
+          <a:p>
+            <a:endParaRPr lang="en-US" altLang="ko-KR" sz="1000" dirty="0"/>
+          </a:p>
+          <a:p>
+            <a:endParaRPr lang="en-US" altLang="ko-KR" sz="1000" dirty="0" smtClean="0"/>
+          </a:p>
+          <a:p>
+            <a:pPr marL="228600" indent="-228600">
+              <a:buAutoNum type="arabicPeriod"/>
+            </a:pPr>
+            <a:endParaRPr lang="ko-KR" altLang="en-US" sz="1000" dirty="0"/>
+          </a:p>
+        </p:txBody>
+      </p:sp>
+      <p:sp>
+        <p:nvSpPr>
+          <p:cNvPr id="9" name="TextBox 8"/>
+          <p:cNvSpPr txBox="1"/>
+          <p:nvPr/>
+        </p:nvSpPr>
+        <p:spPr>
+          <a:xfrm>
+            <a:off x="2037118" y="3043308"/>
+            <a:ext cx="1698988" cy="1785104"/>
+          </a:xfrm>
+          <a:prstGeom prst="rect">
+            <a:avLst/>
+          </a:prstGeom>
+          <a:noFill/>
+        </p:spPr>
+        <p:txBody>
+          <a:bodyPr wrap="square" rtlCol="0">
+            <a:spAutoFit/>
+          </a:bodyPr>
+          <a:lstStyle/>
+          <a:p>
+            <a:r>
+              <a:rPr lang="en-US" altLang="ko-KR" sz="1000" dirty="0" smtClean="0"/>
+              <a:t>3. </a:t>
+            </a:r>
+            <a:r>
+              <a:rPr lang="ko-KR" altLang="en-US" sz="1000" dirty="0" smtClean="0"/>
+              <a:t>시간대가 입력된 이벤트 바를 만드는 기능</a:t>
+            </a:r>
+            <a:endParaRPr lang="en-US" altLang="ko-KR" sz="1000" dirty="0" smtClean="0"/>
+          </a:p>
+          <a:p>
+            <a:endParaRPr lang="en-US" altLang="ko-KR" sz="1000" dirty="0"/>
+          </a:p>
+          <a:p>
+            <a:r>
+              <a:rPr lang="en-US" altLang="ko-KR" sz="1000" dirty="0" smtClean="0"/>
+              <a:t>4. </a:t>
+            </a:r>
+            <a:r>
+              <a:rPr lang="ko-KR" altLang="en-US" sz="1000" dirty="0" smtClean="0"/>
+              <a:t>시간대가 입력된 바를 선택하는 기능</a:t>
+            </a:r>
+            <a:endParaRPr lang="en-US" altLang="ko-KR" sz="1000" dirty="0" smtClean="0"/>
+          </a:p>
+          <a:p>
+            <a:endParaRPr lang="en-US" altLang="ko-KR" sz="1000" dirty="0"/>
+          </a:p>
+          <a:p>
+            <a:r>
+              <a:rPr lang="en-US" altLang="ko-KR" sz="1000" dirty="0" smtClean="0"/>
+              <a:t>5. </a:t>
+            </a:r>
+            <a:r>
+              <a:rPr lang="ko-KR" altLang="en-US" sz="1000" dirty="0" smtClean="0"/>
+              <a:t>시간대가 입력된 바를 선택 시 필요인원을 선택하는 버튼 </a:t>
+            </a:r>
+            <a:r>
+              <a:rPr lang="en-US" altLang="ko-KR" sz="1000" dirty="0" smtClean="0"/>
+              <a:t>or list</a:t>
+            </a:r>
+            <a:r>
+              <a:rPr lang="ko-KR" altLang="en-US" sz="1000" dirty="0" smtClean="0"/>
+              <a:t>필요</a:t>
+            </a:r>
+            <a:r>
+              <a:rPr lang="en-US" altLang="ko-KR" sz="1000" dirty="0" smtClean="0"/>
+              <a:t>.</a:t>
+            </a:r>
+          </a:p>
+          <a:p>
+            <a:endParaRPr lang="en-US" altLang="ko-KR" sz="1000" dirty="0"/>
+          </a:p>
+          <a:p>
+            <a:endParaRPr lang="ko-KR" altLang="en-US" sz="1000" dirty="0"/>
+          </a:p>
+        </p:txBody>
+      </p:sp>
+      <p:sp>
+        <p:nvSpPr>
+          <p:cNvPr id="14" name="TextBox 13"/>
+          <p:cNvSpPr txBox="1"/>
+          <p:nvPr/>
+        </p:nvSpPr>
+        <p:spPr>
+          <a:xfrm>
+            <a:off x="251520" y="3728111"/>
+            <a:ext cx="1656184" cy="577081"/>
+          </a:xfrm>
+          <a:prstGeom prst="rect">
+            <a:avLst/>
+          </a:prstGeom>
+          <a:noFill/>
+        </p:spPr>
+        <p:txBody>
+          <a:bodyPr wrap="square" rtlCol="0">
+            <a:spAutoFit/>
+          </a:bodyPr>
+          <a:lstStyle/>
+          <a:p>
+            <a:r>
+              <a:rPr lang="en-US" altLang="ko-KR" sz="1050" dirty="0" smtClean="0"/>
+              <a:t>4,5</a:t>
+            </a:r>
+            <a:r>
+              <a:rPr lang="ko-KR" altLang="en-US" sz="1050" dirty="0" smtClean="0"/>
+              <a:t>를 합쳐서 게이지 바로 이벤트 바를 생성</a:t>
+            </a:r>
+            <a:r>
+              <a:rPr lang="en-US" altLang="ko-KR" sz="1050" dirty="0" smtClean="0"/>
+              <a:t>.</a:t>
+            </a:r>
+          </a:p>
+          <a:p>
+            <a:r>
+              <a:rPr lang="ko-KR" altLang="en-US" sz="1050" dirty="0" smtClean="0"/>
+              <a:t>게이지로 인원 선택</a:t>
+            </a:r>
+            <a:r>
+              <a:rPr lang="en-US" altLang="ko-KR" sz="1050" dirty="0" smtClean="0"/>
+              <a:t>.</a:t>
+            </a:r>
+            <a:r>
+              <a:rPr lang="ko-KR" altLang="en-US" sz="1050" dirty="0" smtClean="0"/>
+              <a:t> </a:t>
+            </a:r>
+            <a:endParaRPr lang="ko-KR" altLang="en-US" sz="1050" dirty="0"/>
+          </a:p>
+        </p:txBody>
+      </p:sp>
+      <p:sp>
+        <p:nvSpPr>
+          <p:cNvPr id="15" name="TextBox 14"/>
+          <p:cNvSpPr txBox="1"/>
+          <p:nvPr/>
+        </p:nvSpPr>
+        <p:spPr>
+          <a:xfrm>
+            <a:off x="4139952" y="4653136"/>
+            <a:ext cx="3888432" cy="553998"/>
+          </a:xfrm>
+          <a:prstGeom prst="rect">
+            <a:avLst/>
+          </a:prstGeom>
+          <a:noFill/>
+        </p:spPr>
+        <p:txBody>
+          <a:bodyPr wrap="square" rtlCol="0">
+            <a:spAutoFit/>
+          </a:bodyPr>
+          <a:lstStyle/>
+          <a:p>
+            <a:r>
+              <a:rPr lang="en-US" altLang="ko-KR" sz="1000" dirty="0" smtClean="0"/>
+              <a:t>6. </a:t>
+            </a:r>
+            <a:r>
+              <a:rPr lang="ko-KR" altLang="en-US" sz="1000" dirty="0" smtClean="0"/>
+              <a:t>날짜 클릭이나 드래그로 긁어 선택한 시간대의 이벤트 생성</a:t>
+            </a:r>
+            <a:r>
+              <a:rPr lang="en-US" altLang="ko-KR" sz="1000" dirty="0" smtClean="0"/>
+              <a:t>.</a:t>
+            </a:r>
+          </a:p>
+          <a:p>
+            <a:endParaRPr lang="en-US" altLang="ko-KR" sz="1000" dirty="0"/>
+          </a:p>
+          <a:p>
+            <a:r>
+              <a:rPr lang="en-US" altLang="ko-KR" sz="1000" dirty="0" smtClean="0"/>
+              <a:t>7. </a:t>
+            </a:r>
+            <a:r>
+              <a:rPr lang="ko-KR" altLang="en-US" sz="1000" dirty="0" smtClean="0"/>
+              <a:t>생성된 이벤트를 클릭하면 삭제</a:t>
+            </a:r>
+            <a:r>
+              <a:rPr lang="en-US" altLang="ko-KR" sz="1000" dirty="0" smtClean="0"/>
+              <a:t>.</a:t>
+            </a:r>
+            <a:endParaRPr lang="ko-KR" altLang="en-US" sz="1000" dirty="0"/>
+          </a:p>
+        </p:txBody>
+      </p:sp>
+    </p:spTree>
+    <p:extLst>
+      <p:ext uri="{BB962C8B-B14F-4D97-AF65-F5344CB8AC3E}">
+        <p14:creationId xmlns:p14="http://schemas.microsoft.com/office/powerpoint/2010/main" val="2219734798"/>
+      </p:ext>
+    </p:extLst>
+  </p:cSld>
+  <p:clrMapOvr>
+    <a:masterClrMapping/>
+  </p:clrMapOvr>
+</p:sld>
+</file>
+
+<file path=ppt/slides/slide9.xml><?xml version="1.0" encoding="utf-8"?>
+<p:sld xmlns:a="http://schemas.openxmlformats.org/drawingml/2006/main" xmlns:r="http://schemas.openxmlformats.org/officeDocument/2006/relationships" xmlns:p="http://schemas.openxmlformats.org/presentationml/2006/main">
+  <p:cSld>
+    <p:spTree>
+      <p:nvGrpSpPr>
+        <p:cNvPr id="1" name=""/>
+        <p:cNvGrpSpPr/>
+        <p:nvPr/>
+      </p:nvGrpSpPr>
+      <p:grpSpPr>
+        <a:xfrm>
+          <a:off x="0" y="0"/>
+          <a:ext cx="0" cy="0"/>
+          <a:chOff x="0" y="0"/>
+          <a:chExt cx="0" cy="0"/>
+        </a:xfrm>
+      </p:grpSpPr>
+      <p:sp>
+        <p:nvSpPr>
+          <p:cNvPr id="2" name="제목 1"/>
+          <p:cNvSpPr>
+            <a:spLocks noGrp="1"/>
+          </p:cNvSpPr>
+          <p:nvPr>
+            <p:ph type="title"/>
+          </p:nvPr>
+        </p:nvSpPr>
+        <p:spPr/>
+        <p:txBody>
+          <a:bodyPr/>
+          <a:lstStyle/>
+          <a:p>
+            <a:r>
+              <a:rPr lang="en-US" altLang="ko-KR" dirty="0" smtClean="0"/>
+              <a:t>Admin – </a:t>
+            </a:r>
+            <a:r>
+              <a:rPr lang="ko-KR" altLang="en-US" dirty="0" smtClean="0"/>
+              <a:t>승인화면</a:t>
+            </a:r>
+            <a:endParaRPr lang="ko-KR" altLang="en-US" dirty="0"/>
+          </a:p>
+        </p:txBody>
+      </p:sp>
+      <p:sp>
+        <p:nvSpPr>
+          <p:cNvPr id="4" name="직사각형 3"/>
+          <p:cNvSpPr/>
+          <p:nvPr/>
+        </p:nvSpPr>
+        <p:spPr>
+          <a:xfrm>
+            <a:off x="467544" y="1628800"/>
+            <a:ext cx="8208912" cy="4464496"/>
+          </a:xfrm>
+          <a:prstGeom prst="rect">
+            <a:avLst/>
+          </a:prstGeom>
+          <a:noFill/>
+          <a:ln>
+            <a:solidFill>
+              <a:schemeClr val="tx1"/>
+            </a:solidFill>
+          </a:ln>
+        </p:spPr>
+        <p:style>
+          <a:lnRef idx="2">
+            <a:schemeClr val="accent1">
+              <a:shade val="50000"/>
+            </a:schemeClr>
+          </a:lnRef>
+          <a:fillRef idx="1">
+            <a:schemeClr val="accent1"/>
+          </a:fillRef>
+          <a:effectRef idx="0">
+            <a:schemeClr val="accent1"/>
+          </a:effectRef>
+          <a:fontRef idx="minor">
+            <a:schemeClr val="lt1"/>
+          </a:fontRef>
+        </p:style>
+        <p:txBody>
+          <a:bodyPr rtlCol="0" anchor="ctr"/>
+          <a:lstStyle/>
+          <a:p>
+            <a:pPr algn="ctr"/>
+            <a:endParaRPr lang="ko-KR" altLang="en-US"/>
+          </a:p>
+        </p:txBody>
+      </p:sp>
+      <p:sp>
+        <p:nvSpPr>
+          <p:cNvPr id="5" name="직사각형 4"/>
+          <p:cNvSpPr/>
+          <p:nvPr/>
+        </p:nvSpPr>
+        <p:spPr>
+          <a:xfrm>
+            <a:off x="467544" y="1628800"/>
+            <a:ext cx="8208912" cy="540060"/>
+          </a:xfrm>
+          <a:prstGeom prst="rect">
+            <a:avLst/>
+          </a:prstGeom>
+          <a:noFill/>
+          <a:ln>
+            <a:solidFill>
+              <a:schemeClr val="tx1"/>
+            </a:solidFill>
+          </a:ln>
+        </p:spPr>
+        <p:style>
+          <a:lnRef idx="2">
+            <a:schemeClr val="accent1">
+              <a:shade val="50000"/>
+            </a:schemeClr>
+          </a:lnRef>
+          <a:fillRef idx="1">
+            <a:schemeClr val="accent1"/>
+          </a:fillRef>
+          <a:effectRef idx="0">
+            <a:schemeClr val="accent1"/>
+          </a:effectRef>
+          <a:fontRef idx="minor">
+            <a:schemeClr val="lt1"/>
+          </a:fontRef>
+        </p:style>
+        <p:txBody>
+          <a:bodyPr rtlCol="0" anchor="ctr"/>
+          <a:lstStyle/>
+          <a:p>
+            <a:pPr algn="ctr"/>
+            <a:endParaRPr lang="ko-KR" altLang="en-US"/>
+          </a:p>
+        </p:txBody>
+      </p:sp>
+      <p:sp>
+        <p:nvSpPr>
+          <p:cNvPr id="6" name="직사각형 5"/>
+          <p:cNvSpPr/>
+          <p:nvPr/>
+        </p:nvSpPr>
+        <p:spPr>
+          <a:xfrm>
+            <a:off x="467544" y="2168860"/>
+            <a:ext cx="1296144" cy="3924436"/>
+          </a:xfrm>
+          <a:prstGeom prst="rect">
+            <a:avLst/>
+          </a:prstGeom>
+          <a:noFill/>
+          <a:ln>
+            <a:solidFill>
+              <a:schemeClr val="tx1"/>
+            </a:solidFill>
+          </a:ln>
+        </p:spPr>
+        <p:style>
+          <a:lnRef idx="2">
+            <a:schemeClr val="accent1">
+              <a:shade val="50000"/>
+            </a:schemeClr>
+          </a:lnRef>
+          <a:fillRef idx="1">
+            <a:schemeClr val="accent1"/>
+          </a:fillRef>
+          <a:effectRef idx="0">
+            <a:schemeClr val="accent1"/>
+          </a:effectRef>
+          <a:fontRef idx="minor">
+            <a:schemeClr val="lt1"/>
+          </a:fontRef>
+        </p:style>
+        <p:txBody>
+          <a:bodyPr rtlCol="0" anchor="ctr"/>
+          <a:lstStyle/>
+          <a:p>
+            <a:pPr algn="ctr"/>
+            <a:endParaRPr lang="ko-KR" altLang="en-US"/>
+          </a:p>
+        </p:txBody>
+      </p:sp>
+      <p:sp>
+        <p:nvSpPr>
+          <p:cNvPr id="17" name="직사각형 16"/>
+          <p:cNvSpPr/>
+          <p:nvPr/>
+        </p:nvSpPr>
+        <p:spPr>
+          <a:xfrm>
+            <a:off x="7092280" y="1628800"/>
+            <a:ext cx="1584176" cy="540060"/>
+          </a:xfrm>
+          <a:prstGeom prst="rect">
+            <a:avLst/>
+          </a:prstGeom>
+          <a:noFill/>
+        </p:spPr>
+        <p:style>
+          <a:lnRef idx="2">
+            <a:schemeClr val="accent1">
+              <a:shade val="50000"/>
+            </a:schemeClr>
+          </a:lnRef>
+          <a:fillRef idx="1">
+            <a:schemeClr val="accent1"/>
+          </a:fillRef>
+          <a:effectRef idx="0">
+            <a:schemeClr val="accent1"/>
+          </a:effectRef>
+          <a:fontRef idx="minor">
+            <a:schemeClr val="lt1"/>
+          </a:fontRef>
+        </p:style>
+        <p:txBody>
+          <a:bodyPr rtlCol="0" anchor="ctr"/>
+          <a:lstStyle/>
+          <a:p>
+            <a:pPr algn="ctr"/>
+            <a:endParaRPr lang="ko-KR" altLang="en-US"/>
+          </a:p>
+        </p:txBody>
+      </p:sp>
+      <p:sp>
+        <p:nvSpPr>
+          <p:cNvPr id="18" name="TextBox 17"/>
+          <p:cNvSpPr txBox="1"/>
+          <p:nvPr/>
+        </p:nvSpPr>
+        <p:spPr>
+          <a:xfrm>
+            <a:off x="6732240" y="813312"/>
+            <a:ext cx="1944216" cy="738664"/>
+          </a:xfrm>
+          <a:prstGeom prst="rect">
+            <a:avLst/>
+          </a:prstGeom>
+          <a:noFill/>
+        </p:spPr>
+        <p:txBody>
+          <a:bodyPr wrap="square" rtlCol="0">
+            <a:spAutoFit/>
+          </a:bodyPr>
+          <a:lstStyle/>
+          <a:p>
+            <a:r>
+              <a:rPr lang="en-US" altLang="ko-KR" sz="1400" dirty="0" smtClean="0"/>
+              <a:t>-</a:t>
+            </a:r>
+            <a:r>
+              <a:rPr lang="ko-KR" altLang="en-US" sz="1400" dirty="0" smtClean="0"/>
+              <a:t>로그인</a:t>
+            </a:r>
+            <a:r>
+              <a:rPr lang="en-US" altLang="ko-KR" sz="1400" dirty="0" smtClean="0"/>
+              <a:t>/</a:t>
+            </a:r>
+            <a:r>
+              <a:rPr lang="ko-KR" altLang="en-US" sz="1400" dirty="0" smtClean="0"/>
+              <a:t>회원가입</a:t>
+            </a:r>
+            <a:endParaRPr lang="en-US" altLang="ko-KR" sz="1400" dirty="0" smtClean="0"/>
+          </a:p>
+          <a:p>
+            <a:r>
+              <a:rPr lang="en-US" altLang="ko-KR" sz="1400" dirty="0" smtClean="0"/>
+              <a:t>-</a:t>
+            </a:r>
+            <a:r>
+              <a:rPr lang="ko-KR" altLang="en-US" sz="1400" dirty="0" err="1" smtClean="0"/>
+              <a:t>로그인된</a:t>
+            </a:r>
+            <a:r>
+              <a:rPr lang="ko-KR" altLang="en-US" sz="1400" dirty="0" smtClean="0"/>
+              <a:t> 회원정보</a:t>
+            </a:r>
+            <a:r>
+              <a:rPr lang="en-US" altLang="ko-KR" sz="1400" dirty="0" smtClean="0"/>
+              <a:t/>
+            </a:r>
+            <a:br>
+              <a:rPr lang="en-US" altLang="ko-KR" sz="1400" dirty="0" smtClean="0"/>
+            </a:br>
+            <a:r>
+              <a:rPr lang="en-US" altLang="ko-KR" sz="1400" dirty="0" smtClean="0"/>
+              <a:t>-</a:t>
+            </a:r>
+            <a:r>
+              <a:rPr lang="ko-KR" altLang="en-US" sz="1400" dirty="0" err="1" smtClean="0"/>
+              <a:t>수신알림</a:t>
+            </a:r>
+            <a:endParaRPr lang="ko-KR" altLang="en-US" sz="1400" dirty="0"/>
+          </a:p>
+        </p:txBody>
+      </p:sp>
+      <p:sp>
+        <p:nvSpPr>
+          <p:cNvPr id="10" name="직사각형 9"/>
+          <p:cNvSpPr/>
+          <p:nvPr/>
+        </p:nvSpPr>
+        <p:spPr>
+          <a:xfrm>
+            <a:off x="4067944" y="2564904"/>
+            <a:ext cx="4176464" cy="3096344"/>
+          </a:xfrm>
+          <a:prstGeom prst="rect">
+            <a:avLst/>
+          </a:prstGeom>
+          <a:noFill/>
+        </p:spPr>
+        <p:style>
+          <a:lnRef idx="2">
+            <a:schemeClr val="accent1">
+              <a:shade val="50000"/>
+            </a:schemeClr>
+          </a:lnRef>
+          <a:fillRef idx="1">
+            <a:schemeClr val="accent1"/>
+          </a:fillRef>
+          <a:effectRef idx="0">
+            <a:schemeClr val="accent1"/>
+          </a:effectRef>
+          <a:fontRef idx="minor">
+            <a:schemeClr val="lt1"/>
+          </a:fontRef>
+        </p:style>
+        <p:txBody>
+          <a:bodyPr rtlCol="0" anchor="ctr"/>
+          <a:lstStyle/>
+          <a:p>
+            <a:pPr algn="ctr"/>
+            <a:endParaRPr lang="ko-KR" altLang="en-US"/>
+          </a:p>
+        </p:txBody>
+      </p:sp>
+      <p:sp>
+        <p:nvSpPr>
+          <p:cNvPr id="11" name="직사각형 10"/>
+          <p:cNvSpPr/>
+          <p:nvPr/>
+        </p:nvSpPr>
+        <p:spPr>
+          <a:xfrm>
+            <a:off x="2051720" y="2564904"/>
+            <a:ext cx="1728192" cy="3096344"/>
+          </a:xfrm>
+          <a:prstGeom prst="rect">
+            <a:avLst/>
+          </a:prstGeom>
+          <a:noFill/>
+        </p:spPr>
+        <p:style>
+          <a:lnRef idx="2">
+            <a:schemeClr val="accent1">
+              <a:shade val="50000"/>
+            </a:schemeClr>
+          </a:lnRef>
+          <a:fillRef idx="1">
+            <a:schemeClr val="accent1"/>
+          </a:fillRef>
+          <a:effectRef idx="0">
+            <a:schemeClr val="accent1"/>
+          </a:effectRef>
+          <a:fontRef idx="minor">
+            <a:schemeClr val="lt1"/>
+          </a:fontRef>
+        </p:style>
+        <p:txBody>
+          <a:bodyPr rtlCol="0" anchor="ctr"/>
+          <a:lstStyle/>
+          <a:p>
+            <a:pPr algn="ctr"/>
+            <a:endParaRPr lang="ko-KR" altLang="en-US"/>
+          </a:p>
+        </p:txBody>
+      </p:sp>
+      <p:sp>
+        <p:nvSpPr>
+          <p:cNvPr id="12" name="TextBox 11"/>
+          <p:cNvSpPr txBox="1"/>
+          <p:nvPr/>
+        </p:nvSpPr>
+        <p:spPr>
+          <a:xfrm>
+            <a:off x="2022516" y="2178414"/>
+            <a:ext cx="1728192" cy="261610"/>
+          </a:xfrm>
+          <a:prstGeom prst="rect">
+            <a:avLst/>
+          </a:prstGeom>
+          <a:noFill/>
+        </p:spPr>
+        <p:txBody>
+          <a:bodyPr wrap="square" rtlCol="0">
+            <a:spAutoFit/>
+          </a:bodyPr>
+          <a:lstStyle/>
+          <a:p>
+            <a:r>
+              <a:rPr lang="en-US" altLang="ko-KR" sz="1050" dirty="0" err="1" smtClean="0"/>
+              <a:t>Controll</a:t>
+            </a:r>
+            <a:r>
+              <a:rPr lang="en-US" altLang="ko-KR" sz="1050" dirty="0" smtClean="0"/>
+              <a:t> panel</a:t>
+            </a:r>
+            <a:endParaRPr lang="ko-KR" altLang="en-US" sz="1050" dirty="0"/>
+          </a:p>
+        </p:txBody>
+      </p:sp>
+      <p:sp>
+        <p:nvSpPr>
+          <p:cNvPr id="13" name="TextBox 12"/>
+          <p:cNvSpPr txBox="1"/>
+          <p:nvPr/>
+        </p:nvSpPr>
+        <p:spPr>
+          <a:xfrm>
+            <a:off x="4067944" y="2178414"/>
+            <a:ext cx="2808312" cy="261610"/>
+          </a:xfrm>
+          <a:prstGeom prst="rect">
+            <a:avLst/>
+          </a:prstGeom>
+          <a:noFill/>
+        </p:spPr>
+        <p:txBody>
+          <a:bodyPr wrap="square" rtlCol="0">
+            <a:spAutoFit/>
+          </a:bodyPr>
+          <a:lstStyle/>
+          <a:p>
+            <a:r>
+              <a:rPr lang="en-US" altLang="ko-KR" sz="1100" dirty="0" smtClean="0"/>
+              <a:t>Calendar</a:t>
+            </a:r>
+            <a:endParaRPr lang="ko-KR" altLang="en-US" sz="1100" dirty="0"/>
+          </a:p>
+        </p:txBody>
+      </p:sp>
+      <p:sp>
+        <p:nvSpPr>
+          <p:cNvPr id="3" name="TextBox 2"/>
+          <p:cNvSpPr txBox="1"/>
+          <p:nvPr/>
+        </p:nvSpPr>
+        <p:spPr>
+          <a:xfrm>
+            <a:off x="2051720" y="2760022"/>
+            <a:ext cx="3240360" cy="2862322"/>
+          </a:xfrm>
+          <a:prstGeom prst="rect">
+            <a:avLst/>
+          </a:prstGeom>
+          <a:noFill/>
+        </p:spPr>
+        <p:txBody>
+          <a:bodyPr wrap="square" rtlCol="0">
+            <a:spAutoFit/>
+          </a:bodyPr>
+          <a:lstStyle/>
+          <a:p>
+            <a:pPr marL="228600" indent="-228600">
+              <a:buAutoNum type="arabicPeriod"/>
+            </a:pPr>
+            <a:r>
+              <a:rPr lang="ko-KR" altLang="en-US" sz="1000" dirty="0" smtClean="0"/>
+              <a:t>시간대별로 신청인원</a:t>
+            </a:r>
+            <a:r>
+              <a:rPr lang="en-US" altLang="ko-KR" sz="1000" dirty="0" smtClean="0"/>
+              <a:t>/</a:t>
+            </a:r>
+            <a:r>
+              <a:rPr lang="ko-KR" altLang="en-US" sz="1000" dirty="0" smtClean="0"/>
+              <a:t>정원이 캘린더에 표시되는 버튼</a:t>
+            </a:r>
+            <a:endParaRPr lang="en-US" altLang="ko-KR" sz="1000" dirty="0"/>
+          </a:p>
+          <a:p>
+            <a:r>
+              <a:rPr lang="en-US" altLang="ko-KR" sz="1000" dirty="0" smtClean="0"/>
+              <a:t>     (</a:t>
+            </a:r>
+            <a:r>
+              <a:rPr lang="ko-KR" altLang="en-US" sz="1000" dirty="0" smtClean="0"/>
+              <a:t>미달된 이벤트 강조표시 필요</a:t>
+            </a:r>
+            <a:r>
+              <a:rPr lang="en-US" altLang="ko-KR" sz="1000" dirty="0" smtClean="0"/>
+              <a:t>)</a:t>
+            </a:r>
+          </a:p>
+          <a:p>
+            <a:endParaRPr lang="en-US" altLang="ko-KR" sz="1000" dirty="0"/>
+          </a:p>
+          <a:p>
+            <a:r>
+              <a:rPr lang="en-US" altLang="ko-KR" sz="1000" dirty="0" smtClean="0"/>
+              <a:t>2. </a:t>
+            </a:r>
+            <a:r>
+              <a:rPr lang="ko-KR" altLang="en-US" sz="1000" dirty="0" smtClean="0"/>
+              <a:t>직원목록으로 </a:t>
+            </a:r>
+            <a:r>
+              <a:rPr lang="ko-KR" altLang="en-US" sz="1000" dirty="0" err="1" smtClean="0"/>
+              <a:t>직원별</a:t>
+            </a:r>
+            <a:r>
+              <a:rPr lang="ko-KR" altLang="en-US" sz="1000" dirty="0" smtClean="0"/>
+              <a:t> 일정을 캘린더에 표시 </a:t>
+            </a:r>
+            <a:r>
+              <a:rPr lang="en-US" altLang="ko-KR" sz="1000" dirty="0" smtClean="0"/>
+              <a:t>– </a:t>
+            </a:r>
+            <a:r>
+              <a:rPr lang="ko-KR" altLang="en-US" sz="1000" dirty="0" smtClean="0"/>
+              <a:t>일괄승인 작업 시</a:t>
+            </a:r>
+            <a:endParaRPr lang="en-US" altLang="ko-KR" sz="1000" dirty="0"/>
+          </a:p>
+          <a:p>
+            <a:endParaRPr lang="en-US" altLang="ko-KR" sz="1000" dirty="0" smtClean="0"/>
+          </a:p>
+          <a:p>
+            <a:r>
+              <a:rPr lang="en-US" altLang="ko-KR" sz="1000" dirty="0" smtClean="0"/>
+              <a:t>3. </a:t>
+            </a:r>
+            <a:r>
+              <a:rPr lang="ko-KR" altLang="en-US" sz="1000" dirty="0" smtClean="0"/>
+              <a:t>어떤 경우든 캘린더에 표시된 이벤트에 마우스 커서를 올리면 동일 시간대에 등록한 직원목록이 </a:t>
+            </a:r>
+            <a:r>
+              <a:rPr lang="en-US" altLang="ko-KR" sz="1000" dirty="0" smtClean="0"/>
+              <a:t>tag</a:t>
+            </a:r>
+            <a:r>
+              <a:rPr lang="ko-KR" altLang="en-US" sz="1000" dirty="0" smtClean="0"/>
+              <a:t>로 보임</a:t>
+            </a:r>
+            <a:r>
+              <a:rPr lang="en-US" altLang="ko-KR" sz="1000" dirty="0" smtClean="0"/>
+              <a:t>. </a:t>
+            </a:r>
+          </a:p>
+          <a:p>
+            <a:pPr marL="228600" indent="-228600">
+              <a:buAutoNum type="arabicPeriod"/>
+            </a:pPr>
+            <a:endParaRPr lang="en-US" altLang="ko-KR" sz="1000" dirty="0"/>
+          </a:p>
+          <a:p>
+            <a:r>
+              <a:rPr lang="en-US" altLang="ko-KR" sz="1000" dirty="0" smtClean="0"/>
+              <a:t>4. </a:t>
+            </a:r>
+            <a:r>
+              <a:rPr lang="ko-KR" altLang="en-US" sz="1000" dirty="0" smtClean="0"/>
+              <a:t>정원이 미달된 이벤트들 정보를 모아 추가로 인원을 받을 수 있는 </a:t>
+            </a:r>
+            <a:r>
+              <a:rPr lang="ko-KR" altLang="en-US" sz="1000" dirty="0" err="1" smtClean="0"/>
+              <a:t>알람을</a:t>
+            </a:r>
+            <a:r>
+              <a:rPr lang="ko-KR" altLang="en-US" sz="1000" dirty="0" smtClean="0"/>
+              <a:t> 보냄</a:t>
+            </a:r>
+            <a:r>
+              <a:rPr lang="en-US" altLang="ko-KR" sz="1000" dirty="0" smtClean="0"/>
+              <a:t>.</a:t>
+            </a:r>
+            <a:br>
+              <a:rPr lang="en-US" altLang="ko-KR" sz="1000" dirty="0" smtClean="0"/>
+            </a:br>
+            <a:r>
+              <a:rPr lang="en-US" altLang="ko-KR" sz="1000" dirty="0" smtClean="0"/>
+              <a:t/>
+            </a:r>
+            <a:br>
+              <a:rPr lang="en-US" altLang="ko-KR" sz="1000" dirty="0" smtClean="0"/>
+            </a:br>
+            <a:r>
+              <a:rPr lang="en-US" altLang="ko-KR" sz="1000" dirty="0" smtClean="0"/>
+              <a:t>5. </a:t>
+            </a:r>
+            <a:r>
+              <a:rPr lang="ko-KR" altLang="en-US" sz="1000" dirty="0" smtClean="0"/>
+              <a:t>휴가</a:t>
+            </a:r>
+            <a:r>
+              <a:rPr lang="en-US" altLang="ko-KR" sz="1000" dirty="0" smtClean="0"/>
+              <a:t>/</a:t>
+            </a:r>
+            <a:r>
+              <a:rPr lang="ko-KR" altLang="en-US" sz="1000" dirty="0" smtClean="0"/>
+              <a:t>조퇴</a:t>
+            </a:r>
+            <a:r>
+              <a:rPr lang="en-US" altLang="ko-KR" sz="1000" dirty="0" smtClean="0"/>
+              <a:t>/</a:t>
+            </a:r>
+            <a:r>
+              <a:rPr lang="ko-KR" altLang="en-US" sz="1000" dirty="0" smtClean="0"/>
+              <a:t>정정신청 요청이 들어온 경우</a:t>
+            </a:r>
+            <a:endParaRPr lang="en-US" altLang="ko-KR" sz="1000" dirty="0" smtClean="0"/>
+          </a:p>
+          <a:p>
+            <a:r>
+              <a:rPr lang="en-US" altLang="ko-KR" sz="1000" dirty="0"/>
+              <a:t> </a:t>
+            </a:r>
+            <a:r>
+              <a:rPr lang="en-US" altLang="ko-KR" sz="1000" dirty="0" smtClean="0"/>
+              <a:t>  : </a:t>
+            </a:r>
+            <a:r>
+              <a:rPr lang="ko-KR" altLang="en-US" sz="1000" dirty="0" smtClean="0"/>
+              <a:t>해당되는 날의 대상자 이벤트를 모두 띄워 확인하고 승인 버튼을 누르면 승인 완료됨</a:t>
+            </a:r>
+            <a:endParaRPr lang="en-US" altLang="ko-KR" sz="1000" dirty="0" smtClean="0"/>
+          </a:p>
+          <a:p>
+            <a:r>
+              <a:rPr lang="en-US" altLang="ko-KR" sz="1000" dirty="0"/>
+              <a:t> </a:t>
+            </a:r>
+            <a:r>
+              <a:rPr lang="ko-KR" altLang="en-US" sz="1000" dirty="0" err="1" smtClean="0"/>
+              <a:t>이벤트바에</a:t>
+            </a:r>
+            <a:r>
+              <a:rPr lang="ko-KR" altLang="en-US" sz="1000" dirty="0" smtClean="0"/>
+              <a:t> 종류별 아이콘 삽입필요</a:t>
+            </a:r>
+            <a:r>
+              <a:rPr lang="en-US" altLang="ko-KR" sz="1000" dirty="0" smtClean="0"/>
+              <a:t>.</a:t>
+            </a:r>
+          </a:p>
+        </p:txBody>
+      </p:sp>
+    </p:spTree>
+    <p:extLst>
+      <p:ext uri="{BB962C8B-B14F-4D97-AF65-F5344CB8AC3E}">
+        <p14:creationId xmlns:p14="http://schemas.microsoft.com/office/powerpoint/2010/main" val="2397884630"/>
       </p:ext>
     </p:extLst>
   </p:cSld>
